--- a/whitepapers/media/Internet of Asset.pptx
+++ b/whitepapers/media/Internet of Asset.pptx
@@ -6,13 +6,14 @@
   </p:sldMasterIdLst>
   <p:sldIdLst>
     <p:sldId id="256" r:id="rId2"/>
-    <p:sldId id="257" r:id="rId3"/>
-    <p:sldId id="258" r:id="rId4"/>
-    <p:sldId id="262" r:id="rId5"/>
-    <p:sldId id="263" r:id="rId6"/>
-    <p:sldId id="260" r:id="rId7"/>
-    <p:sldId id="259" r:id="rId8"/>
-    <p:sldId id="261" r:id="rId9"/>
+    <p:sldId id="264" r:id="rId3"/>
+    <p:sldId id="257" r:id="rId4"/>
+    <p:sldId id="258" r:id="rId5"/>
+    <p:sldId id="262" r:id="rId6"/>
+    <p:sldId id="263" r:id="rId7"/>
+    <p:sldId id="260" r:id="rId8"/>
+    <p:sldId id="259" r:id="rId9"/>
+    <p:sldId id="261" r:id="rId10"/>
   </p:sldIdLst>
   <p:sldSz cx="12192000" cy="6858000"/>
   <p:notesSz cx="6858000" cy="9144000"/>
@@ -119,6 +120,5062 @@
 </p:presentation>
 </file>
 
+<file path=ppt/diagrams/colors1.xml><?xml version="1.0" encoding="utf-8"?>
+<dgm:colorsDef xmlns:dgm="http://schemas.openxmlformats.org/drawingml/2006/diagram" xmlns:a="http://schemas.openxmlformats.org/drawingml/2006/main" uniqueId="urn:microsoft.com/office/officeart/2005/8/colors/accent1_2">
+  <dgm:title val=""/>
+  <dgm:desc val=""/>
+  <dgm:catLst>
+    <dgm:cat type="accent1" pri="11200"/>
+  </dgm:catLst>
+  <dgm:styleLbl name="node0">
+    <dgm:fillClrLst meth="repeat">
+      <a:schemeClr val="accent1"/>
+    </dgm:fillClrLst>
+    <dgm:linClrLst meth="repeat">
+      <a:schemeClr val="lt1"/>
+    </dgm:linClrLst>
+    <dgm:effectClrLst/>
+    <dgm:txLinClrLst/>
+    <dgm:txFillClrLst/>
+    <dgm:txEffectClrLst/>
+  </dgm:styleLbl>
+  <dgm:styleLbl name="alignNode1">
+    <dgm:fillClrLst meth="repeat">
+      <a:schemeClr val="accent1"/>
+    </dgm:fillClrLst>
+    <dgm:linClrLst meth="repeat">
+      <a:schemeClr val="accent1"/>
+    </dgm:linClrLst>
+    <dgm:effectClrLst/>
+    <dgm:txLinClrLst/>
+    <dgm:txFillClrLst/>
+    <dgm:txEffectClrLst/>
+  </dgm:styleLbl>
+  <dgm:styleLbl name="node1">
+    <dgm:fillClrLst meth="repeat">
+      <a:schemeClr val="accent1"/>
+    </dgm:fillClrLst>
+    <dgm:linClrLst meth="repeat">
+      <a:schemeClr val="lt1"/>
+    </dgm:linClrLst>
+    <dgm:effectClrLst/>
+    <dgm:txLinClrLst/>
+    <dgm:txFillClrLst/>
+    <dgm:txEffectClrLst/>
+  </dgm:styleLbl>
+  <dgm:styleLbl name="lnNode1">
+    <dgm:fillClrLst meth="repeat">
+      <a:schemeClr val="accent1"/>
+    </dgm:fillClrLst>
+    <dgm:linClrLst meth="repeat">
+      <a:schemeClr val="lt1"/>
+    </dgm:linClrLst>
+    <dgm:effectClrLst/>
+    <dgm:txLinClrLst/>
+    <dgm:txFillClrLst/>
+    <dgm:txEffectClrLst/>
+  </dgm:styleLbl>
+  <dgm:styleLbl name="vennNode1">
+    <dgm:fillClrLst meth="repeat">
+      <a:schemeClr val="accent1">
+        <a:alpha val="50000"/>
+      </a:schemeClr>
+    </dgm:fillClrLst>
+    <dgm:linClrLst meth="repeat">
+      <a:schemeClr val="lt1"/>
+    </dgm:linClrLst>
+    <dgm:effectClrLst/>
+    <dgm:txLinClrLst/>
+    <dgm:txFillClrLst/>
+    <dgm:txEffectClrLst/>
+  </dgm:styleLbl>
+  <dgm:styleLbl name="node2">
+    <dgm:fillClrLst meth="repeat">
+      <a:schemeClr val="accent1"/>
+    </dgm:fillClrLst>
+    <dgm:linClrLst meth="repeat">
+      <a:schemeClr val="lt1"/>
+    </dgm:linClrLst>
+    <dgm:effectClrLst/>
+    <dgm:txLinClrLst/>
+    <dgm:txFillClrLst/>
+    <dgm:txEffectClrLst/>
+  </dgm:styleLbl>
+  <dgm:styleLbl name="node3">
+    <dgm:fillClrLst meth="repeat">
+      <a:schemeClr val="accent1"/>
+    </dgm:fillClrLst>
+    <dgm:linClrLst meth="repeat">
+      <a:schemeClr val="lt1"/>
+    </dgm:linClrLst>
+    <dgm:effectClrLst/>
+    <dgm:txLinClrLst/>
+    <dgm:txFillClrLst/>
+    <dgm:txEffectClrLst/>
+  </dgm:styleLbl>
+  <dgm:styleLbl name="node4">
+    <dgm:fillClrLst meth="repeat">
+      <a:schemeClr val="accent1"/>
+    </dgm:fillClrLst>
+    <dgm:linClrLst meth="repeat">
+      <a:schemeClr val="lt1"/>
+    </dgm:linClrLst>
+    <dgm:effectClrLst/>
+    <dgm:txLinClrLst/>
+    <dgm:txFillClrLst/>
+    <dgm:txEffectClrLst/>
+  </dgm:styleLbl>
+  <dgm:styleLbl name="fgImgPlace1">
+    <dgm:fillClrLst meth="repeat">
+      <a:schemeClr val="accent1">
+        <a:tint val="50000"/>
+      </a:schemeClr>
+    </dgm:fillClrLst>
+    <dgm:linClrLst meth="repeat">
+      <a:schemeClr val="lt1"/>
+    </dgm:linClrLst>
+    <dgm:effectClrLst/>
+    <dgm:txLinClrLst/>
+    <dgm:txFillClrLst meth="repeat">
+      <a:schemeClr val="lt1"/>
+    </dgm:txFillClrLst>
+    <dgm:txEffectClrLst/>
+  </dgm:styleLbl>
+  <dgm:styleLbl name="alignImgPlace1">
+    <dgm:fillClrLst meth="repeat">
+      <a:schemeClr val="accent1">
+        <a:tint val="50000"/>
+      </a:schemeClr>
+    </dgm:fillClrLst>
+    <dgm:linClrLst meth="repeat">
+      <a:schemeClr val="lt1"/>
+    </dgm:linClrLst>
+    <dgm:effectClrLst/>
+    <dgm:txLinClrLst/>
+    <dgm:txFillClrLst meth="repeat">
+      <a:schemeClr val="lt1"/>
+    </dgm:txFillClrLst>
+    <dgm:txEffectClrLst/>
+  </dgm:styleLbl>
+  <dgm:styleLbl name="bgImgPlace1">
+    <dgm:fillClrLst meth="repeat">
+      <a:schemeClr val="accent1">
+        <a:tint val="50000"/>
+      </a:schemeClr>
+    </dgm:fillClrLst>
+    <dgm:linClrLst meth="repeat">
+      <a:schemeClr val="lt1"/>
+    </dgm:linClrLst>
+    <dgm:effectClrLst/>
+    <dgm:txLinClrLst/>
+    <dgm:txFillClrLst meth="repeat">
+      <a:schemeClr val="lt1"/>
+    </dgm:txFillClrLst>
+    <dgm:txEffectClrLst/>
+  </dgm:styleLbl>
+  <dgm:styleLbl name="sibTrans2D1">
+    <dgm:fillClrLst meth="repeat">
+      <a:schemeClr val="accent1">
+        <a:tint val="60000"/>
+      </a:schemeClr>
+    </dgm:fillClrLst>
+    <dgm:linClrLst meth="repeat">
+      <a:schemeClr val="accent1">
+        <a:tint val="60000"/>
+      </a:schemeClr>
+    </dgm:linClrLst>
+    <dgm:effectClrLst/>
+    <dgm:txLinClrLst/>
+    <dgm:txFillClrLst/>
+    <dgm:txEffectClrLst/>
+  </dgm:styleLbl>
+  <dgm:styleLbl name="fgSibTrans2D1">
+    <dgm:fillClrLst meth="repeat">
+      <a:schemeClr val="accent1">
+        <a:tint val="60000"/>
+      </a:schemeClr>
+    </dgm:fillClrLst>
+    <dgm:linClrLst meth="repeat">
+      <a:schemeClr val="accent1">
+        <a:tint val="60000"/>
+      </a:schemeClr>
+    </dgm:linClrLst>
+    <dgm:effectClrLst/>
+    <dgm:txLinClrLst/>
+    <dgm:txFillClrLst/>
+    <dgm:txEffectClrLst/>
+  </dgm:styleLbl>
+  <dgm:styleLbl name="bgSibTrans2D1">
+    <dgm:fillClrLst meth="repeat">
+      <a:schemeClr val="accent1">
+        <a:tint val="60000"/>
+      </a:schemeClr>
+    </dgm:fillClrLst>
+    <dgm:linClrLst meth="repeat">
+      <a:schemeClr val="accent1">
+        <a:tint val="60000"/>
+      </a:schemeClr>
+    </dgm:linClrLst>
+    <dgm:effectClrLst/>
+    <dgm:txLinClrLst/>
+    <dgm:txFillClrLst/>
+    <dgm:txEffectClrLst/>
+  </dgm:styleLbl>
+  <dgm:styleLbl name="sibTrans1D1">
+    <dgm:fillClrLst meth="repeat">
+      <a:schemeClr val="accent1"/>
+    </dgm:fillClrLst>
+    <dgm:linClrLst meth="repeat">
+      <a:schemeClr val="accent1"/>
+    </dgm:linClrLst>
+    <dgm:effectClrLst/>
+    <dgm:txLinClrLst/>
+    <dgm:txFillClrLst meth="repeat">
+      <a:schemeClr val="tx1"/>
+    </dgm:txFillClrLst>
+    <dgm:txEffectClrLst/>
+  </dgm:styleLbl>
+  <dgm:styleLbl name="callout">
+    <dgm:fillClrLst meth="repeat">
+      <a:schemeClr val="accent1"/>
+    </dgm:fillClrLst>
+    <dgm:linClrLst meth="repeat">
+      <a:schemeClr val="accent1">
+        <a:tint val="50000"/>
+      </a:schemeClr>
+    </dgm:linClrLst>
+    <dgm:effectClrLst/>
+    <dgm:txLinClrLst/>
+    <dgm:txFillClrLst meth="repeat">
+      <a:schemeClr val="tx1"/>
+    </dgm:txFillClrLst>
+    <dgm:txEffectClrLst/>
+  </dgm:styleLbl>
+  <dgm:styleLbl name="asst0">
+    <dgm:fillClrLst meth="repeat">
+      <a:schemeClr val="accent1"/>
+    </dgm:fillClrLst>
+    <dgm:linClrLst meth="repeat">
+      <a:schemeClr val="lt1"/>
+    </dgm:linClrLst>
+    <dgm:effectClrLst/>
+    <dgm:txLinClrLst/>
+    <dgm:txFillClrLst/>
+    <dgm:txEffectClrLst/>
+  </dgm:styleLbl>
+  <dgm:styleLbl name="asst1">
+    <dgm:fillClrLst meth="repeat">
+      <a:schemeClr val="accent1"/>
+    </dgm:fillClrLst>
+    <dgm:linClrLst meth="repeat">
+      <a:schemeClr val="lt1"/>
+    </dgm:linClrLst>
+    <dgm:effectClrLst/>
+    <dgm:txLinClrLst/>
+    <dgm:txFillClrLst/>
+    <dgm:txEffectClrLst/>
+  </dgm:styleLbl>
+  <dgm:styleLbl name="asst2">
+    <dgm:fillClrLst meth="repeat">
+      <a:schemeClr val="accent1"/>
+    </dgm:fillClrLst>
+    <dgm:linClrLst meth="repeat">
+      <a:schemeClr val="lt1"/>
+    </dgm:linClrLst>
+    <dgm:effectClrLst/>
+    <dgm:txLinClrLst/>
+    <dgm:txFillClrLst/>
+    <dgm:txEffectClrLst/>
+  </dgm:styleLbl>
+  <dgm:styleLbl name="asst3">
+    <dgm:fillClrLst meth="repeat">
+      <a:schemeClr val="accent1"/>
+    </dgm:fillClrLst>
+    <dgm:linClrLst meth="repeat">
+      <a:schemeClr val="lt1"/>
+    </dgm:linClrLst>
+    <dgm:effectClrLst/>
+    <dgm:txLinClrLst/>
+    <dgm:txFillClrLst/>
+    <dgm:txEffectClrLst/>
+  </dgm:styleLbl>
+  <dgm:styleLbl name="asst4">
+    <dgm:fillClrLst meth="repeat">
+      <a:schemeClr val="accent1"/>
+    </dgm:fillClrLst>
+    <dgm:linClrLst meth="repeat">
+      <a:schemeClr val="lt1"/>
+    </dgm:linClrLst>
+    <dgm:effectClrLst/>
+    <dgm:txLinClrLst/>
+    <dgm:txFillClrLst/>
+    <dgm:txEffectClrLst/>
+  </dgm:styleLbl>
+  <dgm:styleLbl name="parChTrans2D1">
+    <dgm:fillClrLst meth="repeat">
+      <a:schemeClr val="accent1">
+        <a:tint val="60000"/>
+      </a:schemeClr>
+    </dgm:fillClrLst>
+    <dgm:linClrLst meth="repeat">
+      <a:schemeClr val="accent1">
+        <a:tint val="60000"/>
+      </a:schemeClr>
+    </dgm:linClrLst>
+    <dgm:effectClrLst/>
+    <dgm:txLinClrLst/>
+    <dgm:txFillClrLst meth="repeat">
+      <a:schemeClr val="lt1"/>
+    </dgm:txFillClrLst>
+    <dgm:txEffectClrLst/>
+  </dgm:styleLbl>
+  <dgm:styleLbl name="parChTrans2D2">
+    <dgm:fillClrLst meth="repeat">
+      <a:schemeClr val="accent1"/>
+    </dgm:fillClrLst>
+    <dgm:linClrLst meth="repeat">
+      <a:schemeClr val="accent1"/>
+    </dgm:linClrLst>
+    <dgm:effectClrLst/>
+    <dgm:txLinClrLst/>
+    <dgm:txFillClrLst meth="repeat">
+      <a:schemeClr val="lt1"/>
+    </dgm:txFillClrLst>
+    <dgm:txEffectClrLst/>
+  </dgm:styleLbl>
+  <dgm:styleLbl name="parChTrans2D3">
+    <dgm:fillClrLst meth="repeat">
+      <a:schemeClr val="accent1"/>
+    </dgm:fillClrLst>
+    <dgm:linClrLst meth="repeat">
+      <a:schemeClr val="accent1"/>
+    </dgm:linClrLst>
+    <dgm:effectClrLst/>
+    <dgm:txLinClrLst/>
+    <dgm:txFillClrLst meth="repeat">
+      <a:schemeClr val="lt1"/>
+    </dgm:txFillClrLst>
+    <dgm:txEffectClrLst/>
+  </dgm:styleLbl>
+  <dgm:styleLbl name="parChTrans2D4">
+    <dgm:fillClrLst meth="repeat">
+      <a:schemeClr val="accent1"/>
+    </dgm:fillClrLst>
+    <dgm:linClrLst meth="repeat">
+      <a:schemeClr val="accent1"/>
+    </dgm:linClrLst>
+    <dgm:effectClrLst/>
+    <dgm:txLinClrLst/>
+    <dgm:txFillClrLst meth="repeat">
+      <a:schemeClr val="lt1"/>
+    </dgm:txFillClrLst>
+    <dgm:txEffectClrLst/>
+  </dgm:styleLbl>
+  <dgm:styleLbl name="parChTrans1D1">
+    <dgm:fillClrLst meth="repeat">
+      <a:schemeClr val="accent1"/>
+    </dgm:fillClrLst>
+    <dgm:linClrLst meth="repeat">
+      <a:schemeClr val="accent1">
+        <a:shade val="60000"/>
+      </a:schemeClr>
+    </dgm:linClrLst>
+    <dgm:effectClrLst/>
+    <dgm:txLinClrLst/>
+    <dgm:txFillClrLst meth="repeat">
+      <a:schemeClr val="tx1"/>
+    </dgm:txFillClrLst>
+    <dgm:txEffectClrLst/>
+  </dgm:styleLbl>
+  <dgm:styleLbl name="parChTrans1D2">
+    <dgm:fillClrLst meth="repeat">
+      <a:schemeClr val="accent1"/>
+    </dgm:fillClrLst>
+    <dgm:linClrLst meth="repeat">
+      <a:schemeClr val="accent1">
+        <a:shade val="60000"/>
+      </a:schemeClr>
+    </dgm:linClrLst>
+    <dgm:effectClrLst/>
+    <dgm:txLinClrLst/>
+    <dgm:txFillClrLst meth="repeat">
+      <a:schemeClr val="tx1"/>
+    </dgm:txFillClrLst>
+    <dgm:txEffectClrLst/>
+  </dgm:styleLbl>
+  <dgm:styleLbl name="parChTrans1D3">
+    <dgm:fillClrLst meth="repeat">
+      <a:schemeClr val="accent1"/>
+    </dgm:fillClrLst>
+    <dgm:linClrLst meth="repeat">
+      <a:schemeClr val="accent1">
+        <a:shade val="80000"/>
+      </a:schemeClr>
+    </dgm:linClrLst>
+    <dgm:effectClrLst/>
+    <dgm:txLinClrLst/>
+    <dgm:txFillClrLst meth="repeat">
+      <a:schemeClr val="tx1"/>
+    </dgm:txFillClrLst>
+    <dgm:txEffectClrLst/>
+  </dgm:styleLbl>
+  <dgm:styleLbl name="parChTrans1D4">
+    <dgm:fillClrLst meth="repeat">
+      <a:schemeClr val="accent1"/>
+    </dgm:fillClrLst>
+    <dgm:linClrLst meth="repeat">
+      <a:schemeClr val="accent1">
+        <a:shade val="80000"/>
+      </a:schemeClr>
+    </dgm:linClrLst>
+    <dgm:effectClrLst/>
+    <dgm:txLinClrLst/>
+    <dgm:txFillClrLst meth="repeat">
+      <a:schemeClr val="tx1"/>
+    </dgm:txFillClrLst>
+    <dgm:txEffectClrLst/>
+  </dgm:styleLbl>
+  <dgm:styleLbl name="fgAcc1">
+    <dgm:fillClrLst meth="repeat">
+      <a:schemeClr val="lt1">
+        <a:alpha val="90000"/>
+      </a:schemeClr>
+    </dgm:fillClrLst>
+    <dgm:linClrLst meth="repeat">
+      <a:schemeClr val="accent1"/>
+    </dgm:linClrLst>
+    <dgm:effectClrLst/>
+    <dgm:txLinClrLst/>
+    <dgm:txFillClrLst meth="repeat">
+      <a:schemeClr val="dk1"/>
+    </dgm:txFillClrLst>
+    <dgm:txEffectClrLst/>
+  </dgm:styleLbl>
+  <dgm:styleLbl name="conFgAcc1">
+    <dgm:fillClrLst meth="repeat">
+      <a:schemeClr val="lt1">
+        <a:alpha val="90000"/>
+      </a:schemeClr>
+    </dgm:fillClrLst>
+    <dgm:linClrLst meth="repeat">
+      <a:schemeClr val="accent1"/>
+    </dgm:linClrLst>
+    <dgm:effectClrLst/>
+    <dgm:txLinClrLst/>
+    <dgm:txFillClrLst meth="repeat">
+      <a:schemeClr val="dk1"/>
+    </dgm:txFillClrLst>
+    <dgm:txEffectClrLst/>
+  </dgm:styleLbl>
+  <dgm:styleLbl name="alignAcc1">
+    <dgm:fillClrLst meth="repeat">
+      <a:schemeClr val="lt1">
+        <a:alpha val="90000"/>
+      </a:schemeClr>
+    </dgm:fillClrLst>
+    <dgm:linClrLst meth="repeat">
+      <a:schemeClr val="accent1"/>
+    </dgm:linClrLst>
+    <dgm:effectClrLst/>
+    <dgm:txLinClrLst/>
+    <dgm:txFillClrLst meth="repeat">
+      <a:schemeClr val="dk1"/>
+    </dgm:txFillClrLst>
+    <dgm:txEffectClrLst/>
+  </dgm:styleLbl>
+  <dgm:styleLbl name="trAlignAcc1">
+    <dgm:fillClrLst meth="repeat">
+      <a:schemeClr val="lt1">
+        <a:alpha val="40000"/>
+      </a:schemeClr>
+    </dgm:fillClrLst>
+    <dgm:linClrLst meth="repeat">
+      <a:schemeClr val="accent1"/>
+    </dgm:linClrLst>
+    <dgm:effectClrLst/>
+    <dgm:txLinClrLst/>
+    <dgm:txFillClrLst meth="repeat">
+      <a:schemeClr val="dk1"/>
+    </dgm:txFillClrLst>
+    <dgm:txEffectClrLst/>
+  </dgm:styleLbl>
+  <dgm:styleLbl name="bgAcc1">
+    <dgm:fillClrLst meth="repeat">
+      <a:schemeClr val="lt1">
+        <a:alpha val="90000"/>
+      </a:schemeClr>
+    </dgm:fillClrLst>
+    <dgm:linClrLst meth="repeat">
+      <a:schemeClr val="accent1"/>
+    </dgm:linClrLst>
+    <dgm:effectClrLst/>
+    <dgm:txLinClrLst/>
+    <dgm:txFillClrLst meth="repeat">
+      <a:schemeClr val="dk1"/>
+    </dgm:txFillClrLst>
+    <dgm:txEffectClrLst/>
+  </dgm:styleLbl>
+  <dgm:styleLbl name="solidFgAcc1">
+    <dgm:fillClrLst meth="repeat">
+      <a:schemeClr val="lt1"/>
+    </dgm:fillClrLst>
+    <dgm:linClrLst meth="repeat">
+      <a:schemeClr val="accent1"/>
+    </dgm:linClrLst>
+    <dgm:effectClrLst/>
+    <dgm:txLinClrLst/>
+    <dgm:txFillClrLst meth="repeat">
+      <a:schemeClr val="dk1"/>
+    </dgm:txFillClrLst>
+    <dgm:txEffectClrLst/>
+  </dgm:styleLbl>
+  <dgm:styleLbl name="solidAlignAcc1">
+    <dgm:fillClrLst meth="repeat">
+      <a:schemeClr val="lt1"/>
+    </dgm:fillClrLst>
+    <dgm:linClrLst meth="repeat">
+      <a:schemeClr val="accent1"/>
+    </dgm:linClrLst>
+    <dgm:effectClrLst/>
+    <dgm:txLinClrLst/>
+    <dgm:txFillClrLst meth="repeat">
+      <a:schemeClr val="dk1"/>
+    </dgm:txFillClrLst>
+    <dgm:txEffectClrLst/>
+  </dgm:styleLbl>
+  <dgm:styleLbl name="solidBgAcc1">
+    <dgm:fillClrLst meth="repeat">
+      <a:schemeClr val="lt1"/>
+    </dgm:fillClrLst>
+    <dgm:linClrLst meth="repeat">
+      <a:schemeClr val="accent1"/>
+    </dgm:linClrLst>
+    <dgm:effectClrLst/>
+    <dgm:txLinClrLst/>
+    <dgm:txFillClrLst meth="repeat">
+      <a:schemeClr val="dk1"/>
+    </dgm:txFillClrLst>
+    <dgm:txEffectClrLst/>
+  </dgm:styleLbl>
+  <dgm:styleLbl name="fgAccFollowNode1">
+    <dgm:fillClrLst meth="repeat">
+      <a:schemeClr val="accent1">
+        <a:alpha val="90000"/>
+        <a:tint val="40000"/>
+      </a:schemeClr>
+    </dgm:fillClrLst>
+    <dgm:linClrLst meth="repeat">
+      <a:schemeClr val="accent1">
+        <a:alpha val="90000"/>
+        <a:tint val="40000"/>
+      </a:schemeClr>
+    </dgm:linClrLst>
+    <dgm:effectClrLst/>
+    <dgm:txLinClrLst/>
+    <dgm:txFillClrLst meth="repeat">
+      <a:schemeClr val="dk1"/>
+    </dgm:txFillClrLst>
+    <dgm:txEffectClrLst/>
+  </dgm:styleLbl>
+  <dgm:styleLbl name="alignAccFollowNode1">
+    <dgm:fillClrLst meth="repeat">
+      <a:schemeClr val="accent1">
+        <a:alpha val="90000"/>
+        <a:tint val="40000"/>
+      </a:schemeClr>
+    </dgm:fillClrLst>
+    <dgm:linClrLst meth="repeat">
+      <a:schemeClr val="accent1">
+        <a:alpha val="90000"/>
+        <a:tint val="40000"/>
+      </a:schemeClr>
+    </dgm:linClrLst>
+    <dgm:effectClrLst/>
+    <dgm:txLinClrLst/>
+    <dgm:txFillClrLst meth="repeat">
+      <a:schemeClr val="dk1"/>
+    </dgm:txFillClrLst>
+    <dgm:txEffectClrLst/>
+  </dgm:styleLbl>
+  <dgm:styleLbl name="bgAccFollowNode1">
+    <dgm:fillClrLst meth="repeat">
+      <a:schemeClr val="accent1">
+        <a:alpha val="90000"/>
+        <a:tint val="40000"/>
+      </a:schemeClr>
+    </dgm:fillClrLst>
+    <dgm:linClrLst meth="repeat">
+      <a:schemeClr val="accent1">
+        <a:alpha val="90000"/>
+        <a:tint val="40000"/>
+      </a:schemeClr>
+    </dgm:linClrLst>
+    <dgm:effectClrLst/>
+    <dgm:txLinClrLst/>
+    <dgm:txFillClrLst meth="repeat">
+      <a:schemeClr val="dk1"/>
+    </dgm:txFillClrLst>
+    <dgm:txEffectClrLst/>
+  </dgm:styleLbl>
+  <dgm:styleLbl name="fgAcc0">
+    <dgm:fillClrLst meth="repeat">
+      <a:schemeClr val="lt1">
+        <a:alpha val="90000"/>
+      </a:schemeClr>
+    </dgm:fillClrLst>
+    <dgm:linClrLst meth="repeat">
+      <a:schemeClr val="accent1"/>
+    </dgm:linClrLst>
+    <dgm:effectClrLst/>
+    <dgm:txLinClrLst/>
+    <dgm:txFillClrLst meth="repeat">
+      <a:schemeClr val="dk1"/>
+    </dgm:txFillClrLst>
+    <dgm:txEffectClrLst/>
+  </dgm:styleLbl>
+  <dgm:styleLbl name="fgAcc2">
+    <dgm:fillClrLst meth="repeat">
+      <a:schemeClr val="lt1">
+        <a:alpha val="90000"/>
+      </a:schemeClr>
+    </dgm:fillClrLst>
+    <dgm:linClrLst meth="repeat">
+      <a:schemeClr val="accent1"/>
+    </dgm:linClrLst>
+    <dgm:effectClrLst/>
+    <dgm:txLinClrLst/>
+    <dgm:txFillClrLst meth="repeat">
+      <a:schemeClr val="dk1"/>
+    </dgm:txFillClrLst>
+    <dgm:txEffectClrLst/>
+  </dgm:styleLbl>
+  <dgm:styleLbl name="fgAcc3">
+    <dgm:fillClrLst meth="repeat">
+      <a:schemeClr val="lt1">
+        <a:alpha val="90000"/>
+      </a:schemeClr>
+    </dgm:fillClrLst>
+    <dgm:linClrLst meth="repeat">
+      <a:schemeClr val="accent1"/>
+    </dgm:linClrLst>
+    <dgm:effectClrLst/>
+    <dgm:txLinClrLst/>
+    <dgm:txFillClrLst meth="repeat">
+      <a:schemeClr val="dk1"/>
+    </dgm:txFillClrLst>
+    <dgm:txEffectClrLst/>
+  </dgm:styleLbl>
+  <dgm:styleLbl name="fgAcc4">
+    <dgm:fillClrLst meth="repeat">
+      <a:schemeClr val="lt1">
+        <a:alpha val="90000"/>
+      </a:schemeClr>
+    </dgm:fillClrLst>
+    <dgm:linClrLst meth="repeat">
+      <a:schemeClr val="accent1"/>
+    </dgm:linClrLst>
+    <dgm:effectClrLst/>
+    <dgm:txLinClrLst/>
+    <dgm:txFillClrLst meth="repeat">
+      <a:schemeClr val="dk1"/>
+    </dgm:txFillClrLst>
+    <dgm:txEffectClrLst/>
+  </dgm:styleLbl>
+  <dgm:styleLbl name="bgShp">
+    <dgm:fillClrLst meth="repeat">
+      <a:schemeClr val="accent1">
+        <a:tint val="40000"/>
+      </a:schemeClr>
+    </dgm:fillClrLst>
+    <dgm:linClrLst meth="repeat">
+      <a:schemeClr val="accent1"/>
+    </dgm:linClrLst>
+    <dgm:effectClrLst/>
+    <dgm:txLinClrLst/>
+    <dgm:txFillClrLst meth="repeat">
+      <a:schemeClr val="dk1"/>
+    </dgm:txFillClrLst>
+    <dgm:txEffectClrLst/>
+  </dgm:styleLbl>
+  <dgm:styleLbl name="dkBgShp">
+    <dgm:fillClrLst meth="repeat">
+      <a:schemeClr val="accent1">
+        <a:shade val="80000"/>
+      </a:schemeClr>
+    </dgm:fillClrLst>
+    <dgm:linClrLst meth="repeat">
+      <a:schemeClr val="accent1"/>
+    </dgm:linClrLst>
+    <dgm:effectClrLst/>
+    <dgm:txLinClrLst/>
+    <dgm:txFillClrLst meth="repeat">
+      <a:schemeClr val="lt1"/>
+    </dgm:txFillClrLst>
+    <dgm:txEffectClrLst/>
+  </dgm:styleLbl>
+  <dgm:styleLbl name="trBgShp">
+    <dgm:fillClrLst meth="repeat">
+      <a:schemeClr val="accent1">
+        <a:tint val="50000"/>
+        <a:alpha val="40000"/>
+      </a:schemeClr>
+    </dgm:fillClrLst>
+    <dgm:linClrLst meth="repeat">
+      <a:schemeClr val="accent1"/>
+    </dgm:linClrLst>
+    <dgm:effectClrLst/>
+    <dgm:txLinClrLst/>
+    <dgm:txFillClrLst meth="repeat">
+      <a:schemeClr val="lt1"/>
+    </dgm:txFillClrLst>
+    <dgm:txEffectClrLst/>
+  </dgm:styleLbl>
+  <dgm:styleLbl name="fgShp">
+    <dgm:fillClrLst meth="repeat">
+      <a:schemeClr val="accent1">
+        <a:tint val="60000"/>
+      </a:schemeClr>
+    </dgm:fillClrLst>
+    <dgm:linClrLst meth="repeat">
+      <a:schemeClr val="lt1"/>
+    </dgm:linClrLst>
+    <dgm:effectClrLst/>
+    <dgm:txLinClrLst/>
+    <dgm:txFillClrLst meth="repeat">
+      <a:schemeClr val="dk1"/>
+    </dgm:txFillClrLst>
+    <dgm:txEffectClrLst/>
+  </dgm:styleLbl>
+  <dgm:styleLbl name="revTx">
+    <dgm:fillClrLst meth="repeat">
+      <a:schemeClr val="lt1">
+        <a:alpha val="0"/>
+      </a:schemeClr>
+    </dgm:fillClrLst>
+    <dgm:linClrLst meth="repeat">
+      <a:schemeClr val="dk1">
+        <a:alpha val="0"/>
+      </a:schemeClr>
+    </dgm:linClrLst>
+    <dgm:effectClrLst/>
+    <dgm:txLinClrLst/>
+    <dgm:txFillClrLst meth="repeat">
+      <a:schemeClr val="tx1"/>
+    </dgm:txFillClrLst>
+    <dgm:txEffectClrLst/>
+  </dgm:styleLbl>
+</dgm:colorsDef>
+</file>
+
+<file path=ppt/diagrams/data1.xml><?xml version="1.0" encoding="utf-8"?>
+<dgm:dataModel xmlns:dgm="http://schemas.openxmlformats.org/drawingml/2006/diagram" xmlns:a="http://schemas.openxmlformats.org/drawingml/2006/main">
+  <dgm:ptLst>
+    <dgm:pt modelId="{AC358F47-38CC-2C42-8FBF-9FCC7E77260F}" type="doc">
+      <dgm:prSet loTypeId="urn:microsoft.com/office/officeart/2005/8/layout/orgChart1" loCatId="hierarchy" qsTypeId="urn:microsoft.com/office/officeart/2005/8/quickstyle/simple4" qsCatId="simple" csTypeId="urn:microsoft.com/office/officeart/2005/8/colors/accent1_2" csCatId="accent1" phldr="1"/>
+      <dgm:spPr/>
+      <dgm:t>
+        <a:bodyPr/>
+        <a:lstStyle/>
+        <a:p>
+          <a:endParaRPr lang="en-US"/>
+        </a:p>
+      </dgm:t>
+    </dgm:pt>
+    <dgm:pt modelId="{89777119-529B-AA4E-A817-BF9F77BC6C09}">
+      <dgm:prSet phldrT="[Text]"/>
+      <dgm:spPr/>
+      <dgm:t>
+        <a:bodyPr/>
+        <a:lstStyle/>
+        <a:p>
+          <a:endParaRPr lang="en-US" dirty="0"/>
+        </a:p>
+      </dgm:t>
+    </dgm:pt>
+    <dgm:pt modelId="{33F909F1-3C17-A849-92A8-01CAD37DDD7F}" type="parTrans" cxnId="{AB9D9F3A-89AF-354C-8B2A-47FDDFEF5C63}">
+      <dgm:prSet/>
+      <dgm:spPr/>
+      <dgm:t>
+        <a:bodyPr/>
+        <a:lstStyle/>
+        <a:p>
+          <a:endParaRPr lang="en-US"/>
+        </a:p>
+      </dgm:t>
+    </dgm:pt>
+    <dgm:pt modelId="{B7E6866C-B96C-8246-B040-229B9D99DF66}" type="sibTrans" cxnId="{AB9D9F3A-89AF-354C-8B2A-47FDDFEF5C63}">
+      <dgm:prSet/>
+      <dgm:spPr/>
+      <dgm:t>
+        <a:bodyPr/>
+        <a:lstStyle/>
+        <a:p>
+          <a:endParaRPr lang="en-US"/>
+        </a:p>
+      </dgm:t>
+    </dgm:pt>
+    <dgm:pt modelId="{26596363-ECE8-3348-BCDC-7DB520411C3E}">
+      <dgm:prSet phldrT="[Text]"/>
+      <dgm:spPr/>
+      <dgm:t>
+        <a:bodyPr/>
+        <a:lstStyle/>
+        <a:p>
+          <a:r>
+            <a:rPr lang="en-US" dirty="0" smtClean="0"/>
+            <a:t> </a:t>
+          </a:r>
+          <a:endParaRPr lang="en-US" dirty="0"/>
+        </a:p>
+      </dgm:t>
+    </dgm:pt>
+    <dgm:pt modelId="{92868946-E65F-6340-BF26-956C56EFB524}" type="parTrans" cxnId="{B754E1E0-B8A4-AC43-A87F-2F230EFF78AA}">
+      <dgm:prSet/>
+      <dgm:spPr/>
+      <dgm:t>
+        <a:bodyPr/>
+        <a:lstStyle/>
+        <a:p>
+          <a:endParaRPr lang="en-US"/>
+        </a:p>
+      </dgm:t>
+    </dgm:pt>
+    <dgm:pt modelId="{71C5B148-103A-A347-8B8B-F474B3A3FF9F}" type="sibTrans" cxnId="{B754E1E0-B8A4-AC43-A87F-2F230EFF78AA}">
+      <dgm:prSet/>
+      <dgm:spPr/>
+      <dgm:t>
+        <a:bodyPr/>
+        <a:lstStyle/>
+        <a:p>
+          <a:endParaRPr lang="en-US"/>
+        </a:p>
+      </dgm:t>
+    </dgm:pt>
+    <dgm:pt modelId="{3EA21750-7A28-D04F-B983-6213D04CA7B2}">
+      <dgm:prSet phldrT="[Text]"/>
+      <dgm:spPr/>
+      <dgm:t>
+        <a:bodyPr/>
+        <a:lstStyle/>
+        <a:p>
+          <a:r>
+            <a:rPr lang="en-US" dirty="0" smtClean="0"/>
+            <a:t> </a:t>
+          </a:r>
+          <a:endParaRPr lang="en-US" dirty="0"/>
+        </a:p>
+      </dgm:t>
+    </dgm:pt>
+    <dgm:pt modelId="{4DE7BCE8-C6B3-FE45-AEE4-77C83F4F389D}" type="parTrans" cxnId="{58FA4D5A-BF8A-E24F-A824-0D8495DD216E}">
+      <dgm:prSet/>
+      <dgm:spPr/>
+      <dgm:t>
+        <a:bodyPr/>
+        <a:lstStyle/>
+        <a:p>
+          <a:endParaRPr lang="en-US"/>
+        </a:p>
+      </dgm:t>
+    </dgm:pt>
+    <dgm:pt modelId="{4CA429DA-96CA-CD47-8854-862A4C68DFCD}" type="sibTrans" cxnId="{58FA4D5A-BF8A-E24F-A824-0D8495DD216E}">
+      <dgm:prSet/>
+      <dgm:spPr/>
+      <dgm:t>
+        <a:bodyPr/>
+        <a:lstStyle/>
+        <a:p>
+          <a:endParaRPr lang="en-US"/>
+        </a:p>
+      </dgm:t>
+    </dgm:pt>
+    <dgm:pt modelId="{612B2249-B211-324D-827E-6D8AFEF7717F}">
+      <dgm:prSet phldrT="[Text]"/>
+      <dgm:spPr/>
+      <dgm:t>
+        <a:bodyPr/>
+        <a:lstStyle/>
+        <a:p>
+          <a:endParaRPr lang="en-US" dirty="0"/>
+        </a:p>
+      </dgm:t>
+    </dgm:pt>
+    <dgm:pt modelId="{794EBB8E-D0EE-CF4C-9BC2-A63CF653E2A1}" type="parTrans" cxnId="{D9DB3F8B-ECE2-F74D-B666-BC8A04B7C073}">
+      <dgm:prSet/>
+      <dgm:spPr/>
+      <dgm:t>
+        <a:bodyPr/>
+        <a:lstStyle/>
+        <a:p>
+          <a:endParaRPr lang="en-US"/>
+        </a:p>
+      </dgm:t>
+    </dgm:pt>
+    <dgm:pt modelId="{3B6ADBB1-1ED0-3747-B4A9-3DA61180C4BE}" type="sibTrans" cxnId="{D9DB3F8B-ECE2-F74D-B666-BC8A04B7C073}">
+      <dgm:prSet/>
+      <dgm:spPr/>
+      <dgm:t>
+        <a:bodyPr/>
+        <a:lstStyle/>
+        <a:p>
+          <a:endParaRPr lang="en-US"/>
+        </a:p>
+      </dgm:t>
+    </dgm:pt>
+    <dgm:pt modelId="{E358498D-9743-164A-88A1-D7E8ED92506C}">
+      <dgm:prSet phldrT="[Text]"/>
+      <dgm:spPr/>
+      <dgm:t>
+        <a:bodyPr/>
+        <a:lstStyle/>
+        <a:p>
+          <a:endParaRPr lang="en-US" dirty="0"/>
+        </a:p>
+      </dgm:t>
+    </dgm:pt>
+    <dgm:pt modelId="{C62F325D-9FA4-2C46-A259-17B92B539A0A}" type="parTrans" cxnId="{CAF11483-28BE-A749-907A-7558BC767292}">
+      <dgm:prSet/>
+      <dgm:spPr/>
+      <dgm:t>
+        <a:bodyPr/>
+        <a:lstStyle/>
+        <a:p>
+          <a:endParaRPr lang="en-US"/>
+        </a:p>
+      </dgm:t>
+    </dgm:pt>
+    <dgm:pt modelId="{40AD76B4-7BD2-BD4C-B1BB-7E59B2626020}" type="sibTrans" cxnId="{CAF11483-28BE-A749-907A-7558BC767292}">
+      <dgm:prSet/>
+      <dgm:spPr/>
+      <dgm:t>
+        <a:bodyPr/>
+        <a:lstStyle/>
+        <a:p>
+          <a:endParaRPr lang="en-US"/>
+        </a:p>
+      </dgm:t>
+    </dgm:pt>
+    <dgm:pt modelId="{4D646514-371B-4145-A02E-939C9006CE16}">
+      <dgm:prSet phldrT="[Text]"/>
+      <dgm:spPr/>
+      <dgm:t>
+        <a:bodyPr/>
+        <a:lstStyle/>
+        <a:p>
+          <a:endParaRPr lang="en-US" dirty="0"/>
+        </a:p>
+      </dgm:t>
+    </dgm:pt>
+    <dgm:pt modelId="{3B1EF517-6E94-4544-8018-CAD2286C3AF2}" type="parTrans" cxnId="{717915DE-2F1A-F840-AB24-5BE1AA92FE0A}">
+      <dgm:prSet/>
+      <dgm:spPr/>
+      <dgm:t>
+        <a:bodyPr/>
+        <a:lstStyle/>
+        <a:p>
+          <a:endParaRPr lang="en-US"/>
+        </a:p>
+      </dgm:t>
+    </dgm:pt>
+    <dgm:pt modelId="{0CE818C9-21A6-0B4A-AC63-40540B973C59}" type="sibTrans" cxnId="{717915DE-2F1A-F840-AB24-5BE1AA92FE0A}">
+      <dgm:prSet/>
+      <dgm:spPr/>
+      <dgm:t>
+        <a:bodyPr/>
+        <a:lstStyle/>
+        <a:p>
+          <a:endParaRPr lang="en-US"/>
+        </a:p>
+      </dgm:t>
+    </dgm:pt>
+    <dgm:pt modelId="{255FBBCA-8716-094A-BC06-EF7A73DE11C5}">
+      <dgm:prSet phldrT="[Text]"/>
+      <dgm:spPr/>
+      <dgm:t>
+        <a:bodyPr/>
+        <a:lstStyle/>
+        <a:p>
+          <a:endParaRPr lang="en-US" dirty="0"/>
+        </a:p>
+      </dgm:t>
+    </dgm:pt>
+    <dgm:pt modelId="{25E74DD1-D899-4749-A9C8-C250F22CD4B5}" type="parTrans" cxnId="{5797F6DF-085E-6C40-81C4-E0DFC7D4501B}">
+      <dgm:prSet/>
+      <dgm:spPr/>
+      <dgm:t>
+        <a:bodyPr/>
+        <a:lstStyle/>
+        <a:p>
+          <a:endParaRPr lang="en-US"/>
+        </a:p>
+      </dgm:t>
+    </dgm:pt>
+    <dgm:pt modelId="{0C0A7C11-C3D6-2E44-B968-180EEC17D63B}" type="sibTrans" cxnId="{5797F6DF-085E-6C40-81C4-E0DFC7D4501B}">
+      <dgm:prSet/>
+      <dgm:spPr/>
+      <dgm:t>
+        <a:bodyPr/>
+        <a:lstStyle/>
+        <a:p>
+          <a:endParaRPr lang="en-US"/>
+        </a:p>
+      </dgm:t>
+    </dgm:pt>
+    <dgm:pt modelId="{AAC4C81C-983E-1E40-8DD0-681A41AE7212}">
+      <dgm:prSet phldrT="[Text]"/>
+      <dgm:spPr/>
+      <dgm:t>
+        <a:bodyPr/>
+        <a:lstStyle/>
+        <a:p>
+          <a:endParaRPr lang="en-US" dirty="0"/>
+        </a:p>
+      </dgm:t>
+    </dgm:pt>
+    <dgm:pt modelId="{E9B82017-8958-4C4F-8AD5-2E4AFFF9D8DF}" type="parTrans" cxnId="{28D5ECE0-FA8C-4343-AFDB-9CADE0874532}">
+      <dgm:prSet/>
+      <dgm:spPr/>
+      <dgm:t>
+        <a:bodyPr/>
+        <a:lstStyle/>
+        <a:p>
+          <a:endParaRPr lang="en-US"/>
+        </a:p>
+      </dgm:t>
+    </dgm:pt>
+    <dgm:pt modelId="{00A8502F-36C4-AF4F-87C3-3F1F609E6707}" type="sibTrans" cxnId="{28D5ECE0-FA8C-4343-AFDB-9CADE0874532}">
+      <dgm:prSet/>
+      <dgm:spPr/>
+      <dgm:t>
+        <a:bodyPr/>
+        <a:lstStyle/>
+        <a:p>
+          <a:endParaRPr lang="en-US"/>
+        </a:p>
+      </dgm:t>
+    </dgm:pt>
+    <dgm:pt modelId="{33A157D8-AF0B-5F49-ADE0-456DF0B53AC3}">
+      <dgm:prSet phldrT="[Text]"/>
+      <dgm:spPr/>
+      <dgm:t>
+        <a:bodyPr/>
+        <a:lstStyle/>
+        <a:p>
+          <a:endParaRPr lang="en-US" dirty="0"/>
+        </a:p>
+      </dgm:t>
+    </dgm:pt>
+    <dgm:pt modelId="{0DAE69E4-DCBF-7D48-A272-11929404B83A}" type="parTrans" cxnId="{BF1AD68E-BA08-B340-B9D7-8E5952454747}">
+      <dgm:prSet/>
+      <dgm:spPr/>
+      <dgm:t>
+        <a:bodyPr/>
+        <a:lstStyle/>
+        <a:p>
+          <a:endParaRPr lang="en-US"/>
+        </a:p>
+      </dgm:t>
+    </dgm:pt>
+    <dgm:pt modelId="{F4161469-DFDC-484E-B641-BF43B6449041}" type="sibTrans" cxnId="{BF1AD68E-BA08-B340-B9D7-8E5952454747}">
+      <dgm:prSet/>
+      <dgm:spPr/>
+      <dgm:t>
+        <a:bodyPr/>
+        <a:lstStyle/>
+        <a:p>
+          <a:endParaRPr lang="en-US"/>
+        </a:p>
+      </dgm:t>
+    </dgm:pt>
+    <dgm:pt modelId="{8730BF73-0186-D048-9577-5DDE0713695C}" type="pres">
+      <dgm:prSet presAssocID="{AC358F47-38CC-2C42-8FBF-9FCC7E77260F}" presName="hierChild1" presStyleCnt="0">
+        <dgm:presLayoutVars>
+          <dgm:orgChart val="1"/>
+          <dgm:chPref val="1"/>
+          <dgm:dir/>
+          <dgm:animOne val="branch"/>
+          <dgm:animLvl val="lvl"/>
+          <dgm:resizeHandles/>
+        </dgm:presLayoutVars>
+      </dgm:prSet>
+      <dgm:spPr/>
+    </dgm:pt>
+    <dgm:pt modelId="{02688D6A-DB9D-D44F-8A66-F7A1CB85C1EF}" type="pres">
+      <dgm:prSet presAssocID="{89777119-529B-AA4E-A817-BF9F77BC6C09}" presName="hierRoot1" presStyleCnt="0">
+        <dgm:presLayoutVars>
+          <dgm:hierBranch val="init"/>
+        </dgm:presLayoutVars>
+      </dgm:prSet>
+      <dgm:spPr/>
+    </dgm:pt>
+    <dgm:pt modelId="{EBD9E229-8E69-F640-8D74-CC781CBFF4CB}" type="pres">
+      <dgm:prSet presAssocID="{89777119-529B-AA4E-A817-BF9F77BC6C09}" presName="rootComposite1" presStyleCnt="0"/>
+      <dgm:spPr/>
+    </dgm:pt>
+    <dgm:pt modelId="{8B8DFB0D-FB69-2145-A6E5-66451018E0D8}" type="pres">
+      <dgm:prSet presAssocID="{89777119-529B-AA4E-A817-BF9F77BC6C09}" presName="rootText1" presStyleLbl="node0" presStyleIdx="0" presStyleCnt="1">
+        <dgm:presLayoutVars>
+          <dgm:chPref val="3"/>
+        </dgm:presLayoutVars>
+      </dgm:prSet>
+      <dgm:spPr/>
+    </dgm:pt>
+    <dgm:pt modelId="{211303D9-E53A-4044-9154-4ADE7FE9B81F}" type="pres">
+      <dgm:prSet presAssocID="{89777119-529B-AA4E-A817-BF9F77BC6C09}" presName="rootConnector1" presStyleLbl="node1" presStyleIdx="0" presStyleCnt="0"/>
+      <dgm:spPr/>
+    </dgm:pt>
+    <dgm:pt modelId="{1350A2CD-6A59-B14A-85F7-B75CFCCA04B1}" type="pres">
+      <dgm:prSet presAssocID="{89777119-529B-AA4E-A817-BF9F77BC6C09}" presName="hierChild2" presStyleCnt="0"/>
+      <dgm:spPr/>
+    </dgm:pt>
+    <dgm:pt modelId="{8DE36EC9-73C4-7145-8518-4626915FE997}" type="pres">
+      <dgm:prSet presAssocID="{3B1EF517-6E94-4544-8018-CAD2286C3AF2}" presName="Name37" presStyleLbl="parChTrans1D2" presStyleIdx="0" presStyleCnt="2"/>
+      <dgm:spPr/>
+    </dgm:pt>
+    <dgm:pt modelId="{AE3B630D-C5BF-8B48-986A-9D6B6AD415C5}" type="pres">
+      <dgm:prSet presAssocID="{4D646514-371B-4145-A02E-939C9006CE16}" presName="hierRoot2" presStyleCnt="0">
+        <dgm:presLayoutVars>
+          <dgm:hierBranch val="init"/>
+        </dgm:presLayoutVars>
+      </dgm:prSet>
+      <dgm:spPr/>
+    </dgm:pt>
+    <dgm:pt modelId="{0E209AF6-A3F1-744B-AF74-4486C42B4BC2}" type="pres">
+      <dgm:prSet presAssocID="{4D646514-371B-4145-A02E-939C9006CE16}" presName="rootComposite" presStyleCnt="0"/>
+      <dgm:spPr/>
+    </dgm:pt>
+    <dgm:pt modelId="{02E178FE-B52F-9446-9A27-D69434C583CE}" type="pres">
+      <dgm:prSet presAssocID="{4D646514-371B-4145-A02E-939C9006CE16}" presName="rootText" presStyleLbl="node2" presStyleIdx="0" presStyleCnt="2">
+        <dgm:presLayoutVars>
+          <dgm:chPref val="3"/>
+        </dgm:presLayoutVars>
+      </dgm:prSet>
+      <dgm:spPr/>
+    </dgm:pt>
+    <dgm:pt modelId="{3104B97D-7F27-464D-BAEF-B554777F01A5}" type="pres">
+      <dgm:prSet presAssocID="{4D646514-371B-4145-A02E-939C9006CE16}" presName="rootConnector" presStyleLbl="node2" presStyleIdx="0" presStyleCnt="2"/>
+      <dgm:spPr/>
+    </dgm:pt>
+    <dgm:pt modelId="{0C933294-BD6B-D34B-9A5F-729DF09DA00C}" type="pres">
+      <dgm:prSet presAssocID="{4D646514-371B-4145-A02E-939C9006CE16}" presName="hierChild4" presStyleCnt="0"/>
+      <dgm:spPr/>
+    </dgm:pt>
+    <dgm:pt modelId="{92266E1D-329D-2449-A7D2-CA51A8B8F282}" type="pres">
+      <dgm:prSet presAssocID="{92868946-E65F-6340-BF26-956C56EFB524}" presName="Name37" presStyleLbl="parChTrans1D3" presStyleIdx="0" presStyleCnt="4"/>
+      <dgm:spPr/>
+    </dgm:pt>
+    <dgm:pt modelId="{A59CD690-1E34-E44C-A2BC-3B141AAEBAE8}" type="pres">
+      <dgm:prSet presAssocID="{26596363-ECE8-3348-BCDC-7DB520411C3E}" presName="hierRoot2" presStyleCnt="0">
+        <dgm:presLayoutVars>
+          <dgm:hierBranch val="init"/>
+        </dgm:presLayoutVars>
+      </dgm:prSet>
+      <dgm:spPr/>
+    </dgm:pt>
+    <dgm:pt modelId="{9552213B-7D21-A641-9070-A8FE84824D5E}" type="pres">
+      <dgm:prSet presAssocID="{26596363-ECE8-3348-BCDC-7DB520411C3E}" presName="rootComposite" presStyleCnt="0"/>
+      <dgm:spPr/>
+    </dgm:pt>
+    <dgm:pt modelId="{7B276C7A-CF2F-1744-8440-6C7A3D70E1FD}" type="pres">
+      <dgm:prSet presAssocID="{26596363-ECE8-3348-BCDC-7DB520411C3E}" presName="rootText" presStyleLbl="node3" presStyleIdx="0" presStyleCnt="4">
+        <dgm:presLayoutVars>
+          <dgm:chPref val="3"/>
+        </dgm:presLayoutVars>
+      </dgm:prSet>
+      <dgm:spPr/>
+    </dgm:pt>
+    <dgm:pt modelId="{8BF9254D-512E-9A45-BB37-1E18B187E90D}" type="pres">
+      <dgm:prSet presAssocID="{26596363-ECE8-3348-BCDC-7DB520411C3E}" presName="rootConnector" presStyleLbl="node3" presStyleIdx="0" presStyleCnt="4"/>
+      <dgm:spPr/>
+    </dgm:pt>
+    <dgm:pt modelId="{F3955C13-1B1D-A94F-992A-2CC595C9113B}" type="pres">
+      <dgm:prSet presAssocID="{26596363-ECE8-3348-BCDC-7DB520411C3E}" presName="hierChild4" presStyleCnt="0"/>
+      <dgm:spPr/>
+    </dgm:pt>
+    <dgm:pt modelId="{4D131BF5-60D8-624C-A5F2-EC51C868DF2A}" type="pres">
+      <dgm:prSet presAssocID="{26596363-ECE8-3348-BCDC-7DB520411C3E}" presName="hierChild5" presStyleCnt="0"/>
+      <dgm:spPr/>
+    </dgm:pt>
+    <dgm:pt modelId="{ED03B937-CDC8-284A-9A63-A68704731C24}" type="pres">
+      <dgm:prSet presAssocID="{25E74DD1-D899-4749-A9C8-C250F22CD4B5}" presName="Name37" presStyleLbl="parChTrans1D3" presStyleIdx="1" presStyleCnt="4"/>
+      <dgm:spPr/>
+    </dgm:pt>
+    <dgm:pt modelId="{D0880DFD-D30F-0E45-AC1A-9FE1C2368C43}" type="pres">
+      <dgm:prSet presAssocID="{255FBBCA-8716-094A-BC06-EF7A73DE11C5}" presName="hierRoot2" presStyleCnt="0">
+        <dgm:presLayoutVars>
+          <dgm:hierBranch val="init"/>
+        </dgm:presLayoutVars>
+      </dgm:prSet>
+      <dgm:spPr/>
+    </dgm:pt>
+    <dgm:pt modelId="{7DD1600A-73FC-8744-B63A-04CF43E9157D}" type="pres">
+      <dgm:prSet presAssocID="{255FBBCA-8716-094A-BC06-EF7A73DE11C5}" presName="rootComposite" presStyleCnt="0"/>
+      <dgm:spPr/>
+    </dgm:pt>
+    <dgm:pt modelId="{EE484AEA-C03B-CA4F-96D1-E133F2EE0BF0}" type="pres">
+      <dgm:prSet presAssocID="{255FBBCA-8716-094A-BC06-EF7A73DE11C5}" presName="rootText" presStyleLbl="node3" presStyleIdx="1" presStyleCnt="4">
+        <dgm:presLayoutVars>
+          <dgm:chPref val="3"/>
+        </dgm:presLayoutVars>
+      </dgm:prSet>
+      <dgm:spPr/>
+    </dgm:pt>
+    <dgm:pt modelId="{F7359B0C-B547-BA41-85FC-3B4936B8D201}" type="pres">
+      <dgm:prSet presAssocID="{255FBBCA-8716-094A-BC06-EF7A73DE11C5}" presName="rootConnector" presStyleLbl="node3" presStyleIdx="1" presStyleCnt="4"/>
+      <dgm:spPr/>
+    </dgm:pt>
+    <dgm:pt modelId="{F4A3414C-56D9-A441-B64E-9CA6B74A96F9}" type="pres">
+      <dgm:prSet presAssocID="{255FBBCA-8716-094A-BC06-EF7A73DE11C5}" presName="hierChild4" presStyleCnt="0"/>
+      <dgm:spPr/>
+    </dgm:pt>
+    <dgm:pt modelId="{FF45FED7-C84C-B442-A644-8DE059D5C137}" type="pres">
+      <dgm:prSet presAssocID="{255FBBCA-8716-094A-BC06-EF7A73DE11C5}" presName="hierChild5" presStyleCnt="0"/>
+      <dgm:spPr/>
+    </dgm:pt>
+    <dgm:pt modelId="{4CFA743C-0B8F-DB49-8006-7B89055CE434}" type="pres">
+      <dgm:prSet presAssocID="{4D646514-371B-4145-A02E-939C9006CE16}" presName="hierChild5" presStyleCnt="0"/>
+      <dgm:spPr/>
+    </dgm:pt>
+    <dgm:pt modelId="{9AC617C8-4260-3042-AE87-8AB893E5FA23}" type="pres">
+      <dgm:prSet presAssocID="{794EBB8E-D0EE-CF4C-9BC2-A63CF653E2A1}" presName="Name37" presStyleLbl="parChTrans1D2" presStyleIdx="1" presStyleCnt="2"/>
+      <dgm:spPr/>
+    </dgm:pt>
+    <dgm:pt modelId="{89599520-5701-174A-BC55-AF997EAE6CE7}" type="pres">
+      <dgm:prSet presAssocID="{612B2249-B211-324D-827E-6D8AFEF7717F}" presName="hierRoot2" presStyleCnt="0">
+        <dgm:presLayoutVars>
+          <dgm:hierBranch val="init"/>
+        </dgm:presLayoutVars>
+      </dgm:prSet>
+      <dgm:spPr/>
+    </dgm:pt>
+    <dgm:pt modelId="{93BBD63F-9506-CF4D-8BBC-BC374006E6C7}" type="pres">
+      <dgm:prSet presAssocID="{612B2249-B211-324D-827E-6D8AFEF7717F}" presName="rootComposite" presStyleCnt="0"/>
+      <dgm:spPr/>
+    </dgm:pt>
+    <dgm:pt modelId="{40887BD9-E173-A345-A11B-3D0DD953402C}" type="pres">
+      <dgm:prSet presAssocID="{612B2249-B211-324D-827E-6D8AFEF7717F}" presName="rootText" presStyleLbl="node2" presStyleIdx="1" presStyleCnt="2">
+        <dgm:presLayoutVars>
+          <dgm:chPref val="3"/>
+        </dgm:presLayoutVars>
+      </dgm:prSet>
+      <dgm:spPr/>
+    </dgm:pt>
+    <dgm:pt modelId="{08EDA99C-C1E3-D04B-A10E-4EA2E3E9501B}" type="pres">
+      <dgm:prSet presAssocID="{612B2249-B211-324D-827E-6D8AFEF7717F}" presName="rootConnector" presStyleLbl="node2" presStyleIdx="1" presStyleCnt="2"/>
+      <dgm:spPr/>
+    </dgm:pt>
+    <dgm:pt modelId="{05B2F6F7-5242-D446-B164-B880B084E315}" type="pres">
+      <dgm:prSet presAssocID="{612B2249-B211-324D-827E-6D8AFEF7717F}" presName="hierChild4" presStyleCnt="0"/>
+      <dgm:spPr/>
+    </dgm:pt>
+    <dgm:pt modelId="{E818D88D-40C8-6149-A7B3-B5E5744CAFB7}" type="pres">
+      <dgm:prSet presAssocID="{E9B82017-8958-4C4F-8AD5-2E4AFFF9D8DF}" presName="Name37" presStyleLbl="parChTrans1D3" presStyleIdx="2" presStyleCnt="4"/>
+      <dgm:spPr/>
+    </dgm:pt>
+    <dgm:pt modelId="{AD3C3542-45EB-A240-8B0F-370E12C91F25}" type="pres">
+      <dgm:prSet presAssocID="{AAC4C81C-983E-1E40-8DD0-681A41AE7212}" presName="hierRoot2" presStyleCnt="0">
+        <dgm:presLayoutVars>
+          <dgm:hierBranch val="init"/>
+        </dgm:presLayoutVars>
+      </dgm:prSet>
+      <dgm:spPr/>
+    </dgm:pt>
+    <dgm:pt modelId="{94937BF1-98AF-CB4A-BDCC-908F033F05FF}" type="pres">
+      <dgm:prSet presAssocID="{AAC4C81C-983E-1E40-8DD0-681A41AE7212}" presName="rootComposite" presStyleCnt="0"/>
+      <dgm:spPr/>
+    </dgm:pt>
+    <dgm:pt modelId="{2FBD39A2-CA77-1F4B-9717-21A3B168446D}" type="pres">
+      <dgm:prSet presAssocID="{AAC4C81C-983E-1E40-8DD0-681A41AE7212}" presName="rootText" presStyleLbl="node3" presStyleIdx="2" presStyleCnt="4">
+        <dgm:presLayoutVars>
+          <dgm:chPref val="3"/>
+        </dgm:presLayoutVars>
+      </dgm:prSet>
+      <dgm:spPr/>
+    </dgm:pt>
+    <dgm:pt modelId="{8A7536DF-D2EF-0744-B7F8-0D6925A2D72D}" type="pres">
+      <dgm:prSet presAssocID="{AAC4C81C-983E-1E40-8DD0-681A41AE7212}" presName="rootConnector" presStyleLbl="node3" presStyleIdx="2" presStyleCnt="4"/>
+      <dgm:spPr/>
+    </dgm:pt>
+    <dgm:pt modelId="{FF25BF3C-5DB7-2142-907D-FCD64CBACF2F}" type="pres">
+      <dgm:prSet presAssocID="{AAC4C81C-983E-1E40-8DD0-681A41AE7212}" presName="hierChild4" presStyleCnt="0"/>
+      <dgm:spPr/>
+    </dgm:pt>
+    <dgm:pt modelId="{66CB59AC-AD09-794F-8A55-CC31939BE075}" type="pres">
+      <dgm:prSet presAssocID="{0DAE69E4-DCBF-7D48-A272-11929404B83A}" presName="Name37" presStyleLbl="parChTrans1D4" presStyleIdx="0" presStyleCnt="2"/>
+      <dgm:spPr/>
+    </dgm:pt>
+    <dgm:pt modelId="{2C56E7DA-F57B-2947-8909-B6A8ABE08199}" type="pres">
+      <dgm:prSet presAssocID="{33A157D8-AF0B-5F49-ADE0-456DF0B53AC3}" presName="hierRoot2" presStyleCnt="0">
+        <dgm:presLayoutVars>
+          <dgm:hierBranch val="init"/>
+        </dgm:presLayoutVars>
+      </dgm:prSet>
+      <dgm:spPr/>
+    </dgm:pt>
+    <dgm:pt modelId="{5938CD73-89C2-784B-8DBF-E34D668317C5}" type="pres">
+      <dgm:prSet presAssocID="{33A157D8-AF0B-5F49-ADE0-456DF0B53AC3}" presName="rootComposite" presStyleCnt="0"/>
+      <dgm:spPr/>
+    </dgm:pt>
+    <dgm:pt modelId="{4BFA2970-4F44-2C42-B51F-EA697391C550}" type="pres">
+      <dgm:prSet presAssocID="{33A157D8-AF0B-5F49-ADE0-456DF0B53AC3}" presName="rootText" presStyleLbl="node4" presStyleIdx="0" presStyleCnt="2">
+        <dgm:presLayoutVars>
+          <dgm:chPref val="3"/>
+        </dgm:presLayoutVars>
+      </dgm:prSet>
+      <dgm:spPr/>
+    </dgm:pt>
+    <dgm:pt modelId="{E5708D08-3695-2F45-B1A5-283F4E1B469A}" type="pres">
+      <dgm:prSet presAssocID="{33A157D8-AF0B-5F49-ADE0-456DF0B53AC3}" presName="rootConnector" presStyleLbl="node4" presStyleIdx="0" presStyleCnt="2"/>
+      <dgm:spPr/>
+    </dgm:pt>
+    <dgm:pt modelId="{3BF55343-262A-834D-89E9-1CEE1ED8E8F5}" type="pres">
+      <dgm:prSet presAssocID="{33A157D8-AF0B-5F49-ADE0-456DF0B53AC3}" presName="hierChild4" presStyleCnt="0"/>
+      <dgm:spPr/>
+    </dgm:pt>
+    <dgm:pt modelId="{E70EB95F-7DAB-D748-9F25-514436D077A9}" type="pres">
+      <dgm:prSet presAssocID="{33A157D8-AF0B-5F49-ADE0-456DF0B53AC3}" presName="hierChild5" presStyleCnt="0"/>
+      <dgm:spPr/>
+    </dgm:pt>
+    <dgm:pt modelId="{EA6DA880-EDC3-9E4B-AC8A-8A3CDEAC71FA}" type="pres">
+      <dgm:prSet presAssocID="{C62F325D-9FA4-2C46-A259-17B92B539A0A}" presName="Name37" presStyleLbl="parChTrans1D4" presStyleIdx="1" presStyleCnt="2"/>
+      <dgm:spPr/>
+    </dgm:pt>
+    <dgm:pt modelId="{53F41F07-0180-5D47-A789-5B9BE3D2C389}" type="pres">
+      <dgm:prSet presAssocID="{E358498D-9743-164A-88A1-D7E8ED92506C}" presName="hierRoot2" presStyleCnt="0">
+        <dgm:presLayoutVars>
+          <dgm:hierBranch val="init"/>
+        </dgm:presLayoutVars>
+      </dgm:prSet>
+      <dgm:spPr/>
+    </dgm:pt>
+    <dgm:pt modelId="{6973909F-56C9-9542-B436-53E9C0E33B52}" type="pres">
+      <dgm:prSet presAssocID="{E358498D-9743-164A-88A1-D7E8ED92506C}" presName="rootComposite" presStyleCnt="0"/>
+      <dgm:spPr/>
+    </dgm:pt>
+    <dgm:pt modelId="{E9500743-8D0A-6644-9D2D-579968C01F3B}" type="pres">
+      <dgm:prSet presAssocID="{E358498D-9743-164A-88A1-D7E8ED92506C}" presName="rootText" presStyleLbl="node4" presStyleIdx="1" presStyleCnt="2">
+        <dgm:presLayoutVars>
+          <dgm:chPref val="3"/>
+        </dgm:presLayoutVars>
+      </dgm:prSet>
+      <dgm:spPr/>
+    </dgm:pt>
+    <dgm:pt modelId="{79A7A59F-63C7-4440-8302-ADD9C3C0508B}" type="pres">
+      <dgm:prSet presAssocID="{E358498D-9743-164A-88A1-D7E8ED92506C}" presName="rootConnector" presStyleLbl="node4" presStyleIdx="1" presStyleCnt="2"/>
+      <dgm:spPr/>
+    </dgm:pt>
+    <dgm:pt modelId="{4CB26D16-E78E-7C40-A7AD-4D0467866369}" type="pres">
+      <dgm:prSet presAssocID="{E358498D-9743-164A-88A1-D7E8ED92506C}" presName="hierChild4" presStyleCnt="0"/>
+      <dgm:spPr/>
+    </dgm:pt>
+    <dgm:pt modelId="{0FB0D994-DBF6-A745-854E-37B9CA5EE968}" type="pres">
+      <dgm:prSet presAssocID="{E358498D-9743-164A-88A1-D7E8ED92506C}" presName="hierChild5" presStyleCnt="0"/>
+      <dgm:spPr/>
+    </dgm:pt>
+    <dgm:pt modelId="{462163A4-6C45-4247-931E-2A5E8FCB05F9}" type="pres">
+      <dgm:prSet presAssocID="{AAC4C81C-983E-1E40-8DD0-681A41AE7212}" presName="hierChild5" presStyleCnt="0"/>
+      <dgm:spPr/>
+    </dgm:pt>
+    <dgm:pt modelId="{C5717FFD-58D3-564D-89D6-D529DFEAE62D}" type="pres">
+      <dgm:prSet presAssocID="{4DE7BCE8-C6B3-FE45-AEE4-77C83F4F389D}" presName="Name37" presStyleLbl="parChTrans1D3" presStyleIdx="3" presStyleCnt="4"/>
+      <dgm:spPr/>
+    </dgm:pt>
+    <dgm:pt modelId="{B2DBCA9A-AD2D-0644-9198-BF6DEA6E8D17}" type="pres">
+      <dgm:prSet presAssocID="{3EA21750-7A28-D04F-B983-6213D04CA7B2}" presName="hierRoot2" presStyleCnt="0">
+        <dgm:presLayoutVars>
+          <dgm:hierBranch val="init"/>
+        </dgm:presLayoutVars>
+      </dgm:prSet>
+      <dgm:spPr/>
+    </dgm:pt>
+    <dgm:pt modelId="{34860C9C-0657-E44A-AAE6-E9378F7B8AE9}" type="pres">
+      <dgm:prSet presAssocID="{3EA21750-7A28-D04F-B983-6213D04CA7B2}" presName="rootComposite" presStyleCnt="0"/>
+      <dgm:spPr/>
+    </dgm:pt>
+    <dgm:pt modelId="{EDAA20AF-7C76-0742-9AA3-6CE9571624FF}" type="pres">
+      <dgm:prSet presAssocID="{3EA21750-7A28-D04F-B983-6213D04CA7B2}" presName="rootText" presStyleLbl="node3" presStyleIdx="3" presStyleCnt="4">
+        <dgm:presLayoutVars>
+          <dgm:chPref val="3"/>
+        </dgm:presLayoutVars>
+      </dgm:prSet>
+      <dgm:spPr/>
+      <dgm:t>
+        <a:bodyPr/>
+        <a:lstStyle/>
+        <a:p>
+          <a:endParaRPr lang="en-US"/>
+        </a:p>
+      </dgm:t>
+    </dgm:pt>
+    <dgm:pt modelId="{399A7BF2-6DD4-1441-B1E0-D8A9F39232CE}" type="pres">
+      <dgm:prSet presAssocID="{3EA21750-7A28-D04F-B983-6213D04CA7B2}" presName="rootConnector" presStyleLbl="node3" presStyleIdx="3" presStyleCnt="4"/>
+      <dgm:spPr/>
+    </dgm:pt>
+    <dgm:pt modelId="{A591A6BD-2C13-3D45-884A-74A56A580808}" type="pres">
+      <dgm:prSet presAssocID="{3EA21750-7A28-D04F-B983-6213D04CA7B2}" presName="hierChild4" presStyleCnt="0"/>
+      <dgm:spPr/>
+    </dgm:pt>
+    <dgm:pt modelId="{5038CBB9-5D0F-0D4A-A98E-77625BDC287E}" type="pres">
+      <dgm:prSet presAssocID="{3EA21750-7A28-D04F-B983-6213D04CA7B2}" presName="hierChild5" presStyleCnt="0"/>
+      <dgm:spPr/>
+    </dgm:pt>
+    <dgm:pt modelId="{360076C7-45B8-4949-8E20-13B19E29C52E}" type="pres">
+      <dgm:prSet presAssocID="{612B2249-B211-324D-827E-6D8AFEF7717F}" presName="hierChild5" presStyleCnt="0"/>
+      <dgm:spPr/>
+    </dgm:pt>
+    <dgm:pt modelId="{EAA6A963-4332-AC4C-8417-99400D7E7048}" type="pres">
+      <dgm:prSet presAssocID="{89777119-529B-AA4E-A817-BF9F77BC6C09}" presName="hierChild3" presStyleCnt="0"/>
+      <dgm:spPr/>
+    </dgm:pt>
+  </dgm:ptLst>
+  <dgm:cxnLst>
+    <dgm:cxn modelId="{727E69EC-CD2A-6248-88C4-0B959C882E71}" type="presOf" srcId="{C62F325D-9FA4-2C46-A259-17B92B539A0A}" destId="{EA6DA880-EDC3-9E4B-AC8A-8A3CDEAC71FA}" srcOrd="0" destOrd="0" presId="urn:microsoft.com/office/officeart/2005/8/layout/orgChart1"/>
+    <dgm:cxn modelId="{BBE8D349-F52E-A647-8544-488CED65BA92}" type="presOf" srcId="{E358498D-9743-164A-88A1-D7E8ED92506C}" destId="{79A7A59F-63C7-4440-8302-ADD9C3C0508B}" srcOrd="1" destOrd="0" presId="urn:microsoft.com/office/officeart/2005/8/layout/orgChart1"/>
+    <dgm:cxn modelId="{1B582627-9B37-3542-8BBE-51AC8BF0C32C}" type="presOf" srcId="{AC358F47-38CC-2C42-8FBF-9FCC7E77260F}" destId="{8730BF73-0186-D048-9577-5DDE0713695C}" srcOrd="0" destOrd="0" presId="urn:microsoft.com/office/officeart/2005/8/layout/orgChart1"/>
+    <dgm:cxn modelId="{D9DB3F8B-ECE2-F74D-B666-BC8A04B7C073}" srcId="{89777119-529B-AA4E-A817-BF9F77BC6C09}" destId="{612B2249-B211-324D-827E-6D8AFEF7717F}" srcOrd="1" destOrd="0" parTransId="{794EBB8E-D0EE-CF4C-9BC2-A63CF653E2A1}" sibTransId="{3B6ADBB1-1ED0-3747-B4A9-3DA61180C4BE}"/>
+    <dgm:cxn modelId="{480D79AF-2971-E446-B266-0E6E058D5567}" type="presOf" srcId="{794EBB8E-D0EE-CF4C-9BC2-A63CF653E2A1}" destId="{9AC617C8-4260-3042-AE87-8AB893E5FA23}" srcOrd="0" destOrd="0" presId="urn:microsoft.com/office/officeart/2005/8/layout/orgChart1"/>
+    <dgm:cxn modelId="{64A8F60B-D2AF-9C4A-86FE-879E37DD6322}" type="presOf" srcId="{89777119-529B-AA4E-A817-BF9F77BC6C09}" destId="{211303D9-E53A-4044-9154-4ADE7FE9B81F}" srcOrd="1" destOrd="0" presId="urn:microsoft.com/office/officeart/2005/8/layout/orgChart1"/>
+    <dgm:cxn modelId="{C7DACAC8-2448-3A4E-A40D-E6DED76B7FD7}" type="presOf" srcId="{33A157D8-AF0B-5F49-ADE0-456DF0B53AC3}" destId="{4BFA2970-4F44-2C42-B51F-EA697391C550}" srcOrd="0" destOrd="0" presId="urn:microsoft.com/office/officeart/2005/8/layout/orgChart1"/>
+    <dgm:cxn modelId="{C3CEE15D-2650-E14F-A7A4-90CCEE0B6D77}" type="presOf" srcId="{AAC4C81C-983E-1E40-8DD0-681A41AE7212}" destId="{8A7536DF-D2EF-0744-B7F8-0D6925A2D72D}" srcOrd="1" destOrd="0" presId="urn:microsoft.com/office/officeart/2005/8/layout/orgChart1"/>
+    <dgm:cxn modelId="{CAF11483-28BE-A749-907A-7558BC767292}" srcId="{AAC4C81C-983E-1E40-8DD0-681A41AE7212}" destId="{E358498D-9743-164A-88A1-D7E8ED92506C}" srcOrd="1" destOrd="0" parTransId="{C62F325D-9FA4-2C46-A259-17B92B539A0A}" sibTransId="{40AD76B4-7BD2-BD4C-B1BB-7E59B2626020}"/>
+    <dgm:cxn modelId="{2FFC977F-56FF-8E41-B54C-DFCAB421AF57}" type="presOf" srcId="{3EA21750-7A28-D04F-B983-6213D04CA7B2}" destId="{399A7BF2-6DD4-1441-B1E0-D8A9F39232CE}" srcOrd="1" destOrd="0" presId="urn:microsoft.com/office/officeart/2005/8/layout/orgChart1"/>
+    <dgm:cxn modelId="{CAD0D5C6-FD17-5248-A8CB-8FF136857076}" type="presOf" srcId="{4DE7BCE8-C6B3-FE45-AEE4-77C83F4F389D}" destId="{C5717FFD-58D3-564D-89D6-D529DFEAE62D}" srcOrd="0" destOrd="0" presId="urn:microsoft.com/office/officeart/2005/8/layout/orgChart1"/>
+    <dgm:cxn modelId="{9C258E32-C5E5-2C41-A2D6-42BB9ADEF311}" type="presOf" srcId="{255FBBCA-8716-094A-BC06-EF7A73DE11C5}" destId="{F7359B0C-B547-BA41-85FC-3B4936B8D201}" srcOrd="1" destOrd="0" presId="urn:microsoft.com/office/officeart/2005/8/layout/orgChart1"/>
+    <dgm:cxn modelId="{D22F309D-691B-364D-AD33-5215346F0888}" type="presOf" srcId="{25E74DD1-D899-4749-A9C8-C250F22CD4B5}" destId="{ED03B937-CDC8-284A-9A63-A68704731C24}" srcOrd="0" destOrd="0" presId="urn:microsoft.com/office/officeart/2005/8/layout/orgChart1"/>
+    <dgm:cxn modelId="{AB9D9F3A-89AF-354C-8B2A-47FDDFEF5C63}" srcId="{AC358F47-38CC-2C42-8FBF-9FCC7E77260F}" destId="{89777119-529B-AA4E-A817-BF9F77BC6C09}" srcOrd="0" destOrd="0" parTransId="{33F909F1-3C17-A849-92A8-01CAD37DDD7F}" sibTransId="{B7E6866C-B96C-8246-B040-229B9D99DF66}"/>
+    <dgm:cxn modelId="{5810A5C2-EEBA-A84E-AEC8-F61E031B3EFA}" type="presOf" srcId="{4D646514-371B-4145-A02E-939C9006CE16}" destId="{3104B97D-7F27-464D-BAEF-B554777F01A5}" srcOrd="1" destOrd="0" presId="urn:microsoft.com/office/officeart/2005/8/layout/orgChart1"/>
+    <dgm:cxn modelId="{B754E1E0-B8A4-AC43-A87F-2F230EFF78AA}" srcId="{4D646514-371B-4145-A02E-939C9006CE16}" destId="{26596363-ECE8-3348-BCDC-7DB520411C3E}" srcOrd="0" destOrd="0" parTransId="{92868946-E65F-6340-BF26-956C56EFB524}" sibTransId="{71C5B148-103A-A347-8B8B-F474B3A3FF9F}"/>
+    <dgm:cxn modelId="{DF4E6418-539B-014F-9FA7-371ED7840C31}" type="presOf" srcId="{4D646514-371B-4145-A02E-939C9006CE16}" destId="{02E178FE-B52F-9446-9A27-D69434C583CE}" srcOrd="0" destOrd="0" presId="urn:microsoft.com/office/officeart/2005/8/layout/orgChart1"/>
+    <dgm:cxn modelId="{057B72CD-4853-1B4E-8767-B45BFB1BC943}" type="presOf" srcId="{612B2249-B211-324D-827E-6D8AFEF7717F}" destId="{40887BD9-E173-A345-A11B-3D0DD953402C}" srcOrd="0" destOrd="0" presId="urn:microsoft.com/office/officeart/2005/8/layout/orgChart1"/>
+    <dgm:cxn modelId="{28D5ECE0-FA8C-4343-AFDB-9CADE0874532}" srcId="{612B2249-B211-324D-827E-6D8AFEF7717F}" destId="{AAC4C81C-983E-1E40-8DD0-681A41AE7212}" srcOrd="0" destOrd="0" parTransId="{E9B82017-8958-4C4F-8AD5-2E4AFFF9D8DF}" sibTransId="{00A8502F-36C4-AF4F-87C3-3F1F609E6707}"/>
+    <dgm:cxn modelId="{432F1A03-4ACB-1B46-B07F-8EFE0B67759A}" type="presOf" srcId="{612B2249-B211-324D-827E-6D8AFEF7717F}" destId="{08EDA99C-C1E3-D04B-A10E-4EA2E3E9501B}" srcOrd="1" destOrd="0" presId="urn:microsoft.com/office/officeart/2005/8/layout/orgChart1"/>
+    <dgm:cxn modelId="{959AB25A-44ED-D84A-9951-C8D03D35155B}" type="presOf" srcId="{89777119-529B-AA4E-A817-BF9F77BC6C09}" destId="{8B8DFB0D-FB69-2145-A6E5-66451018E0D8}" srcOrd="0" destOrd="0" presId="urn:microsoft.com/office/officeart/2005/8/layout/orgChart1"/>
+    <dgm:cxn modelId="{435BC5C9-4753-4141-9673-B9581B291369}" type="presOf" srcId="{26596363-ECE8-3348-BCDC-7DB520411C3E}" destId="{7B276C7A-CF2F-1744-8440-6C7A3D70E1FD}" srcOrd="0" destOrd="0" presId="urn:microsoft.com/office/officeart/2005/8/layout/orgChart1"/>
+    <dgm:cxn modelId="{BF1AD68E-BA08-B340-B9D7-8E5952454747}" srcId="{AAC4C81C-983E-1E40-8DD0-681A41AE7212}" destId="{33A157D8-AF0B-5F49-ADE0-456DF0B53AC3}" srcOrd="0" destOrd="0" parTransId="{0DAE69E4-DCBF-7D48-A272-11929404B83A}" sibTransId="{F4161469-DFDC-484E-B641-BF43B6449041}"/>
+    <dgm:cxn modelId="{58FA4D5A-BF8A-E24F-A824-0D8495DD216E}" srcId="{612B2249-B211-324D-827E-6D8AFEF7717F}" destId="{3EA21750-7A28-D04F-B983-6213D04CA7B2}" srcOrd="1" destOrd="0" parTransId="{4DE7BCE8-C6B3-FE45-AEE4-77C83F4F389D}" sibTransId="{4CA429DA-96CA-CD47-8854-862A4C68DFCD}"/>
+    <dgm:cxn modelId="{717915DE-2F1A-F840-AB24-5BE1AA92FE0A}" srcId="{89777119-529B-AA4E-A817-BF9F77BC6C09}" destId="{4D646514-371B-4145-A02E-939C9006CE16}" srcOrd="0" destOrd="0" parTransId="{3B1EF517-6E94-4544-8018-CAD2286C3AF2}" sibTransId="{0CE818C9-21A6-0B4A-AC63-40540B973C59}"/>
+    <dgm:cxn modelId="{3C817EB8-2076-344C-9F87-D39C634F78D6}" type="presOf" srcId="{0DAE69E4-DCBF-7D48-A272-11929404B83A}" destId="{66CB59AC-AD09-794F-8A55-CC31939BE075}" srcOrd="0" destOrd="0" presId="urn:microsoft.com/office/officeart/2005/8/layout/orgChart1"/>
+    <dgm:cxn modelId="{1943B864-E25D-AC4F-922D-5415445B05D6}" type="presOf" srcId="{26596363-ECE8-3348-BCDC-7DB520411C3E}" destId="{8BF9254D-512E-9A45-BB37-1E18B187E90D}" srcOrd="1" destOrd="0" presId="urn:microsoft.com/office/officeart/2005/8/layout/orgChart1"/>
+    <dgm:cxn modelId="{04CE0EEA-9033-2143-95AF-7C2FE242E42C}" type="presOf" srcId="{3B1EF517-6E94-4544-8018-CAD2286C3AF2}" destId="{8DE36EC9-73C4-7145-8518-4626915FE997}" srcOrd="0" destOrd="0" presId="urn:microsoft.com/office/officeart/2005/8/layout/orgChart1"/>
+    <dgm:cxn modelId="{4A6B9B24-BA05-6B41-814D-52433FE3EF50}" type="presOf" srcId="{255FBBCA-8716-094A-BC06-EF7A73DE11C5}" destId="{EE484AEA-C03B-CA4F-96D1-E133F2EE0BF0}" srcOrd="0" destOrd="0" presId="urn:microsoft.com/office/officeart/2005/8/layout/orgChart1"/>
+    <dgm:cxn modelId="{C20B733A-CBCF-3141-93EA-13BB79B4459B}" type="presOf" srcId="{3EA21750-7A28-D04F-B983-6213D04CA7B2}" destId="{EDAA20AF-7C76-0742-9AA3-6CE9571624FF}" srcOrd="0" destOrd="0" presId="urn:microsoft.com/office/officeart/2005/8/layout/orgChart1"/>
+    <dgm:cxn modelId="{5797F6DF-085E-6C40-81C4-E0DFC7D4501B}" srcId="{4D646514-371B-4145-A02E-939C9006CE16}" destId="{255FBBCA-8716-094A-BC06-EF7A73DE11C5}" srcOrd="1" destOrd="0" parTransId="{25E74DD1-D899-4749-A9C8-C250F22CD4B5}" sibTransId="{0C0A7C11-C3D6-2E44-B968-180EEC17D63B}"/>
+    <dgm:cxn modelId="{D8FA98DC-F244-4D4E-886B-E779E70DFA1D}" type="presOf" srcId="{92868946-E65F-6340-BF26-956C56EFB524}" destId="{92266E1D-329D-2449-A7D2-CA51A8B8F282}" srcOrd="0" destOrd="0" presId="urn:microsoft.com/office/officeart/2005/8/layout/orgChart1"/>
+    <dgm:cxn modelId="{5837A199-D41B-AD43-AE0C-60149A54DAEE}" type="presOf" srcId="{E358498D-9743-164A-88A1-D7E8ED92506C}" destId="{E9500743-8D0A-6644-9D2D-579968C01F3B}" srcOrd="0" destOrd="0" presId="urn:microsoft.com/office/officeart/2005/8/layout/orgChart1"/>
+    <dgm:cxn modelId="{90DBD1C9-E3B5-0D4D-B5BF-31670091224F}" type="presOf" srcId="{E9B82017-8958-4C4F-8AD5-2E4AFFF9D8DF}" destId="{E818D88D-40C8-6149-A7B3-B5E5744CAFB7}" srcOrd="0" destOrd="0" presId="urn:microsoft.com/office/officeart/2005/8/layout/orgChart1"/>
+    <dgm:cxn modelId="{E74141B1-205E-9B40-A734-B99563B1C936}" type="presOf" srcId="{33A157D8-AF0B-5F49-ADE0-456DF0B53AC3}" destId="{E5708D08-3695-2F45-B1A5-283F4E1B469A}" srcOrd="1" destOrd="0" presId="urn:microsoft.com/office/officeart/2005/8/layout/orgChart1"/>
+    <dgm:cxn modelId="{B1026FDD-AF7E-5346-8674-3CCEAB42486E}" type="presOf" srcId="{AAC4C81C-983E-1E40-8DD0-681A41AE7212}" destId="{2FBD39A2-CA77-1F4B-9717-21A3B168446D}" srcOrd="0" destOrd="0" presId="urn:microsoft.com/office/officeart/2005/8/layout/orgChart1"/>
+    <dgm:cxn modelId="{68DB1D64-E5DA-1D45-B125-2E000E2E4DC7}" type="presParOf" srcId="{8730BF73-0186-D048-9577-5DDE0713695C}" destId="{02688D6A-DB9D-D44F-8A66-F7A1CB85C1EF}" srcOrd="0" destOrd="0" presId="urn:microsoft.com/office/officeart/2005/8/layout/orgChart1"/>
+    <dgm:cxn modelId="{BBAB9BFD-D5DD-7F42-A627-CC3973976546}" type="presParOf" srcId="{02688D6A-DB9D-D44F-8A66-F7A1CB85C1EF}" destId="{EBD9E229-8E69-F640-8D74-CC781CBFF4CB}" srcOrd="0" destOrd="0" presId="urn:microsoft.com/office/officeart/2005/8/layout/orgChart1"/>
+    <dgm:cxn modelId="{0FC09F88-7FD7-1343-87DA-3C32785BBEF3}" type="presParOf" srcId="{EBD9E229-8E69-F640-8D74-CC781CBFF4CB}" destId="{8B8DFB0D-FB69-2145-A6E5-66451018E0D8}" srcOrd="0" destOrd="0" presId="urn:microsoft.com/office/officeart/2005/8/layout/orgChart1"/>
+    <dgm:cxn modelId="{89A32454-A364-C649-BD21-E44B583D11D3}" type="presParOf" srcId="{EBD9E229-8E69-F640-8D74-CC781CBFF4CB}" destId="{211303D9-E53A-4044-9154-4ADE7FE9B81F}" srcOrd="1" destOrd="0" presId="urn:microsoft.com/office/officeart/2005/8/layout/orgChart1"/>
+    <dgm:cxn modelId="{0786B856-D7A6-F046-B5A9-D07E64BAFA05}" type="presParOf" srcId="{02688D6A-DB9D-D44F-8A66-F7A1CB85C1EF}" destId="{1350A2CD-6A59-B14A-85F7-B75CFCCA04B1}" srcOrd="1" destOrd="0" presId="urn:microsoft.com/office/officeart/2005/8/layout/orgChart1"/>
+    <dgm:cxn modelId="{41861604-0947-E848-BEA0-0259621E70F5}" type="presParOf" srcId="{1350A2CD-6A59-B14A-85F7-B75CFCCA04B1}" destId="{8DE36EC9-73C4-7145-8518-4626915FE997}" srcOrd="0" destOrd="0" presId="urn:microsoft.com/office/officeart/2005/8/layout/orgChart1"/>
+    <dgm:cxn modelId="{A1641CD4-199E-2346-839A-376FF4A7BF49}" type="presParOf" srcId="{1350A2CD-6A59-B14A-85F7-B75CFCCA04B1}" destId="{AE3B630D-C5BF-8B48-986A-9D6B6AD415C5}" srcOrd="1" destOrd="0" presId="urn:microsoft.com/office/officeart/2005/8/layout/orgChart1"/>
+    <dgm:cxn modelId="{C2F83F56-6EC2-5D4A-8E43-AC8E0BE77291}" type="presParOf" srcId="{AE3B630D-C5BF-8B48-986A-9D6B6AD415C5}" destId="{0E209AF6-A3F1-744B-AF74-4486C42B4BC2}" srcOrd="0" destOrd="0" presId="urn:microsoft.com/office/officeart/2005/8/layout/orgChart1"/>
+    <dgm:cxn modelId="{9E7370BD-E726-3B44-A568-D1EAB4AED340}" type="presParOf" srcId="{0E209AF6-A3F1-744B-AF74-4486C42B4BC2}" destId="{02E178FE-B52F-9446-9A27-D69434C583CE}" srcOrd="0" destOrd="0" presId="urn:microsoft.com/office/officeart/2005/8/layout/orgChart1"/>
+    <dgm:cxn modelId="{04946827-4DFA-B948-91BF-BA04763D95B9}" type="presParOf" srcId="{0E209AF6-A3F1-744B-AF74-4486C42B4BC2}" destId="{3104B97D-7F27-464D-BAEF-B554777F01A5}" srcOrd="1" destOrd="0" presId="urn:microsoft.com/office/officeart/2005/8/layout/orgChart1"/>
+    <dgm:cxn modelId="{5DFE6E39-013A-0647-95AC-0EB04F5AD21A}" type="presParOf" srcId="{AE3B630D-C5BF-8B48-986A-9D6B6AD415C5}" destId="{0C933294-BD6B-D34B-9A5F-729DF09DA00C}" srcOrd="1" destOrd="0" presId="urn:microsoft.com/office/officeart/2005/8/layout/orgChart1"/>
+    <dgm:cxn modelId="{D395ABF5-F8B9-774A-864C-7087397675F1}" type="presParOf" srcId="{0C933294-BD6B-D34B-9A5F-729DF09DA00C}" destId="{92266E1D-329D-2449-A7D2-CA51A8B8F282}" srcOrd="0" destOrd="0" presId="urn:microsoft.com/office/officeart/2005/8/layout/orgChart1"/>
+    <dgm:cxn modelId="{C4BB8D71-2784-BA4C-B3F3-6585EFFBCF9B}" type="presParOf" srcId="{0C933294-BD6B-D34B-9A5F-729DF09DA00C}" destId="{A59CD690-1E34-E44C-A2BC-3B141AAEBAE8}" srcOrd="1" destOrd="0" presId="urn:microsoft.com/office/officeart/2005/8/layout/orgChart1"/>
+    <dgm:cxn modelId="{014A2356-9EA3-454C-AC74-6B513443AF36}" type="presParOf" srcId="{A59CD690-1E34-E44C-A2BC-3B141AAEBAE8}" destId="{9552213B-7D21-A641-9070-A8FE84824D5E}" srcOrd="0" destOrd="0" presId="urn:microsoft.com/office/officeart/2005/8/layout/orgChart1"/>
+    <dgm:cxn modelId="{A21F4D6B-19D0-0341-992A-542BCE6AA59E}" type="presParOf" srcId="{9552213B-7D21-A641-9070-A8FE84824D5E}" destId="{7B276C7A-CF2F-1744-8440-6C7A3D70E1FD}" srcOrd="0" destOrd="0" presId="urn:microsoft.com/office/officeart/2005/8/layout/orgChart1"/>
+    <dgm:cxn modelId="{A5DA64A7-61C7-5B42-90D5-24234FF1905D}" type="presParOf" srcId="{9552213B-7D21-A641-9070-A8FE84824D5E}" destId="{8BF9254D-512E-9A45-BB37-1E18B187E90D}" srcOrd="1" destOrd="0" presId="urn:microsoft.com/office/officeart/2005/8/layout/orgChart1"/>
+    <dgm:cxn modelId="{26674DC9-86E4-6740-A781-27D9E7F2AFED}" type="presParOf" srcId="{A59CD690-1E34-E44C-A2BC-3B141AAEBAE8}" destId="{F3955C13-1B1D-A94F-992A-2CC595C9113B}" srcOrd="1" destOrd="0" presId="urn:microsoft.com/office/officeart/2005/8/layout/orgChart1"/>
+    <dgm:cxn modelId="{9F3A3671-CFA1-3A41-9954-C74CC14B3DEC}" type="presParOf" srcId="{A59CD690-1E34-E44C-A2BC-3B141AAEBAE8}" destId="{4D131BF5-60D8-624C-A5F2-EC51C868DF2A}" srcOrd="2" destOrd="0" presId="urn:microsoft.com/office/officeart/2005/8/layout/orgChart1"/>
+    <dgm:cxn modelId="{AB2CDD88-1405-0D4A-938C-B2766538D9AB}" type="presParOf" srcId="{0C933294-BD6B-D34B-9A5F-729DF09DA00C}" destId="{ED03B937-CDC8-284A-9A63-A68704731C24}" srcOrd="2" destOrd="0" presId="urn:microsoft.com/office/officeart/2005/8/layout/orgChart1"/>
+    <dgm:cxn modelId="{32B33B69-2BA5-B647-B6EC-6A70021EE8E7}" type="presParOf" srcId="{0C933294-BD6B-D34B-9A5F-729DF09DA00C}" destId="{D0880DFD-D30F-0E45-AC1A-9FE1C2368C43}" srcOrd="3" destOrd="0" presId="urn:microsoft.com/office/officeart/2005/8/layout/orgChart1"/>
+    <dgm:cxn modelId="{F5BBE264-A305-0746-A45A-C416B3890FC1}" type="presParOf" srcId="{D0880DFD-D30F-0E45-AC1A-9FE1C2368C43}" destId="{7DD1600A-73FC-8744-B63A-04CF43E9157D}" srcOrd="0" destOrd="0" presId="urn:microsoft.com/office/officeart/2005/8/layout/orgChart1"/>
+    <dgm:cxn modelId="{503E725E-CBD8-724B-99E6-8659617D9B88}" type="presParOf" srcId="{7DD1600A-73FC-8744-B63A-04CF43E9157D}" destId="{EE484AEA-C03B-CA4F-96D1-E133F2EE0BF0}" srcOrd="0" destOrd="0" presId="urn:microsoft.com/office/officeart/2005/8/layout/orgChart1"/>
+    <dgm:cxn modelId="{DD0422B5-5F61-BE48-9A63-D205A99EA6C5}" type="presParOf" srcId="{7DD1600A-73FC-8744-B63A-04CF43E9157D}" destId="{F7359B0C-B547-BA41-85FC-3B4936B8D201}" srcOrd="1" destOrd="0" presId="urn:microsoft.com/office/officeart/2005/8/layout/orgChart1"/>
+    <dgm:cxn modelId="{B933F7AA-F0D6-3F46-9411-3AD5A52C2DB8}" type="presParOf" srcId="{D0880DFD-D30F-0E45-AC1A-9FE1C2368C43}" destId="{F4A3414C-56D9-A441-B64E-9CA6B74A96F9}" srcOrd="1" destOrd="0" presId="urn:microsoft.com/office/officeart/2005/8/layout/orgChart1"/>
+    <dgm:cxn modelId="{7611751B-51F1-A047-B919-7ECC62FF1E31}" type="presParOf" srcId="{D0880DFD-D30F-0E45-AC1A-9FE1C2368C43}" destId="{FF45FED7-C84C-B442-A644-8DE059D5C137}" srcOrd="2" destOrd="0" presId="urn:microsoft.com/office/officeart/2005/8/layout/orgChart1"/>
+    <dgm:cxn modelId="{573E2CE0-C399-274C-A9CB-32486E23F9F7}" type="presParOf" srcId="{AE3B630D-C5BF-8B48-986A-9D6B6AD415C5}" destId="{4CFA743C-0B8F-DB49-8006-7B89055CE434}" srcOrd="2" destOrd="0" presId="urn:microsoft.com/office/officeart/2005/8/layout/orgChart1"/>
+    <dgm:cxn modelId="{34101DC1-83E4-9F46-A1F5-D1EA7A573D23}" type="presParOf" srcId="{1350A2CD-6A59-B14A-85F7-B75CFCCA04B1}" destId="{9AC617C8-4260-3042-AE87-8AB893E5FA23}" srcOrd="2" destOrd="0" presId="urn:microsoft.com/office/officeart/2005/8/layout/orgChart1"/>
+    <dgm:cxn modelId="{D93E4D62-7921-EB44-92D1-2BDBEDDC949C}" type="presParOf" srcId="{1350A2CD-6A59-B14A-85F7-B75CFCCA04B1}" destId="{89599520-5701-174A-BC55-AF997EAE6CE7}" srcOrd="3" destOrd="0" presId="urn:microsoft.com/office/officeart/2005/8/layout/orgChart1"/>
+    <dgm:cxn modelId="{2BD0F08F-FCD7-9D4E-950C-82A8F1DC61B7}" type="presParOf" srcId="{89599520-5701-174A-BC55-AF997EAE6CE7}" destId="{93BBD63F-9506-CF4D-8BBC-BC374006E6C7}" srcOrd="0" destOrd="0" presId="urn:microsoft.com/office/officeart/2005/8/layout/orgChart1"/>
+    <dgm:cxn modelId="{C1376404-3CCC-714E-8421-2E616A3361D8}" type="presParOf" srcId="{93BBD63F-9506-CF4D-8BBC-BC374006E6C7}" destId="{40887BD9-E173-A345-A11B-3D0DD953402C}" srcOrd="0" destOrd="0" presId="urn:microsoft.com/office/officeart/2005/8/layout/orgChart1"/>
+    <dgm:cxn modelId="{64A360A7-4470-7745-93A4-0EC22AAB40E4}" type="presParOf" srcId="{93BBD63F-9506-CF4D-8BBC-BC374006E6C7}" destId="{08EDA99C-C1E3-D04B-A10E-4EA2E3E9501B}" srcOrd="1" destOrd="0" presId="urn:microsoft.com/office/officeart/2005/8/layout/orgChart1"/>
+    <dgm:cxn modelId="{D2E630A9-3814-FF42-9E66-2BB000AABBEF}" type="presParOf" srcId="{89599520-5701-174A-BC55-AF997EAE6CE7}" destId="{05B2F6F7-5242-D446-B164-B880B084E315}" srcOrd="1" destOrd="0" presId="urn:microsoft.com/office/officeart/2005/8/layout/orgChart1"/>
+    <dgm:cxn modelId="{063C7D03-39C1-F343-A2D5-6235A764E252}" type="presParOf" srcId="{05B2F6F7-5242-D446-B164-B880B084E315}" destId="{E818D88D-40C8-6149-A7B3-B5E5744CAFB7}" srcOrd="0" destOrd="0" presId="urn:microsoft.com/office/officeart/2005/8/layout/orgChart1"/>
+    <dgm:cxn modelId="{16D697ED-7375-9A47-9086-C0B68D3F456E}" type="presParOf" srcId="{05B2F6F7-5242-D446-B164-B880B084E315}" destId="{AD3C3542-45EB-A240-8B0F-370E12C91F25}" srcOrd="1" destOrd="0" presId="urn:microsoft.com/office/officeart/2005/8/layout/orgChart1"/>
+    <dgm:cxn modelId="{392BF272-9A76-6440-BED6-B9728AE26A6C}" type="presParOf" srcId="{AD3C3542-45EB-A240-8B0F-370E12C91F25}" destId="{94937BF1-98AF-CB4A-BDCC-908F033F05FF}" srcOrd="0" destOrd="0" presId="urn:microsoft.com/office/officeart/2005/8/layout/orgChart1"/>
+    <dgm:cxn modelId="{05511BD6-84B3-B74C-87FD-C04D65200489}" type="presParOf" srcId="{94937BF1-98AF-CB4A-BDCC-908F033F05FF}" destId="{2FBD39A2-CA77-1F4B-9717-21A3B168446D}" srcOrd="0" destOrd="0" presId="urn:microsoft.com/office/officeart/2005/8/layout/orgChart1"/>
+    <dgm:cxn modelId="{C95E9AA7-FC52-8940-85A8-69DC0F5A2407}" type="presParOf" srcId="{94937BF1-98AF-CB4A-BDCC-908F033F05FF}" destId="{8A7536DF-D2EF-0744-B7F8-0D6925A2D72D}" srcOrd="1" destOrd="0" presId="urn:microsoft.com/office/officeart/2005/8/layout/orgChart1"/>
+    <dgm:cxn modelId="{9C108DCB-784A-4746-A6DF-9D73AF5E21EF}" type="presParOf" srcId="{AD3C3542-45EB-A240-8B0F-370E12C91F25}" destId="{FF25BF3C-5DB7-2142-907D-FCD64CBACF2F}" srcOrd="1" destOrd="0" presId="urn:microsoft.com/office/officeart/2005/8/layout/orgChart1"/>
+    <dgm:cxn modelId="{3B5FCF80-2464-2447-960E-FC90D57AEA30}" type="presParOf" srcId="{FF25BF3C-5DB7-2142-907D-FCD64CBACF2F}" destId="{66CB59AC-AD09-794F-8A55-CC31939BE075}" srcOrd="0" destOrd="0" presId="urn:microsoft.com/office/officeart/2005/8/layout/orgChart1"/>
+    <dgm:cxn modelId="{6BC9BD87-DF55-9D42-8357-D3C3CA95BC36}" type="presParOf" srcId="{FF25BF3C-5DB7-2142-907D-FCD64CBACF2F}" destId="{2C56E7DA-F57B-2947-8909-B6A8ABE08199}" srcOrd="1" destOrd="0" presId="urn:microsoft.com/office/officeart/2005/8/layout/orgChart1"/>
+    <dgm:cxn modelId="{A9B2C874-60DA-F947-825A-D00C804BB7EE}" type="presParOf" srcId="{2C56E7DA-F57B-2947-8909-B6A8ABE08199}" destId="{5938CD73-89C2-784B-8DBF-E34D668317C5}" srcOrd="0" destOrd="0" presId="urn:microsoft.com/office/officeart/2005/8/layout/orgChart1"/>
+    <dgm:cxn modelId="{7E82FFC7-6659-1147-8154-D7AA5929CD38}" type="presParOf" srcId="{5938CD73-89C2-784B-8DBF-E34D668317C5}" destId="{4BFA2970-4F44-2C42-B51F-EA697391C550}" srcOrd="0" destOrd="0" presId="urn:microsoft.com/office/officeart/2005/8/layout/orgChart1"/>
+    <dgm:cxn modelId="{59C0C6ED-9A3F-6E40-85A9-7572EE0264F2}" type="presParOf" srcId="{5938CD73-89C2-784B-8DBF-E34D668317C5}" destId="{E5708D08-3695-2F45-B1A5-283F4E1B469A}" srcOrd="1" destOrd="0" presId="urn:microsoft.com/office/officeart/2005/8/layout/orgChart1"/>
+    <dgm:cxn modelId="{7A1A465E-0E3A-ED49-8489-1043E813563E}" type="presParOf" srcId="{2C56E7DA-F57B-2947-8909-B6A8ABE08199}" destId="{3BF55343-262A-834D-89E9-1CEE1ED8E8F5}" srcOrd="1" destOrd="0" presId="urn:microsoft.com/office/officeart/2005/8/layout/orgChart1"/>
+    <dgm:cxn modelId="{D715645E-1151-EE4E-9D65-AD5A9E33BC77}" type="presParOf" srcId="{2C56E7DA-F57B-2947-8909-B6A8ABE08199}" destId="{E70EB95F-7DAB-D748-9F25-514436D077A9}" srcOrd="2" destOrd="0" presId="urn:microsoft.com/office/officeart/2005/8/layout/orgChart1"/>
+    <dgm:cxn modelId="{A0DC7149-B892-7E41-9A31-517E08861F4F}" type="presParOf" srcId="{FF25BF3C-5DB7-2142-907D-FCD64CBACF2F}" destId="{EA6DA880-EDC3-9E4B-AC8A-8A3CDEAC71FA}" srcOrd="2" destOrd="0" presId="urn:microsoft.com/office/officeart/2005/8/layout/orgChart1"/>
+    <dgm:cxn modelId="{C4CB8782-A7BC-0F4E-B640-EDD14D59D99C}" type="presParOf" srcId="{FF25BF3C-5DB7-2142-907D-FCD64CBACF2F}" destId="{53F41F07-0180-5D47-A789-5B9BE3D2C389}" srcOrd="3" destOrd="0" presId="urn:microsoft.com/office/officeart/2005/8/layout/orgChart1"/>
+    <dgm:cxn modelId="{50199DB7-6F9B-1E4C-98B2-1BB3666F3A2A}" type="presParOf" srcId="{53F41F07-0180-5D47-A789-5B9BE3D2C389}" destId="{6973909F-56C9-9542-B436-53E9C0E33B52}" srcOrd="0" destOrd="0" presId="urn:microsoft.com/office/officeart/2005/8/layout/orgChart1"/>
+    <dgm:cxn modelId="{C5B1D66E-9B7E-404F-BA1C-BD6C89DB5FB3}" type="presParOf" srcId="{6973909F-56C9-9542-B436-53E9C0E33B52}" destId="{E9500743-8D0A-6644-9D2D-579968C01F3B}" srcOrd="0" destOrd="0" presId="urn:microsoft.com/office/officeart/2005/8/layout/orgChart1"/>
+    <dgm:cxn modelId="{EDBD3439-CA82-6F48-9E0C-4329DD526BA0}" type="presParOf" srcId="{6973909F-56C9-9542-B436-53E9C0E33B52}" destId="{79A7A59F-63C7-4440-8302-ADD9C3C0508B}" srcOrd="1" destOrd="0" presId="urn:microsoft.com/office/officeart/2005/8/layout/orgChart1"/>
+    <dgm:cxn modelId="{4315C78C-616F-4C4B-BFEE-3285672EACC0}" type="presParOf" srcId="{53F41F07-0180-5D47-A789-5B9BE3D2C389}" destId="{4CB26D16-E78E-7C40-A7AD-4D0467866369}" srcOrd="1" destOrd="0" presId="urn:microsoft.com/office/officeart/2005/8/layout/orgChart1"/>
+    <dgm:cxn modelId="{59DE92AD-D3A9-1247-B07A-5CE63D0FAF8B}" type="presParOf" srcId="{53F41F07-0180-5D47-A789-5B9BE3D2C389}" destId="{0FB0D994-DBF6-A745-854E-37B9CA5EE968}" srcOrd="2" destOrd="0" presId="urn:microsoft.com/office/officeart/2005/8/layout/orgChart1"/>
+    <dgm:cxn modelId="{D89261E6-7720-304A-A17B-595EB97692AC}" type="presParOf" srcId="{AD3C3542-45EB-A240-8B0F-370E12C91F25}" destId="{462163A4-6C45-4247-931E-2A5E8FCB05F9}" srcOrd="2" destOrd="0" presId="urn:microsoft.com/office/officeart/2005/8/layout/orgChart1"/>
+    <dgm:cxn modelId="{31FA073A-3483-804B-A6BE-3B5A2E16DD59}" type="presParOf" srcId="{05B2F6F7-5242-D446-B164-B880B084E315}" destId="{C5717FFD-58D3-564D-89D6-D529DFEAE62D}" srcOrd="2" destOrd="0" presId="urn:microsoft.com/office/officeart/2005/8/layout/orgChart1"/>
+    <dgm:cxn modelId="{A669EF75-FFB8-DD4E-8EED-DBD0E5CC3B56}" type="presParOf" srcId="{05B2F6F7-5242-D446-B164-B880B084E315}" destId="{B2DBCA9A-AD2D-0644-9198-BF6DEA6E8D17}" srcOrd="3" destOrd="0" presId="urn:microsoft.com/office/officeart/2005/8/layout/orgChart1"/>
+    <dgm:cxn modelId="{56873735-C7C8-2C40-81AA-7A8B454113B4}" type="presParOf" srcId="{B2DBCA9A-AD2D-0644-9198-BF6DEA6E8D17}" destId="{34860C9C-0657-E44A-AAE6-E9378F7B8AE9}" srcOrd="0" destOrd="0" presId="urn:microsoft.com/office/officeart/2005/8/layout/orgChart1"/>
+    <dgm:cxn modelId="{697E8BD1-7682-5243-8375-9771DC901543}" type="presParOf" srcId="{34860C9C-0657-E44A-AAE6-E9378F7B8AE9}" destId="{EDAA20AF-7C76-0742-9AA3-6CE9571624FF}" srcOrd="0" destOrd="0" presId="urn:microsoft.com/office/officeart/2005/8/layout/orgChart1"/>
+    <dgm:cxn modelId="{164906B6-7815-2642-A057-D6F572E67E7A}" type="presParOf" srcId="{34860C9C-0657-E44A-AAE6-E9378F7B8AE9}" destId="{399A7BF2-6DD4-1441-B1E0-D8A9F39232CE}" srcOrd="1" destOrd="0" presId="urn:microsoft.com/office/officeart/2005/8/layout/orgChart1"/>
+    <dgm:cxn modelId="{1B6473CF-7428-284C-A350-B4A1C4A51BDC}" type="presParOf" srcId="{B2DBCA9A-AD2D-0644-9198-BF6DEA6E8D17}" destId="{A591A6BD-2C13-3D45-884A-74A56A580808}" srcOrd="1" destOrd="0" presId="urn:microsoft.com/office/officeart/2005/8/layout/orgChart1"/>
+    <dgm:cxn modelId="{D37826E4-84D7-6048-9E49-2B87329E96A6}" type="presParOf" srcId="{B2DBCA9A-AD2D-0644-9198-BF6DEA6E8D17}" destId="{5038CBB9-5D0F-0D4A-A98E-77625BDC287E}" srcOrd="2" destOrd="0" presId="urn:microsoft.com/office/officeart/2005/8/layout/orgChart1"/>
+    <dgm:cxn modelId="{D0C66253-2237-7E40-9AD8-58544EAF4092}" type="presParOf" srcId="{89599520-5701-174A-BC55-AF997EAE6CE7}" destId="{360076C7-45B8-4949-8E20-13B19E29C52E}" srcOrd="2" destOrd="0" presId="urn:microsoft.com/office/officeart/2005/8/layout/orgChart1"/>
+    <dgm:cxn modelId="{4F9E4032-FEFF-AB43-AE9D-7CAC116333FC}" type="presParOf" srcId="{02688D6A-DB9D-D44F-8A66-F7A1CB85C1EF}" destId="{EAA6A963-4332-AC4C-8417-99400D7E7048}" srcOrd="2" destOrd="0" presId="urn:microsoft.com/office/officeart/2005/8/layout/orgChart1"/>
+  </dgm:cxnLst>
+  <dgm:bg/>
+  <dgm:whole/>
+  <dgm:extLst>
+    <a:ext uri="http://schemas.microsoft.com/office/drawing/2008/diagram">
+      <dsp:dataModelExt xmlns:dsp="http://schemas.microsoft.com/office/drawing/2008/diagram" relId="rId6" minVer="http://schemas.openxmlformats.org/drawingml/2006/diagram"/>
+    </a:ext>
+  </dgm:extLst>
+</dgm:dataModel>
+</file>
+
+<file path=ppt/diagrams/drawing1.xml><?xml version="1.0" encoding="utf-8"?>
+<dsp:drawing xmlns:dgm="http://schemas.openxmlformats.org/drawingml/2006/diagram" xmlns:dsp="http://schemas.microsoft.com/office/drawing/2008/diagram" xmlns:a="http://schemas.openxmlformats.org/drawingml/2006/main">
+  <dsp:spTree>
+    <dsp:nvGrpSpPr>
+      <dsp:cNvPr id="0" name=""/>
+      <dsp:cNvGrpSpPr/>
+    </dsp:nvGrpSpPr>
+    <dsp:grpSpPr/>
+    <dsp:sp modelId="{C5717FFD-58D3-564D-89D6-D529DFEAE62D}">
+      <dsp:nvSpPr>
+        <dsp:cNvPr id="0" name=""/>
+        <dsp:cNvSpPr/>
+      </dsp:nvSpPr>
+      <dsp:spPr>
+        <a:xfrm>
+          <a:off x="5248225" y="1963109"/>
+          <a:ext cx="981447" cy="340667"/>
+        </a:xfrm>
+        <a:custGeom>
+          <a:avLst/>
+          <a:gdLst/>
+          <a:ahLst/>
+          <a:cxnLst/>
+          <a:rect l="0" t="0" r="0" b="0"/>
+          <a:pathLst>
+            <a:path>
+              <a:moveTo>
+                <a:pt x="0" y="0"/>
+              </a:moveTo>
+              <a:lnTo>
+                <a:pt x="0" y="170333"/>
+              </a:lnTo>
+              <a:lnTo>
+                <a:pt x="981447" y="170333"/>
+              </a:lnTo>
+              <a:lnTo>
+                <a:pt x="981447" y="340667"/>
+              </a:lnTo>
+            </a:path>
+          </a:pathLst>
+        </a:custGeom>
+        <a:noFill/>
+        <a:ln w="6350" cap="flat" cmpd="sng" algn="ctr">
+          <a:solidFill>
+            <a:schemeClr val="accent1">
+              <a:shade val="80000"/>
+              <a:hueOff val="0"/>
+              <a:satOff val="0"/>
+              <a:lumOff val="0"/>
+              <a:alphaOff val="0"/>
+            </a:schemeClr>
+          </a:solidFill>
+          <a:prstDash val="solid"/>
+          <a:miter lim="800000"/>
+        </a:ln>
+        <a:effectLst/>
+      </dsp:spPr>
+      <dsp:style>
+        <a:lnRef idx="1">
+          <a:scrgbClr r="0" g="0" b="0"/>
+        </a:lnRef>
+        <a:fillRef idx="0">
+          <a:scrgbClr r="0" g="0" b="0"/>
+        </a:fillRef>
+        <a:effectRef idx="0">
+          <a:scrgbClr r="0" g="0" b="0"/>
+        </a:effectRef>
+        <a:fontRef idx="minor"/>
+      </dsp:style>
+    </dsp:sp>
+    <dsp:sp modelId="{EA6DA880-EDC3-9E4B-AC8A-8A3CDEAC71FA}">
+      <dsp:nvSpPr>
+        <dsp:cNvPr id="0" name=""/>
+        <dsp:cNvSpPr/>
+      </dsp:nvSpPr>
+      <dsp:spPr>
+        <a:xfrm>
+          <a:off x="3617887" y="3114890"/>
+          <a:ext cx="243333" cy="1898005"/>
+        </a:xfrm>
+        <a:custGeom>
+          <a:avLst/>
+          <a:gdLst/>
+          <a:ahLst/>
+          <a:cxnLst/>
+          <a:rect l="0" t="0" r="0" b="0"/>
+          <a:pathLst>
+            <a:path>
+              <a:moveTo>
+                <a:pt x="0" y="0"/>
+              </a:moveTo>
+              <a:lnTo>
+                <a:pt x="0" y="1898005"/>
+              </a:lnTo>
+              <a:lnTo>
+                <a:pt x="243333" y="1898005"/>
+              </a:lnTo>
+            </a:path>
+          </a:pathLst>
+        </a:custGeom>
+        <a:noFill/>
+        <a:ln w="6350" cap="flat" cmpd="sng" algn="ctr">
+          <a:solidFill>
+            <a:schemeClr val="accent1">
+              <a:shade val="80000"/>
+              <a:hueOff val="0"/>
+              <a:satOff val="0"/>
+              <a:lumOff val="0"/>
+              <a:alphaOff val="0"/>
+            </a:schemeClr>
+          </a:solidFill>
+          <a:prstDash val="solid"/>
+          <a:miter lim="800000"/>
+        </a:ln>
+        <a:effectLst/>
+      </dsp:spPr>
+      <dsp:style>
+        <a:lnRef idx="1">
+          <a:scrgbClr r="0" g="0" b="0"/>
+        </a:lnRef>
+        <a:fillRef idx="0">
+          <a:scrgbClr r="0" g="0" b="0"/>
+        </a:fillRef>
+        <a:effectRef idx="0">
+          <a:scrgbClr r="0" g="0" b="0"/>
+        </a:effectRef>
+        <a:fontRef idx="minor"/>
+      </dsp:style>
+    </dsp:sp>
+    <dsp:sp modelId="{66CB59AC-AD09-794F-8A55-CC31939BE075}">
+      <dsp:nvSpPr>
+        <dsp:cNvPr id="0" name=""/>
+        <dsp:cNvSpPr/>
+      </dsp:nvSpPr>
+      <dsp:spPr>
+        <a:xfrm>
+          <a:off x="3617887" y="3114890"/>
+          <a:ext cx="243333" cy="746224"/>
+        </a:xfrm>
+        <a:custGeom>
+          <a:avLst/>
+          <a:gdLst/>
+          <a:ahLst/>
+          <a:cxnLst/>
+          <a:rect l="0" t="0" r="0" b="0"/>
+          <a:pathLst>
+            <a:path>
+              <a:moveTo>
+                <a:pt x="0" y="0"/>
+              </a:moveTo>
+              <a:lnTo>
+                <a:pt x="0" y="746224"/>
+              </a:lnTo>
+              <a:lnTo>
+                <a:pt x="243333" y="746224"/>
+              </a:lnTo>
+            </a:path>
+          </a:pathLst>
+        </a:custGeom>
+        <a:noFill/>
+        <a:ln w="6350" cap="flat" cmpd="sng" algn="ctr">
+          <a:solidFill>
+            <a:schemeClr val="accent1">
+              <a:shade val="80000"/>
+              <a:hueOff val="0"/>
+              <a:satOff val="0"/>
+              <a:lumOff val="0"/>
+              <a:alphaOff val="0"/>
+            </a:schemeClr>
+          </a:solidFill>
+          <a:prstDash val="solid"/>
+          <a:miter lim="800000"/>
+        </a:ln>
+        <a:effectLst/>
+      </dsp:spPr>
+      <dsp:style>
+        <a:lnRef idx="1">
+          <a:scrgbClr r="0" g="0" b="0"/>
+        </a:lnRef>
+        <a:fillRef idx="0">
+          <a:scrgbClr r="0" g="0" b="0"/>
+        </a:fillRef>
+        <a:effectRef idx="0">
+          <a:scrgbClr r="0" g="0" b="0"/>
+        </a:effectRef>
+        <a:fontRef idx="minor"/>
+      </dsp:style>
+    </dsp:sp>
+    <dsp:sp modelId="{E818D88D-40C8-6149-A7B3-B5E5744CAFB7}">
+      <dsp:nvSpPr>
+        <dsp:cNvPr id="0" name=""/>
+        <dsp:cNvSpPr/>
+      </dsp:nvSpPr>
+      <dsp:spPr>
+        <a:xfrm>
+          <a:off x="4266778" y="1963109"/>
+          <a:ext cx="981447" cy="340667"/>
+        </a:xfrm>
+        <a:custGeom>
+          <a:avLst/>
+          <a:gdLst/>
+          <a:ahLst/>
+          <a:cxnLst/>
+          <a:rect l="0" t="0" r="0" b="0"/>
+          <a:pathLst>
+            <a:path>
+              <a:moveTo>
+                <a:pt x="981447" y="0"/>
+              </a:moveTo>
+              <a:lnTo>
+                <a:pt x="981447" y="170333"/>
+              </a:lnTo>
+              <a:lnTo>
+                <a:pt x="0" y="170333"/>
+              </a:lnTo>
+              <a:lnTo>
+                <a:pt x="0" y="340667"/>
+              </a:lnTo>
+            </a:path>
+          </a:pathLst>
+        </a:custGeom>
+        <a:noFill/>
+        <a:ln w="6350" cap="flat" cmpd="sng" algn="ctr">
+          <a:solidFill>
+            <a:schemeClr val="accent1">
+              <a:shade val="80000"/>
+              <a:hueOff val="0"/>
+              <a:satOff val="0"/>
+              <a:lumOff val="0"/>
+              <a:alphaOff val="0"/>
+            </a:schemeClr>
+          </a:solidFill>
+          <a:prstDash val="solid"/>
+          <a:miter lim="800000"/>
+        </a:ln>
+        <a:effectLst/>
+      </dsp:spPr>
+      <dsp:style>
+        <a:lnRef idx="1">
+          <a:scrgbClr r="0" g="0" b="0"/>
+        </a:lnRef>
+        <a:fillRef idx="0">
+          <a:scrgbClr r="0" g="0" b="0"/>
+        </a:fillRef>
+        <a:effectRef idx="0">
+          <a:scrgbClr r="0" g="0" b="0"/>
+        </a:effectRef>
+        <a:fontRef idx="minor"/>
+      </dsp:style>
+    </dsp:sp>
+    <dsp:sp modelId="{9AC617C8-4260-3042-AE87-8AB893E5FA23}">
+      <dsp:nvSpPr>
+        <dsp:cNvPr id="0" name=""/>
+        <dsp:cNvSpPr/>
+      </dsp:nvSpPr>
+      <dsp:spPr>
+        <a:xfrm>
+          <a:off x="3573276" y="811328"/>
+          <a:ext cx="1674948" cy="340667"/>
+        </a:xfrm>
+        <a:custGeom>
+          <a:avLst/>
+          <a:gdLst/>
+          <a:ahLst/>
+          <a:cxnLst/>
+          <a:rect l="0" t="0" r="0" b="0"/>
+          <a:pathLst>
+            <a:path>
+              <a:moveTo>
+                <a:pt x="0" y="0"/>
+              </a:moveTo>
+              <a:lnTo>
+                <a:pt x="0" y="170333"/>
+              </a:lnTo>
+              <a:lnTo>
+                <a:pt x="1674948" y="170333"/>
+              </a:lnTo>
+              <a:lnTo>
+                <a:pt x="1674948" y="340667"/>
+              </a:lnTo>
+            </a:path>
+          </a:pathLst>
+        </a:custGeom>
+        <a:noFill/>
+        <a:ln w="6350" cap="flat" cmpd="sng" algn="ctr">
+          <a:solidFill>
+            <a:schemeClr val="accent1">
+              <a:shade val="60000"/>
+              <a:hueOff val="0"/>
+              <a:satOff val="0"/>
+              <a:lumOff val="0"/>
+              <a:alphaOff val="0"/>
+            </a:schemeClr>
+          </a:solidFill>
+          <a:prstDash val="solid"/>
+          <a:miter lim="800000"/>
+        </a:ln>
+        <a:effectLst/>
+      </dsp:spPr>
+      <dsp:style>
+        <a:lnRef idx="1">
+          <a:scrgbClr r="0" g="0" b="0"/>
+        </a:lnRef>
+        <a:fillRef idx="0">
+          <a:scrgbClr r="0" g="0" b="0"/>
+        </a:fillRef>
+        <a:effectRef idx="0">
+          <a:scrgbClr r="0" g="0" b="0"/>
+        </a:effectRef>
+        <a:fontRef idx="minor"/>
+      </dsp:style>
+    </dsp:sp>
+    <dsp:sp modelId="{ED03B937-CDC8-284A-9A63-A68704731C24}">
+      <dsp:nvSpPr>
+        <dsp:cNvPr id="0" name=""/>
+        <dsp:cNvSpPr/>
+      </dsp:nvSpPr>
+      <dsp:spPr>
+        <a:xfrm>
+          <a:off x="1249436" y="1963109"/>
+          <a:ext cx="243333" cy="1898005"/>
+        </a:xfrm>
+        <a:custGeom>
+          <a:avLst/>
+          <a:gdLst/>
+          <a:ahLst/>
+          <a:cxnLst/>
+          <a:rect l="0" t="0" r="0" b="0"/>
+          <a:pathLst>
+            <a:path>
+              <a:moveTo>
+                <a:pt x="0" y="0"/>
+              </a:moveTo>
+              <a:lnTo>
+                <a:pt x="0" y="1898005"/>
+              </a:lnTo>
+              <a:lnTo>
+                <a:pt x="243333" y="1898005"/>
+              </a:lnTo>
+            </a:path>
+          </a:pathLst>
+        </a:custGeom>
+        <a:noFill/>
+        <a:ln w="6350" cap="flat" cmpd="sng" algn="ctr">
+          <a:solidFill>
+            <a:schemeClr val="accent1">
+              <a:shade val="80000"/>
+              <a:hueOff val="0"/>
+              <a:satOff val="0"/>
+              <a:lumOff val="0"/>
+              <a:alphaOff val="0"/>
+            </a:schemeClr>
+          </a:solidFill>
+          <a:prstDash val="solid"/>
+          <a:miter lim="800000"/>
+        </a:ln>
+        <a:effectLst/>
+      </dsp:spPr>
+      <dsp:style>
+        <a:lnRef idx="1">
+          <a:scrgbClr r="0" g="0" b="0"/>
+        </a:lnRef>
+        <a:fillRef idx="0">
+          <a:scrgbClr r="0" g="0" b="0"/>
+        </a:fillRef>
+        <a:effectRef idx="0">
+          <a:scrgbClr r="0" g="0" b="0"/>
+        </a:effectRef>
+        <a:fontRef idx="minor"/>
+      </dsp:style>
+    </dsp:sp>
+    <dsp:sp modelId="{92266E1D-329D-2449-A7D2-CA51A8B8F282}">
+      <dsp:nvSpPr>
+        <dsp:cNvPr id="0" name=""/>
+        <dsp:cNvSpPr/>
+      </dsp:nvSpPr>
+      <dsp:spPr>
+        <a:xfrm>
+          <a:off x="1249436" y="1963109"/>
+          <a:ext cx="243333" cy="746224"/>
+        </a:xfrm>
+        <a:custGeom>
+          <a:avLst/>
+          <a:gdLst/>
+          <a:ahLst/>
+          <a:cxnLst/>
+          <a:rect l="0" t="0" r="0" b="0"/>
+          <a:pathLst>
+            <a:path>
+              <a:moveTo>
+                <a:pt x="0" y="0"/>
+              </a:moveTo>
+              <a:lnTo>
+                <a:pt x="0" y="746224"/>
+              </a:lnTo>
+              <a:lnTo>
+                <a:pt x="243333" y="746224"/>
+              </a:lnTo>
+            </a:path>
+          </a:pathLst>
+        </a:custGeom>
+        <a:noFill/>
+        <a:ln w="6350" cap="flat" cmpd="sng" algn="ctr">
+          <a:solidFill>
+            <a:schemeClr val="accent1">
+              <a:shade val="80000"/>
+              <a:hueOff val="0"/>
+              <a:satOff val="0"/>
+              <a:lumOff val="0"/>
+              <a:alphaOff val="0"/>
+            </a:schemeClr>
+          </a:solidFill>
+          <a:prstDash val="solid"/>
+          <a:miter lim="800000"/>
+        </a:ln>
+        <a:effectLst/>
+      </dsp:spPr>
+      <dsp:style>
+        <a:lnRef idx="1">
+          <a:scrgbClr r="0" g="0" b="0"/>
+        </a:lnRef>
+        <a:fillRef idx="0">
+          <a:scrgbClr r="0" g="0" b="0"/>
+        </a:fillRef>
+        <a:effectRef idx="0">
+          <a:scrgbClr r="0" g="0" b="0"/>
+        </a:effectRef>
+        <a:fontRef idx="minor"/>
+      </dsp:style>
+    </dsp:sp>
+    <dsp:sp modelId="{8DE36EC9-73C4-7145-8518-4626915FE997}">
+      <dsp:nvSpPr>
+        <dsp:cNvPr id="0" name=""/>
+        <dsp:cNvSpPr/>
+      </dsp:nvSpPr>
+      <dsp:spPr>
+        <a:xfrm>
+          <a:off x="1898327" y="811328"/>
+          <a:ext cx="1674948" cy="340667"/>
+        </a:xfrm>
+        <a:custGeom>
+          <a:avLst/>
+          <a:gdLst/>
+          <a:ahLst/>
+          <a:cxnLst/>
+          <a:rect l="0" t="0" r="0" b="0"/>
+          <a:pathLst>
+            <a:path>
+              <a:moveTo>
+                <a:pt x="1674948" y="0"/>
+              </a:moveTo>
+              <a:lnTo>
+                <a:pt x="1674948" y="170333"/>
+              </a:lnTo>
+              <a:lnTo>
+                <a:pt x="0" y="170333"/>
+              </a:lnTo>
+              <a:lnTo>
+                <a:pt x="0" y="340667"/>
+              </a:lnTo>
+            </a:path>
+          </a:pathLst>
+        </a:custGeom>
+        <a:noFill/>
+        <a:ln w="6350" cap="flat" cmpd="sng" algn="ctr">
+          <a:solidFill>
+            <a:schemeClr val="accent1">
+              <a:shade val="60000"/>
+              <a:hueOff val="0"/>
+              <a:satOff val="0"/>
+              <a:lumOff val="0"/>
+              <a:alphaOff val="0"/>
+            </a:schemeClr>
+          </a:solidFill>
+          <a:prstDash val="solid"/>
+          <a:miter lim="800000"/>
+        </a:ln>
+        <a:effectLst/>
+      </dsp:spPr>
+      <dsp:style>
+        <a:lnRef idx="1">
+          <a:scrgbClr r="0" g="0" b="0"/>
+        </a:lnRef>
+        <a:fillRef idx="0">
+          <a:scrgbClr r="0" g="0" b="0"/>
+        </a:fillRef>
+        <a:effectRef idx="0">
+          <a:scrgbClr r="0" g="0" b="0"/>
+        </a:effectRef>
+        <a:fontRef idx="minor"/>
+      </dsp:style>
+    </dsp:sp>
+    <dsp:sp modelId="{8B8DFB0D-FB69-2145-A6E5-66451018E0D8}">
+      <dsp:nvSpPr>
+        <dsp:cNvPr id="0" name=""/>
+        <dsp:cNvSpPr/>
+      </dsp:nvSpPr>
+      <dsp:spPr>
+        <a:xfrm>
+          <a:off x="2762163" y="215"/>
+          <a:ext cx="1622226" cy="811113"/>
+        </a:xfrm>
+        <a:prstGeom prst="rect">
+          <a:avLst/>
+        </a:prstGeom>
+        <a:gradFill rotWithShape="0">
+          <a:gsLst>
+            <a:gs pos="0">
+              <a:schemeClr val="accent1">
+                <a:hueOff val="0"/>
+                <a:satOff val="0"/>
+                <a:lumOff val="0"/>
+                <a:alphaOff val="0"/>
+                <a:satMod val="103000"/>
+                <a:lumMod val="102000"/>
+                <a:tint val="94000"/>
+              </a:schemeClr>
+            </a:gs>
+            <a:gs pos="50000">
+              <a:schemeClr val="accent1">
+                <a:hueOff val="0"/>
+                <a:satOff val="0"/>
+                <a:lumOff val="0"/>
+                <a:alphaOff val="0"/>
+                <a:satMod val="110000"/>
+                <a:lumMod val="100000"/>
+                <a:shade val="100000"/>
+              </a:schemeClr>
+            </a:gs>
+            <a:gs pos="100000">
+              <a:schemeClr val="accent1">
+                <a:hueOff val="0"/>
+                <a:satOff val="0"/>
+                <a:lumOff val="0"/>
+                <a:alphaOff val="0"/>
+                <a:lumMod val="99000"/>
+                <a:satMod val="120000"/>
+                <a:shade val="78000"/>
+              </a:schemeClr>
+            </a:gs>
+          </a:gsLst>
+          <a:lin ang="5400000" scaled="0"/>
+        </a:gradFill>
+        <a:ln>
+          <a:noFill/>
+        </a:ln>
+        <a:effectLst/>
+      </dsp:spPr>
+      <dsp:style>
+        <a:lnRef idx="0">
+          <a:scrgbClr r="0" g="0" b="0"/>
+        </a:lnRef>
+        <a:fillRef idx="3">
+          <a:scrgbClr r="0" g="0" b="0"/>
+        </a:fillRef>
+        <a:effectRef idx="2">
+          <a:scrgbClr r="0" g="0" b="0"/>
+        </a:effectRef>
+        <a:fontRef idx="minor">
+          <a:schemeClr val="lt1"/>
+        </a:fontRef>
+      </dsp:style>
+      <dsp:txBody>
+        <a:bodyPr spcFirstLastPara="0" vert="horz" wrap="square" lIns="33655" tIns="33655" rIns="33655" bIns="33655" numCol="1" spcCol="1270" anchor="ctr" anchorCtr="0">
+          <a:noAutofit/>
+        </a:bodyPr>
+        <a:lstStyle/>
+        <a:p>
+          <a:pPr lvl="0" algn="ctr" defTabSz="2355850">
+            <a:lnSpc>
+              <a:spcPct val="90000"/>
+            </a:lnSpc>
+            <a:spcBef>
+              <a:spcPct val="0"/>
+            </a:spcBef>
+            <a:spcAft>
+              <a:spcPct val="35000"/>
+            </a:spcAft>
+          </a:pPr>
+          <a:endParaRPr lang="en-US" sz="5300" kern="1200" dirty="0"/>
+        </a:p>
+      </dsp:txBody>
+      <dsp:txXfrm>
+        <a:off x="2762163" y="215"/>
+        <a:ext cx="1622226" cy="811113"/>
+      </dsp:txXfrm>
+    </dsp:sp>
+    <dsp:sp modelId="{02E178FE-B52F-9446-9A27-D69434C583CE}">
+      <dsp:nvSpPr>
+        <dsp:cNvPr id="0" name=""/>
+        <dsp:cNvSpPr/>
+      </dsp:nvSpPr>
+      <dsp:spPr>
+        <a:xfrm>
+          <a:off x="1087214" y="1151995"/>
+          <a:ext cx="1622226" cy="811113"/>
+        </a:xfrm>
+        <a:prstGeom prst="rect">
+          <a:avLst/>
+        </a:prstGeom>
+        <a:gradFill rotWithShape="0">
+          <a:gsLst>
+            <a:gs pos="0">
+              <a:schemeClr val="accent1">
+                <a:hueOff val="0"/>
+                <a:satOff val="0"/>
+                <a:lumOff val="0"/>
+                <a:alphaOff val="0"/>
+                <a:satMod val="103000"/>
+                <a:lumMod val="102000"/>
+                <a:tint val="94000"/>
+              </a:schemeClr>
+            </a:gs>
+            <a:gs pos="50000">
+              <a:schemeClr val="accent1">
+                <a:hueOff val="0"/>
+                <a:satOff val="0"/>
+                <a:lumOff val="0"/>
+                <a:alphaOff val="0"/>
+                <a:satMod val="110000"/>
+                <a:lumMod val="100000"/>
+                <a:shade val="100000"/>
+              </a:schemeClr>
+            </a:gs>
+            <a:gs pos="100000">
+              <a:schemeClr val="accent1">
+                <a:hueOff val="0"/>
+                <a:satOff val="0"/>
+                <a:lumOff val="0"/>
+                <a:alphaOff val="0"/>
+                <a:lumMod val="99000"/>
+                <a:satMod val="120000"/>
+                <a:shade val="78000"/>
+              </a:schemeClr>
+            </a:gs>
+          </a:gsLst>
+          <a:lin ang="5400000" scaled="0"/>
+        </a:gradFill>
+        <a:ln>
+          <a:noFill/>
+        </a:ln>
+        <a:effectLst/>
+      </dsp:spPr>
+      <dsp:style>
+        <a:lnRef idx="0">
+          <a:scrgbClr r="0" g="0" b="0"/>
+        </a:lnRef>
+        <a:fillRef idx="3">
+          <a:scrgbClr r="0" g="0" b="0"/>
+        </a:fillRef>
+        <a:effectRef idx="2">
+          <a:scrgbClr r="0" g="0" b="0"/>
+        </a:effectRef>
+        <a:fontRef idx="minor">
+          <a:schemeClr val="lt1"/>
+        </a:fontRef>
+      </dsp:style>
+      <dsp:txBody>
+        <a:bodyPr spcFirstLastPara="0" vert="horz" wrap="square" lIns="33655" tIns="33655" rIns="33655" bIns="33655" numCol="1" spcCol="1270" anchor="ctr" anchorCtr="0">
+          <a:noAutofit/>
+        </a:bodyPr>
+        <a:lstStyle/>
+        <a:p>
+          <a:pPr lvl="0" algn="ctr" defTabSz="2355850">
+            <a:lnSpc>
+              <a:spcPct val="90000"/>
+            </a:lnSpc>
+            <a:spcBef>
+              <a:spcPct val="0"/>
+            </a:spcBef>
+            <a:spcAft>
+              <a:spcPct val="35000"/>
+            </a:spcAft>
+          </a:pPr>
+          <a:endParaRPr lang="en-US" sz="5300" kern="1200" dirty="0"/>
+        </a:p>
+      </dsp:txBody>
+      <dsp:txXfrm>
+        <a:off x="1087214" y="1151995"/>
+        <a:ext cx="1622226" cy="811113"/>
+      </dsp:txXfrm>
+    </dsp:sp>
+    <dsp:sp modelId="{7B276C7A-CF2F-1744-8440-6C7A3D70E1FD}">
+      <dsp:nvSpPr>
+        <dsp:cNvPr id="0" name=""/>
+        <dsp:cNvSpPr/>
+      </dsp:nvSpPr>
+      <dsp:spPr>
+        <a:xfrm>
+          <a:off x="1492770" y="2303776"/>
+          <a:ext cx="1622226" cy="811113"/>
+        </a:xfrm>
+        <a:prstGeom prst="rect">
+          <a:avLst/>
+        </a:prstGeom>
+        <a:gradFill rotWithShape="0">
+          <a:gsLst>
+            <a:gs pos="0">
+              <a:schemeClr val="accent1">
+                <a:hueOff val="0"/>
+                <a:satOff val="0"/>
+                <a:lumOff val="0"/>
+                <a:alphaOff val="0"/>
+                <a:satMod val="103000"/>
+                <a:lumMod val="102000"/>
+                <a:tint val="94000"/>
+              </a:schemeClr>
+            </a:gs>
+            <a:gs pos="50000">
+              <a:schemeClr val="accent1">
+                <a:hueOff val="0"/>
+                <a:satOff val="0"/>
+                <a:lumOff val="0"/>
+                <a:alphaOff val="0"/>
+                <a:satMod val="110000"/>
+                <a:lumMod val="100000"/>
+                <a:shade val="100000"/>
+              </a:schemeClr>
+            </a:gs>
+            <a:gs pos="100000">
+              <a:schemeClr val="accent1">
+                <a:hueOff val="0"/>
+                <a:satOff val="0"/>
+                <a:lumOff val="0"/>
+                <a:alphaOff val="0"/>
+                <a:lumMod val="99000"/>
+                <a:satMod val="120000"/>
+                <a:shade val="78000"/>
+              </a:schemeClr>
+            </a:gs>
+          </a:gsLst>
+          <a:lin ang="5400000" scaled="0"/>
+        </a:gradFill>
+        <a:ln>
+          <a:noFill/>
+        </a:ln>
+        <a:effectLst/>
+      </dsp:spPr>
+      <dsp:style>
+        <a:lnRef idx="0">
+          <a:scrgbClr r="0" g="0" b="0"/>
+        </a:lnRef>
+        <a:fillRef idx="3">
+          <a:scrgbClr r="0" g="0" b="0"/>
+        </a:fillRef>
+        <a:effectRef idx="2">
+          <a:scrgbClr r="0" g="0" b="0"/>
+        </a:effectRef>
+        <a:fontRef idx="minor">
+          <a:schemeClr val="lt1"/>
+        </a:fontRef>
+      </dsp:style>
+      <dsp:txBody>
+        <a:bodyPr spcFirstLastPara="0" vert="horz" wrap="square" lIns="33655" tIns="33655" rIns="33655" bIns="33655" numCol="1" spcCol="1270" anchor="ctr" anchorCtr="0">
+          <a:noAutofit/>
+        </a:bodyPr>
+        <a:lstStyle/>
+        <a:p>
+          <a:pPr lvl="0" algn="ctr" defTabSz="2355850">
+            <a:lnSpc>
+              <a:spcPct val="90000"/>
+            </a:lnSpc>
+            <a:spcBef>
+              <a:spcPct val="0"/>
+            </a:spcBef>
+            <a:spcAft>
+              <a:spcPct val="35000"/>
+            </a:spcAft>
+          </a:pPr>
+          <a:r>
+            <a:rPr lang="en-US" sz="5300" kern="1200" dirty="0" smtClean="0"/>
+            <a:t> </a:t>
+          </a:r>
+          <a:endParaRPr lang="en-US" sz="5300" kern="1200" dirty="0"/>
+        </a:p>
+      </dsp:txBody>
+      <dsp:txXfrm>
+        <a:off x="1492770" y="2303776"/>
+        <a:ext cx="1622226" cy="811113"/>
+      </dsp:txXfrm>
+    </dsp:sp>
+    <dsp:sp modelId="{EE484AEA-C03B-CA4F-96D1-E133F2EE0BF0}">
+      <dsp:nvSpPr>
+        <dsp:cNvPr id="0" name=""/>
+        <dsp:cNvSpPr/>
+      </dsp:nvSpPr>
+      <dsp:spPr>
+        <a:xfrm>
+          <a:off x="1492770" y="3455557"/>
+          <a:ext cx="1622226" cy="811113"/>
+        </a:xfrm>
+        <a:prstGeom prst="rect">
+          <a:avLst/>
+        </a:prstGeom>
+        <a:gradFill rotWithShape="0">
+          <a:gsLst>
+            <a:gs pos="0">
+              <a:schemeClr val="accent1">
+                <a:hueOff val="0"/>
+                <a:satOff val="0"/>
+                <a:lumOff val="0"/>
+                <a:alphaOff val="0"/>
+                <a:satMod val="103000"/>
+                <a:lumMod val="102000"/>
+                <a:tint val="94000"/>
+              </a:schemeClr>
+            </a:gs>
+            <a:gs pos="50000">
+              <a:schemeClr val="accent1">
+                <a:hueOff val="0"/>
+                <a:satOff val="0"/>
+                <a:lumOff val="0"/>
+                <a:alphaOff val="0"/>
+                <a:satMod val="110000"/>
+                <a:lumMod val="100000"/>
+                <a:shade val="100000"/>
+              </a:schemeClr>
+            </a:gs>
+            <a:gs pos="100000">
+              <a:schemeClr val="accent1">
+                <a:hueOff val="0"/>
+                <a:satOff val="0"/>
+                <a:lumOff val="0"/>
+                <a:alphaOff val="0"/>
+                <a:lumMod val="99000"/>
+                <a:satMod val="120000"/>
+                <a:shade val="78000"/>
+              </a:schemeClr>
+            </a:gs>
+          </a:gsLst>
+          <a:lin ang="5400000" scaled="0"/>
+        </a:gradFill>
+        <a:ln>
+          <a:noFill/>
+        </a:ln>
+        <a:effectLst/>
+      </dsp:spPr>
+      <dsp:style>
+        <a:lnRef idx="0">
+          <a:scrgbClr r="0" g="0" b="0"/>
+        </a:lnRef>
+        <a:fillRef idx="3">
+          <a:scrgbClr r="0" g="0" b="0"/>
+        </a:fillRef>
+        <a:effectRef idx="2">
+          <a:scrgbClr r="0" g="0" b="0"/>
+        </a:effectRef>
+        <a:fontRef idx="minor">
+          <a:schemeClr val="lt1"/>
+        </a:fontRef>
+      </dsp:style>
+      <dsp:txBody>
+        <a:bodyPr spcFirstLastPara="0" vert="horz" wrap="square" lIns="33655" tIns="33655" rIns="33655" bIns="33655" numCol="1" spcCol="1270" anchor="ctr" anchorCtr="0">
+          <a:noAutofit/>
+        </a:bodyPr>
+        <a:lstStyle/>
+        <a:p>
+          <a:pPr lvl="0" algn="ctr" defTabSz="2355850">
+            <a:lnSpc>
+              <a:spcPct val="90000"/>
+            </a:lnSpc>
+            <a:spcBef>
+              <a:spcPct val="0"/>
+            </a:spcBef>
+            <a:spcAft>
+              <a:spcPct val="35000"/>
+            </a:spcAft>
+          </a:pPr>
+          <a:endParaRPr lang="en-US" sz="5300" kern="1200" dirty="0"/>
+        </a:p>
+      </dsp:txBody>
+      <dsp:txXfrm>
+        <a:off x="1492770" y="3455557"/>
+        <a:ext cx="1622226" cy="811113"/>
+      </dsp:txXfrm>
+    </dsp:sp>
+    <dsp:sp modelId="{40887BD9-E173-A345-A11B-3D0DD953402C}">
+      <dsp:nvSpPr>
+        <dsp:cNvPr id="0" name=""/>
+        <dsp:cNvSpPr/>
+      </dsp:nvSpPr>
+      <dsp:spPr>
+        <a:xfrm>
+          <a:off x="4437112" y="1151996"/>
+          <a:ext cx="1622226" cy="811113"/>
+        </a:xfrm>
+        <a:prstGeom prst="rect">
+          <a:avLst/>
+        </a:prstGeom>
+        <a:gradFill rotWithShape="0">
+          <a:gsLst>
+            <a:gs pos="0">
+              <a:schemeClr val="accent1">
+                <a:hueOff val="0"/>
+                <a:satOff val="0"/>
+                <a:lumOff val="0"/>
+                <a:alphaOff val="0"/>
+                <a:satMod val="103000"/>
+                <a:lumMod val="102000"/>
+                <a:tint val="94000"/>
+              </a:schemeClr>
+            </a:gs>
+            <a:gs pos="50000">
+              <a:schemeClr val="accent1">
+                <a:hueOff val="0"/>
+                <a:satOff val="0"/>
+                <a:lumOff val="0"/>
+                <a:alphaOff val="0"/>
+                <a:satMod val="110000"/>
+                <a:lumMod val="100000"/>
+                <a:shade val="100000"/>
+              </a:schemeClr>
+            </a:gs>
+            <a:gs pos="100000">
+              <a:schemeClr val="accent1">
+                <a:hueOff val="0"/>
+                <a:satOff val="0"/>
+                <a:lumOff val="0"/>
+                <a:alphaOff val="0"/>
+                <a:lumMod val="99000"/>
+                <a:satMod val="120000"/>
+                <a:shade val="78000"/>
+              </a:schemeClr>
+            </a:gs>
+          </a:gsLst>
+          <a:lin ang="5400000" scaled="0"/>
+        </a:gradFill>
+        <a:ln>
+          <a:noFill/>
+        </a:ln>
+        <a:effectLst/>
+      </dsp:spPr>
+      <dsp:style>
+        <a:lnRef idx="0">
+          <a:scrgbClr r="0" g="0" b="0"/>
+        </a:lnRef>
+        <a:fillRef idx="3">
+          <a:scrgbClr r="0" g="0" b="0"/>
+        </a:fillRef>
+        <a:effectRef idx="2">
+          <a:scrgbClr r="0" g="0" b="0"/>
+        </a:effectRef>
+        <a:fontRef idx="minor">
+          <a:schemeClr val="lt1"/>
+        </a:fontRef>
+      </dsp:style>
+      <dsp:txBody>
+        <a:bodyPr spcFirstLastPara="0" vert="horz" wrap="square" lIns="33655" tIns="33655" rIns="33655" bIns="33655" numCol="1" spcCol="1270" anchor="ctr" anchorCtr="0">
+          <a:noAutofit/>
+        </a:bodyPr>
+        <a:lstStyle/>
+        <a:p>
+          <a:pPr lvl="0" algn="ctr" defTabSz="2355850">
+            <a:lnSpc>
+              <a:spcPct val="90000"/>
+            </a:lnSpc>
+            <a:spcBef>
+              <a:spcPct val="0"/>
+            </a:spcBef>
+            <a:spcAft>
+              <a:spcPct val="35000"/>
+            </a:spcAft>
+          </a:pPr>
+          <a:endParaRPr lang="en-US" sz="5300" kern="1200" dirty="0"/>
+        </a:p>
+      </dsp:txBody>
+      <dsp:txXfrm>
+        <a:off x="4437112" y="1151996"/>
+        <a:ext cx="1622226" cy="811113"/>
+      </dsp:txXfrm>
+    </dsp:sp>
+    <dsp:sp modelId="{2FBD39A2-CA77-1F4B-9717-21A3B168446D}">
+      <dsp:nvSpPr>
+        <dsp:cNvPr id="0" name=""/>
+        <dsp:cNvSpPr/>
+      </dsp:nvSpPr>
+      <dsp:spPr>
+        <a:xfrm>
+          <a:off x="3455665" y="2303776"/>
+          <a:ext cx="1622226" cy="811113"/>
+        </a:xfrm>
+        <a:prstGeom prst="rect">
+          <a:avLst/>
+        </a:prstGeom>
+        <a:gradFill rotWithShape="0">
+          <a:gsLst>
+            <a:gs pos="0">
+              <a:schemeClr val="accent1">
+                <a:hueOff val="0"/>
+                <a:satOff val="0"/>
+                <a:lumOff val="0"/>
+                <a:alphaOff val="0"/>
+                <a:satMod val="103000"/>
+                <a:lumMod val="102000"/>
+                <a:tint val="94000"/>
+              </a:schemeClr>
+            </a:gs>
+            <a:gs pos="50000">
+              <a:schemeClr val="accent1">
+                <a:hueOff val="0"/>
+                <a:satOff val="0"/>
+                <a:lumOff val="0"/>
+                <a:alphaOff val="0"/>
+                <a:satMod val="110000"/>
+                <a:lumMod val="100000"/>
+                <a:shade val="100000"/>
+              </a:schemeClr>
+            </a:gs>
+            <a:gs pos="100000">
+              <a:schemeClr val="accent1">
+                <a:hueOff val="0"/>
+                <a:satOff val="0"/>
+                <a:lumOff val="0"/>
+                <a:alphaOff val="0"/>
+                <a:lumMod val="99000"/>
+                <a:satMod val="120000"/>
+                <a:shade val="78000"/>
+              </a:schemeClr>
+            </a:gs>
+          </a:gsLst>
+          <a:lin ang="5400000" scaled="0"/>
+        </a:gradFill>
+        <a:ln>
+          <a:noFill/>
+        </a:ln>
+        <a:effectLst/>
+      </dsp:spPr>
+      <dsp:style>
+        <a:lnRef idx="0">
+          <a:scrgbClr r="0" g="0" b="0"/>
+        </a:lnRef>
+        <a:fillRef idx="3">
+          <a:scrgbClr r="0" g="0" b="0"/>
+        </a:fillRef>
+        <a:effectRef idx="2">
+          <a:scrgbClr r="0" g="0" b="0"/>
+        </a:effectRef>
+        <a:fontRef idx="minor">
+          <a:schemeClr val="lt1"/>
+        </a:fontRef>
+      </dsp:style>
+      <dsp:txBody>
+        <a:bodyPr spcFirstLastPara="0" vert="horz" wrap="square" lIns="33655" tIns="33655" rIns="33655" bIns="33655" numCol="1" spcCol="1270" anchor="ctr" anchorCtr="0">
+          <a:noAutofit/>
+        </a:bodyPr>
+        <a:lstStyle/>
+        <a:p>
+          <a:pPr lvl="0" algn="ctr" defTabSz="2355850">
+            <a:lnSpc>
+              <a:spcPct val="90000"/>
+            </a:lnSpc>
+            <a:spcBef>
+              <a:spcPct val="0"/>
+            </a:spcBef>
+            <a:spcAft>
+              <a:spcPct val="35000"/>
+            </a:spcAft>
+          </a:pPr>
+          <a:endParaRPr lang="en-US" sz="5300" kern="1200" dirty="0"/>
+        </a:p>
+      </dsp:txBody>
+      <dsp:txXfrm>
+        <a:off x="3455665" y="2303776"/>
+        <a:ext cx="1622226" cy="811113"/>
+      </dsp:txXfrm>
+    </dsp:sp>
+    <dsp:sp modelId="{4BFA2970-4F44-2C42-B51F-EA697391C550}">
+      <dsp:nvSpPr>
+        <dsp:cNvPr id="0" name=""/>
+        <dsp:cNvSpPr/>
+      </dsp:nvSpPr>
+      <dsp:spPr>
+        <a:xfrm>
+          <a:off x="3861221" y="3455557"/>
+          <a:ext cx="1622226" cy="811113"/>
+        </a:xfrm>
+        <a:prstGeom prst="rect">
+          <a:avLst/>
+        </a:prstGeom>
+        <a:gradFill rotWithShape="0">
+          <a:gsLst>
+            <a:gs pos="0">
+              <a:schemeClr val="accent1">
+                <a:hueOff val="0"/>
+                <a:satOff val="0"/>
+                <a:lumOff val="0"/>
+                <a:alphaOff val="0"/>
+                <a:satMod val="103000"/>
+                <a:lumMod val="102000"/>
+                <a:tint val="94000"/>
+              </a:schemeClr>
+            </a:gs>
+            <a:gs pos="50000">
+              <a:schemeClr val="accent1">
+                <a:hueOff val="0"/>
+                <a:satOff val="0"/>
+                <a:lumOff val="0"/>
+                <a:alphaOff val="0"/>
+                <a:satMod val="110000"/>
+                <a:lumMod val="100000"/>
+                <a:shade val="100000"/>
+              </a:schemeClr>
+            </a:gs>
+            <a:gs pos="100000">
+              <a:schemeClr val="accent1">
+                <a:hueOff val="0"/>
+                <a:satOff val="0"/>
+                <a:lumOff val="0"/>
+                <a:alphaOff val="0"/>
+                <a:lumMod val="99000"/>
+                <a:satMod val="120000"/>
+                <a:shade val="78000"/>
+              </a:schemeClr>
+            </a:gs>
+          </a:gsLst>
+          <a:lin ang="5400000" scaled="0"/>
+        </a:gradFill>
+        <a:ln>
+          <a:noFill/>
+        </a:ln>
+        <a:effectLst/>
+      </dsp:spPr>
+      <dsp:style>
+        <a:lnRef idx="0">
+          <a:scrgbClr r="0" g="0" b="0"/>
+        </a:lnRef>
+        <a:fillRef idx="3">
+          <a:scrgbClr r="0" g="0" b="0"/>
+        </a:fillRef>
+        <a:effectRef idx="2">
+          <a:scrgbClr r="0" g="0" b="0"/>
+        </a:effectRef>
+        <a:fontRef idx="minor">
+          <a:schemeClr val="lt1"/>
+        </a:fontRef>
+      </dsp:style>
+      <dsp:txBody>
+        <a:bodyPr spcFirstLastPara="0" vert="horz" wrap="square" lIns="33655" tIns="33655" rIns="33655" bIns="33655" numCol="1" spcCol="1270" anchor="ctr" anchorCtr="0">
+          <a:noAutofit/>
+        </a:bodyPr>
+        <a:lstStyle/>
+        <a:p>
+          <a:pPr lvl="0" algn="ctr" defTabSz="2355850">
+            <a:lnSpc>
+              <a:spcPct val="90000"/>
+            </a:lnSpc>
+            <a:spcBef>
+              <a:spcPct val="0"/>
+            </a:spcBef>
+            <a:spcAft>
+              <a:spcPct val="35000"/>
+            </a:spcAft>
+          </a:pPr>
+          <a:endParaRPr lang="en-US" sz="5300" kern="1200" dirty="0"/>
+        </a:p>
+      </dsp:txBody>
+      <dsp:txXfrm>
+        <a:off x="3861221" y="3455557"/>
+        <a:ext cx="1622226" cy="811113"/>
+      </dsp:txXfrm>
+    </dsp:sp>
+    <dsp:sp modelId="{E9500743-8D0A-6644-9D2D-579968C01F3B}">
+      <dsp:nvSpPr>
+        <dsp:cNvPr id="0" name=""/>
+        <dsp:cNvSpPr/>
+      </dsp:nvSpPr>
+      <dsp:spPr>
+        <a:xfrm>
+          <a:off x="3861221" y="4607338"/>
+          <a:ext cx="1622226" cy="811113"/>
+        </a:xfrm>
+        <a:prstGeom prst="rect">
+          <a:avLst/>
+        </a:prstGeom>
+        <a:gradFill rotWithShape="0">
+          <a:gsLst>
+            <a:gs pos="0">
+              <a:schemeClr val="accent1">
+                <a:hueOff val="0"/>
+                <a:satOff val="0"/>
+                <a:lumOff val="0"/>
+                <a:alphaOff val="0"/>
+                <a:satMod val="103000"/>
+                <a:lumMod val="102000"/>
+                <a:tint val="94000"/>
+              </a:schemeClr>
+            </a:gs>
+            <a:gs pos="50000">
+              <a:schemeClr val="accent1">
+                <a:hueOff val="0"/>
+                <a:satOff val="0"/>
+                <a:lumOff val="0"/>
+                <a:alphaOff val="0"/>
+                <a:satMod val="110000"/>
+                <a:lumMod val="100000"/>
+                <a:shade val="100000"/>
+              </a:schemeClr>
+            </a:gs>
+            <a:gs pos="100000">
+              <a:schemeClr val="accent1">
+                <a:hueOff val="0"/>
+                <a:satOff val="0"/>
+                <a:lumOff val="0"/>
+                <a:alphaOff val="0"/>
+                <a:lumMod val="99000"/>
+                <a:satMod val="120000"/>
+                <a:shade val="78000"/>
+              </a:schemeClr>
+            </a:gs>
+          </a:gsLst>
+          <a:lin ang="5400000" scaled="0"/>
+        </a:gradFill>
+        <a:ln>
+          <a:noFill/>
+        </a:ln>
+        <a:effectLst/>
+      </dsp:spPr>
+      <dsp:style>
+        <a:lnRef idx="0">
+          <a:scrgbClr r="0" g="0" b="0"/>
+        </a:lnRef>
+        <a:fillRef idx="3">
+          <a:scrgbClr r="0" g="0" b="0"/>
+        </a:fillRef>
+        <a:effectRef idx="2">
+          <a:scrgbClr r="0" g="0" b="0"/>
+        </a:effectRef>
+        <a:fontRef idx="minor">
+          <a:schemeClr val="lt1"/>
+        </a:fontRef>
+      </dsp:style>
+      <dsp:txBody>
+        <a:bodyPr spcFirstLastPara="0" vert="horz" wrap="square" lIns="33655" tIns="33655" rIns="33655" bIns="33655" numCol="1" spcCol="1270" anchor="ctr" anchorCtr="0">
+          <a:noAutofit/>
+        </a:bodyPr>
+        <a:lstStyle/>
+        <a:p>
+          <a:pPr lvl="0" algn="ctr" defTabSz="2355850">
+            <a:lnSpc>
+              <a:spcPct val="90000"/>
+            </a:lnSpc>
+            <a:spcBef>
+              <a:spcPct val="0"/>
+            </a:spcBef>
+            <a:spcAft>
+              <a:spcPct val="35000"/>
+            </a:spcAft>
+          </a:pPr>
+          <a:endParaRPr lang="en-US" sz="5300" kern="1200" dirty="0"/>
+        </a:p>
+      </dsp:txBody>
+      <dsp:txXfrm>
+        <a:off x="3861221" y="4607338"/>
+        <a:ext cx="1622226" cy="811113"/>
+      </dsp:txXfrm>
+    </dsp:sp>
+    <dsp:sp modelId="{EDAA20AF-7C76-0742-9AA3-6CE9571624FF}">
+      <dsp:nvSpPr>
+        <dsp:cNvPr id="0" name=""/>
+        <dsp:cNvSpPr/>
+      </dsp:nvSpPr>
+      <dsp:spPr>
+        <a:xfrm>
+          <a:off x="5418559" y="2303776"/>
+          <a:ext cx="1622226" cy="811113"/>
+        </a:xfrm>
+        <a:prstGeom prst="rect">
+          <a:avLst/>
+        </a:prstGeom>
+        <a:gradFill rotWithShape="0">
+          <a:gsLst>
+            <a:gs pos="0">
+              <a:schemeClr val="accent1">
+                <a:hueOff val="0"/>
+                <a:satOff val="0"/>
+                <a:lumOff val="0"/>
+                <a:alphaOff val="0"/>
+                <a:satMod val="103000"/>
+                <a:lumMod val="102000"/>
+                <a:tint val="94000"/>
+              </a:schemeClr>
+            </a:gs>
+            <a:gs pos="50000">
+              <a:schemeClr val="accent1">
+                <a:hueOff val="0"/>
+                <a:satOff val="0"/>
+                <a:lumOff val="0"/>
+                <a:alphaOff val="0"/>
+                <a:satMod val="110000"/>
+                <a:lumMod val="100000"/>
+                <a:shade val="100000"/>
+              </a:schemeClr>
+            </a:gs>
+            <a:gs pos="100000">
+              <a:schemeClr val="accent1">
+                <a:hueOff val="0"/>
+                <a:satOff val="0"/>
+                <a:lumOff val="0"/>
+                <a:alphaOff val="0"/>
+                <a:lumMod val="99000"/>
+                <a:satMod val="120000"/>
+                <a:shade val="78000"/>
+              </a:schemeClr>
+            </a:gs>
+          </a:gsLst>
+          <a:lin ang="5400000" scaled="0"/>
+        </a:gradFill>
+        <a:ln>
+          <a:noFill/>
+        </a:ln>
+        <a:effectLst/>
+      </dsp:spPr>
+      <dsp:style>
+        <a:lnRef idx="0">
+          <a:scrgbClr r="0" g="0" b="0"/>
+        </a:lnRef>
+        <a:fillRef idx="3">
+          <a:scrgbClr r="0" g="0" b="0"/>
+        </a:fillRef>
+        <a:effectRef idx="2">
+          <a:scrgbClr r="0" g="0" b="0"/>
+        </a:effectRef>
+        <a:fontRef idx="minor">
+          <a:schemeClr val="lt1"/>
+        </a:fontRef>
+      </dsp:style>
+      <dsp:txBody>
+        <a:bodyPr spcFirstLastPara="0" vert="horz" wrap="square" lIns="33655" tIns="33655" rIns="33655" bIns="33655" numCol="1" spcCol="1270" anchor="ctr" anchorCtr="0">
+          <a:noAutofit/>
+        </a:bodyPr>
+        <a:lstStyle/>
+        <a:p>
+          <a:pPr lvl="0" algn="ctr" defTabSz="2355850">
+            <a:lnSpc>
+              <a:spcPct val="90000"/>
+            </a:lnSpc>
+            <a:spcBef>
+              <a:spcPct val="0"/>
+            </a:spcBef>
+            <a:spcAft>
+              <a:spcPct val="35000"/>
+            </a:spcAft>
+          </a:pPr>
+          <a:r>
+            <a:rPr lang="en-US" sz="5300" kern="1200" dirty="0" smtClean="0"/>
+            <a:t> </a:t>
+          </a:r>
+          <a:endParaRPr lang="en-US" sz="5300" kern="1200" dirty="0"/>
+        </a:p>
+      </dsp:txBody>
+      <dsp:txXfrm>
+        <a:off x="5418559" y="2303776"/>
+        <a:ext cx="1622226" cy="811113"/>
+      </dsp:txXfrm>
+    </dsp:sp>
+  </dsp:spTree>
+</dsp:drawing>
+</file>
+
+<file path=ppt/diagrams/layout1.xml><?xml version="1.0" encoding="utf-8"?>
+<dgm:layoutDef xmlns:dgm="http://schemas.openxmlformats.org/drawingml/2006/diagram" xmlns:a="http://schemas.openxmlformats.org/drawingml/2006/main" uniqueId="urn:microsoft.com/office/officeart/2005/8/layout/orgChart1">
+  <dgm:title val=""/>
+  <dgm:desc val=""/>
+  <dgm:catLst>
+    <dgm:cat type="hierarchy" pri="1000"/>
+    <dgm:cat type="convert" pri="6000"/>
+  </dgm:catLst>
+  <dgm:sampData>
+    <dgm:dataModel>
+      <dgm:ptLst>
+        <dgm:pt modelId="0" type="doc"/>
+        <dgm:pt modelId="1">
+          <dgm:prSet phldr="1"/>
+        </dgm:pt>
+        <dgm:pt modelId="2" type="asst">
+          <dgm:prSet phldr="1"/>
+        </dgm:pt>
+        <dgm:pt modelId="3">
+          <dgm:prSet phldr="1"/>
+        </dgm:pt>
+        <dgm:pt modelId="4">
+          <dgm:prSet phldr="1"/>
+        </dgm:pt>
+        <dgm:pt modelId="5">
+          <dgm:prSet phldr="1"/>
+        </dgm:pt>
+      </dgm:ptLst>
+      <dgm:cxnLst>
+        <dgm:cxn modelId="5" srcId="0" destId="1" srcOrd="0" destOrd="0"/>
+        <dgm:cxn modelId="6" srcId="1" destId="2" srcOrd="0" destOrd="0"/>
+        <dgm:cxn modelId="7" srcId="1" destId="3" srcOrd="1" destOrd="0"/>
+        <dgm:cxn modelId="8" srcId="1" destId="4" srcOrd="2" destOrd="0"/>
+        <dgm:cxn modelId="9" srcId="1" destId="5" srcOrd="3" destOrd="0"/>
+      </dgm:cxnLst>
+      <dgm:bg/>
+      <dgm:whole/>
+    </dgm:dataModel>
+  </dgm:sampData>
+  <dgm:styleData>
+    <dgm:dataModel>
+      <dgm:ptLst>
+        <dgm:pt modelId="0" type="doc"/>
+        <dgm:pt modelId="1"/>
+        <dgm:pt modelId="12"/>
+        <dgm:pt modelId="13"/>
+      </dgm:ptLst>
+      <dgm:cxnLst>
+        <dgm:cxn modelId="2" srcId="0" destId="1" srcOrd="0" destOrd="0"/>
+        <dgm:cxn modelId="16" srcId="1" destId="12" srcOrd="1" destOrd="0"/>
+        <dgm:cxn modelId="17" srcId="1" destId="13" srcOrd="2" destOrd="0"/>
+      </dgm:cxnLst>
+      <dgm:bg/>
+      <dgm:whole/>
+    </dgm:dataModel>
+  </dgm:styleData>
+  <dgm:clrData>
+    <dgm:dataModel>
+      <dgm:ptLst>
+        <dgm:pt modelId="0" type="doc"/>
+        <dgm:pt modelId="1"/>
+        <dgm:pt modelId="11" type="asst"/>
+        <dgm:pt modelId="12"/>
+        <dgm:pt modelId="13"/>
+        <dgm:pt modelId="14"/>
+      </dgm:ptLst>
+      <dgm:cxnLst>
+        <dgm:cxn modelId="2" srcId="0" destId="1" srcOrd="0" destOrd="0"/>
+        <dgm:cxn modelId="15" srcId="1" destId="11" srcOrd="0" destOrd="0"/>
+        <dgm:cxn modelId="16" srcId="1" destId="12" srcOrd="1" destOrd="0"/>
+        <dgm:cxn modelId="17" srcId="1" destId="13" srcOrd="2" destOrd="0"/>
+        <dgm:cxn modelId="18" srcId="1" destId="14" srcOrd="2" destOrd="0"/>
+      </dgm:cxnLst>
+      <dgm:bg/>
+      <dgm:whole/>
+    </dgm:dataModel>
+  </dgm:clrData>
+  <dgm:layoutNode name="hierChild1">
+    <dgm:varLst>
+      <dgm:orgChart val="1"/>
+      <dgm:chPref val="1"/>
+      <dgm:dir/>
+      <dgm:animOne val="branch"/>
+      <dgm:animLvl val="lvl"/>
+      <dgm:resizeHandles/>
+    </dgm:varLst>
+    <dgm:choose name="Name0">
+      <dgm:if name="Name1" func="var" arg="dir" op="equ" val="norm">
+        <dgm:alg type="hierChild">
+          <dgm:param type="linDir" val="fromL"/>
+        </dgm:alg>
+      </dgm:if>
+      <dgm:else name="Name2">
+        <dgm:alg type="hierChild">
+          <dgm:param type="linDir" val="fromR"/>
+        </dgm:alg>
+      </dgm:else>
+    </dgm:choose>
+    <dgm:shape xmlns:r="http://schemas.openxmlformats.org/officeDocument/2006/relationships" r:blip="">
+      <dgm:adjLst/>
+    </dgm:shape>
+    <dgm:presOf/>
+    <dgm:constrLst>
+      <dgm:constr type="w" for="des" forName="rootComposite1" refType="w" fact="10"/>
+      <dgm:constr type="h" for="des" forName="rootComposite1" refType="w" refFor="des" refForName="rootComposite1" fact="0.5"/>
+      <dgm:constr type="w" for="des" forName="rootComposite" refType="w" fact="10"/>
+      <dgm:constr type="h" for="des" forName="rootComposite" refType="w" refFor="des" refForName="rootComposite1" fact="0.5"/>
+      <dgm:constr type="w" for="des" forName="rootComposite3" refType="w" fact="10"/>
+      <dgm:constr type="h" for="des" forName="rootComposite3" refType="w" refFor="des" refForName="rootComposite1" fact="0.5"/>
+      <dgm:constr type="primFontSz" for="des" ptType="node" op="equ"/>
+      <dgm:constr type="sp" for="des" op="equ"/>
+      <dgm:constr type="sp" for="des" forName="hierRoot1" refType="w" refFor="des" refForName="rootComposite1" fact="0.21"/>
+      <dgm:constr type="sp" for="des" forName="hierRoot2" refType="sp" refFor="des" refForName="hierRoot1"/>
+      <dgm:constr type="sp" for="des" forName="hierRoot3" refType="sp" refFor="des" refForName="hierRoot1"/>
+      <dgm:constr type="sibSp" refType="w" refFor="des" refForName="rootComposite1" fact="0.21"/>
+      <dgm:constr type="sibSp" for="des" forName="hierChild2" refType="sibSp"/>
+      <dgm:constr type="sibSp" for="des" forName="hierChild3" refType="sibSp"/>
+      <dgm:constr type="sibSp" for="des" forName="hierChild4" refType="sibSp"/>
+      <dgm:constr type="sibSp" for="des" forName="hierChild5" refType="sibSp"/>
+      <dgm:constr type="sibSp" for="des" forName="hierChild6" refType="sibSp"/>
+      <dgm:constr type="sibSp" for="des" forName="hierChild7" refType="sibSp"/>
+      <dgm:constr type="secSibSp" refType="w" refFor="des" refForName="rootComposite1" fact="0.21"/>
+      <dgm:constr type="secSibSp" for="des" forName="hierChild2" refType="secSibSp"/>
+      <dgm:constr type="secSibSp" for="des" forName="hierChild3" refType="secSibSp"/>
+      <dgm:constr type="secSibSp" for="des" forName="hierChild4" refType="secSibSp"/>
+      <dgm:constr type="secSibSp" for="des" forName="hierChild5" refType="secSibSp"/>
+      <dgm:constr type="secSibSp" for="des" forName="hierChild6" refType="secSibSp"/>
+      <dgm:constr type="secSibSp" for="des" forName="hierChild7" refType="secSibSp"/>
+    </dgm:constrLst>
+    <dgm:ruleLst/>
+    <dgm:forEach name="Name3" axis="ch">
+      <dgm:forEach name="Name4" axis="self" ptType="node">
+        <dgm:layoutNode name="hierRoot1">
+          <dgm:varLst>
+            <dgm:hierBranch val="init"/>
+          </dgm:varLst>
+          <dgm:choose name="Name5">
+            <dgm:if name="Name6" func="var" arg="hierBranch" op="equ" val="l">
+              <dgm:choose name="Name7">
+                <dgm:if name="Name8" axis="ch" ptType="asst" func="cnt" op="gte" val="1">
+                  <dgm:alg type="hierRoot">
+                    <dgm:param type="hierAlign" val="tR"/>
+                  </dgm:alg>
+                  <dgm:constrLst>
+                    <dgm:constr type="alignOff" val="0.65"/>
+                  </dgm:constrLst>
+                </dgm:if>
+                <dgm:else name="Name9">
+                  <dgm:alg type="hierRoot">
+                    <dgm:param type="hierAlign" val="tR"/>
+                  </dgm:alg>
+                  <dgm:constrLst>
+                    <dgm:constr type="alignOff" val="0.25"/>
+                  </dgm:constrLst>
+                </dgm:else>
+              </dgm:choose>
+            </dgm:if>
+            <dgm:if name="Name10" func="var" arg="hierBranch" op="equ" val="r">
+              <dgm:choose name="Name11">
+                <dgm:if name="Name12" axis="ch" ptType="asst" func="cnt" op="gte" val="1">
+                  <dgm:alg type="hierRoot">
+                    <dgm:param type="hierAlign" val="tL"/>
+                  </dgm:alg>
+                  <dgm:constrLst>
+                    <dgm:constr type="alignOff" val="0.65"/>
+                  </dgm:constrLst>
+                </dgm:if>
+                <dgm:else name="Name13">
+                  <dgm:alg type="hierRoot">
+                    <dgm:param type="hierAlign" val="tL"/>
+                  </dgm:alg>
+                  <dgm:constrLst>
+                    <dgm:constr type="alignOff" val="0.25"/>
+                  </dgm:constrLst>
+                </dgm:else>
+              </dgm:choose>
+            </dgm:if>
+            <dgm:if name="Name14" func="var" arg="hierBranch" op="equ" val="hang">
+              <dgm:alg type="hierRoot"/>
+              <dgm:constrLst>
+                <dgm:constr type="alignOff" val="0.65"/>
+              </dgm:constrLst>
+            </dgm:if>
+            <dgm:else name="Name15">
+              <dgm:alg type="hierRoot"/>
+              <dgm:constrLst>
+                <dgm:constr type="alignOff"/>
+                <dgm:constr type="bendDist" for="des" ptType="parTrans" refType="sp" fact="0.5"/>
+              </dgm:constrLst>
+            </dgm:else>
+          </dgm:choose>
+          <dgm:shape xmlns:r="http://schemas.openxmlformats.org/officeDocument/2006/relationships" r:blip="">
+            <dgm:adjLst/>
+          </dgm:shape>
+          <dgm:presOf/>
+          <dgm:ruleLst/>
+          <dgm:layoutNode name="rootComposite1">
+            <dgm:alg type="composite"/>
+            <dgm:shape xmlns:r="http://schemas.openxmlformats.org/officeDocument/2006/relationships" r:blip="">
+              <dgm:adjLst/>
+            </dgm:shape>
+            <dgm:presOf axis="self" ptType="node" cnt="1"/>
+            <dgm:choose name="Name16">
+              <dgm:if name="Name17" func="var" arg="hierBranch" op="equ" val="init">
+                <dgm:constrLst>
+                  <dgm:constr type="l" for="ch" forName="rootText1"/>
+                  <dgm:constr type="t" for="ch" forName="rootText1"/>
+                  <dgm:constr type="w" for="ch" forName="rootText1" refType="w"/>
+                  <dgm:constr type="h" for="ch" forName="rootText1" refType="h"/>
+                  <dgm:constr type="l" for="ch" forName="rootConnector1"/>
+                  <dgm:constr type="t" for="ch" forName="rootConnector1"/>
+                  <dgm:constr type="w" for="ch" forName="rootConnector1" refType="w" refFor="ch" refForName="rootText1" fact="0.2"/>
+                  <dgm:constr type="h" for="ch" forName="rootConnector1" refType="h" refFor="ch" refForName="rootText1"/>
+                </dgm:constrLst>
+              </dgm:if>
+              <dgm:if name="Name18" func="var" arg="hierBranch" op="equ" val="l">
+                <dgm:constrLst>
+                  <dgm:constr type="l" for="ch" forName="rootText1"/>
+                  <dgm:constr type="t" for="ch" forName="rootText1"/>
+                  <dgm:constr type="w" for="ch" forName="rootText1" refType="w"/>
+                  <dgm:constr type="h" for="ch" forName="rootText1" refType="h"/>
+                  <dgm:constr type="r" for="ch" forName="rootConnector1" refType="w"/>
+                  <dgm:constr type="t" for="ch" forName="rootConnector1"/>
+                  <dgm:constr type="w" for="ch" forName="rootConnector1" refType="w" refFor="ch" refForName="rootText1" fact="0.2"/>
+                  <dgm:constr type="h" for="ch" forName="rootConnector1" refType="h" refFor="ch" refForName="rootText1"/>
+                </dgm:constrLst>
+              </dgm:if>
+              <dgm:if name="Name19" func="var" arg="hierBranch" op="equ" val="r">
+                <dgm:constrLst>
+                  <dgm:constr type="l" for="ch" forName="rootText1"/>
+                  <dgm:constr type="t" for="ch" forName="rootText1"/>
+                  <dgm:constr type="w" for="ch" forName="rootText1" refType="w"/>
+                  <dgm:constr type="h" for="ch" forName="rootText1" refType="h"/>
+                  <dgm:constr type="l" for="ch" forName="rootConnector1"/>
+                  <dgm:constr type="t" for="ch" forName="rootConnector1"/>
+                  <dgm:constr type="w" for="ch" forName="rootConnector1" refType="w" refFor="ch" refForName="rootText1" fact="0.2"/>
+                  <dgm:constr type="h" for="ch" forName="rootConnector1" refType="h" refFor="ch" refForName="rootText1"/>
+                </dgm:constrLst>
+              </dgm:if>
+              <dgm:else name="Name20">
+                <dgm:constrLst>
+                  <dgm:constr type="l" for="ch" forName="rootText1"/>
+                  <dgm:constr type="t" for="ch" forName="rootText1"/>
+                  <dgm:constr type="w" for="ch" forName="rootText1" refType="w"/>
+                  <dgm:constr type="h" for="ch" forName="rootText1" refType="h"/>
+                  <dgm:constr type="r" for="ch" forName="rootConnector1" refType="w"/>
+                  <dgm:constr type="t" for="ch" forName="rootConnector1"/>
+                  <dgm:constr type="w" for="ch" forName="rootConnector1" refType="w" refFor="ch" refForName="rootText1" fact="0.2"/>
+                  <dgm:constr type="h" for="ch" forName="rootConnector1" refType="h" refFor="ch" refForName="rootText1"/>
+                </dgm:constrLst>
+              </dgm:else>
+            </dgm:choose>
+            <dgm:ruleLst/>
+            <dgm:layoutNode name="rootText1" styleLbl="node0">
+              <dgm:varLst>
+                <dgm:chPref val="3"/>
+              </dgm:varLst>
+              <dgm:alg type="tx"/>
+              <dgm:shape xmlns:r="http://schemas.openxmlformats.org/officeDocument/2006/relationships" type="rect" r:blip="">
+                <dgm:adjLst/>
+              </dgm:shape>
+              <dgm:presOf axis="self" ptType="node" cnt="1"/>
+              <dgm:constrLst>
+                <dgm:constr type="primFontSz" val="65"/>
+                <dgm:constr type="lMarg" refType="primFontSz" fact="0.05"/>
+                <dgm:constr type="rMarg" refType="primFontSz" fact="0.05"/>
+                <dgm:constr type="tMarg" refType="primFontSz" fact="0.05"/>
+                <dgm:constr type="bMarg" refType="primFontSz" fact="0.05"/>
+              </dgm:constrLst>
+              <dgm:ruleLst>
+                <dgm:rule type="primFontSz" val="5" fact="NaN" max="NaN"/>
+              </dgm:ruleLst>
+            </dgm:layoutNode>
+            <dgm:layoutNode name="rootConnector1" moveWith="rootText1">
+              <dgm:alg type="sp"/>
+              <dgm:shape xmlns:r="http://schemas.openxmlformats.org/officeDocument/2006/relationships" type="rect" r:blip="" hideGeom="1">
+                <dgm:adjLst/>
+              </dgm:shape>
+              <dgm:presOf axis="self" ptType="node" cnt="1"/>
+              <dgm:constrLst/>
+              <dgm:ruleLst/>
+            </dgm:layoutNode>
+          </dgm:layoutNode>
+          <dgm:layoutNode name="hierChild2">
+            <dgm:choose name="Name21">
+              <dgm:if name="Name22" func="var" arg="hierBranch" op="equ" val="l">
+                <dgm:alg type="hierChild">
+                  <dgm:param type="chAlign" val="r"/>
+                  <dgm:param type="linDir" val="fromT"/>
+                </dgm:alg>
+              </dgm:if>
+              <dgm:if name="Name23" func="var" arg="hierBranch" op="equ" val="r">
+                <dgm:alg type="hierChild">
+                  <dgm:param type="chAlign" val="l"/>
+                  <dgm:param type="linDir" val="fromT"/>
+                </dgm:alg>
+              </dgm:if>
+              <dgm:if name="Name24" func="var" arg="hierBranch" op="equ" val="hang">
+                <dgm:choose name="Name25">
+                  <dgm:if name="Name26" func="var" arg="dir" op="equ" val="norm">
+                    <dgm:alg type="hierChild">
+                      <dgm:param type="chAlign" val="l"/>
+                      <dgm:param type="linDir" val="fromL"/>
+                      <dgm:param type="secChAlign" val="t"/>
+                      <dgm:param type="secLinDir" val="fromT"/>
+                    </dgm:alg>
+                  </dgm:if>
+                  <dgm:else name="Name27">
+                    <dgm:alg type="hierChild">
+                      <dgm:param type="chAlign" val="l"/>
+                      <dgm:param type="linDir" val="fromR"/>
+                      <dgm:param type="secChAlign" val="t"/>
+                      <dgm:param type="secLinDir" val="fromT"/>
+                    </dgm:alg>
+                  </dgm:else>
+                </dgm:choose>
+              </dgm:if>
+              <dgm:else name="Name28">
+                <dgm:choose name="Name29">
+                  <dgm:if name="Name30" func="var" arg="dir" op="equ" val="norm">
+                    <dgm:alg type="hierChild"/>
+                  </dgm:if>
+                  <dgm:else name="Name31">
+                    <dgm:alg type="hierChild">
+                      <dgm:param type="linDir" val="fromR"/>
+                    </dgm:alg>
+                  </dgm:else>
+                </dgm:choose>
+              </dgm:else>
+            </dgm:choose>
+            <dgm:shape xmlns:r="http://schemas.openxmlformats.org/officeDocument/2006/relationships" r:blip="">
+              <dgm:adjLst/>
+            </dgm:shape>
+            <dgm:presOf/>
+            <dgm:constrLst/>
+            <dgm:ruleLst/>
+            <dgm:forEach name="rep2a" axis="ch" ptType="nonAsst">
+              <dgm:forEach name="Name32" axis="precedSib" ptType="parTrans" st="-1" cnt="1">
+                <dgm:choose name="Name33">
+                  <dgm:if name="Name34" func="var" arg="hierBranch" op="equ" val="std">
+                    <dgm:layoutNode name="Name35">
+                      <dgm:alg type="conn">
+                        <dgm:param type="connRout" val="bend"/>
+                        <dgm:param type="dim" val="1D"/>
+                        <dgm:param type="endSty" val="noArr"/>
+                        <dgm:param type="begPts" val="bCtr"/>
+                        <dgm:param type="endPts" val="tCtr"/>
+                        <dgm:param type="bendPt" val="end"/>
+                      </dgm:alg>
+                      <dgm:shape xmlns:r="http://schemas.openxmlformats.org/officeDocument/2006/relationships" type="conn" r:blip="" zOrderOff="-99999">
+                        <dgm:adjLst/>
+                      </dgm:shape>
+                      <dgm:presOf axis="self"/>
+                      <dgm:constrLst>
+                        <dgm:constr type="begPad"/>
+                        <dgm:constr type="endPad"/>
+                      </dgm:constrLst>
+                      <dgm:ruleLst/>
+                    </dgm:layoutNode>
+                  </dgm:if>
+                  <dgm:if name="Name36" func="var" arg="hierBranch" op="equ" val="init">
+                    <dgm:layoutNode name="Name37">
+                      <dgm:choose name="Name38">
+                        <dgm:if name="Name39" axis="self" func="depth" op="lte" val="2">
+                          <dgm:alg type="conn">
+                            <dgm:param type="connRout" val="bend"/>
+                            <dgm:param type="dim" val="1D"/>
+                            <dgm:param type="endSty" val="noArr"/>
+                            <dgm:param type="begPts" val="bCtr"/>
+                            <dgm:param type="endPts" val="tCtr"/>
+                            <dgm:param type="bendPt" val="end"/>
+                          </dgm:alg>
+                        </dgm:if>
+                        <dgm:else name="Name40">
+                          <dgm:choose name="Name41">
+                            <dgm:if name="Name42" axis="par des" func="maxDepth" op="lte" val="1">
+                              <dgm:choose name="Name43">
+                                <dgm:if name="Name44" axis="par ch" ptType="node asst" func="cnt" op="gte" val="1">
+                                  <dgm:alg type="conn">
+                                    <dgm:param type="connRout" val="bend"/>
+                                    <dgm:param type="dim" val="1D"/>
+                                    <dgm:param type="endSty" val="noArr"/>
+                                    <dgm:param type="begPts" val="bCtr"/>
+                                    <dgm:param type="endPts" val="midL midR"/>
+                                  </dgm:alg>
+                                </dgm:if>
+                                <dgm:else name="Name45">
+                                  <dgm:alg type="conn">
+                                    <dgm:param type="connRout" val="bend"/>
+                                    <dgm:param type="dim" val="1D"/>
+                                    <dgm:param type="endSty" val="noArr"/>
+                                    <dgm:param type="begPts" val="bCtr"/>
+                                    <dgm:param type="endPts" val="midL midR"/>
+                                    <dgm:param type="srcNode" val="rootConnector"/>
+                                  </dgm:alg>
+                                </dgm:else>
+                              </dgm:choose>
+                            </dgm:if>
+                            <dgm:else name="Name46">
+                              <dgm:alg type="conn">
+                                <dgm:param type="connRout" val="bend"/>
+                                <dgm:param type="dim" val="1D"/>
+                                <dgm:param type="endSty" val="noArr"/>
+                                <dgm:param type="begPts" val="bCtr"/>
+                                <dgm:param type="endPts" val="tCtr"/>
+                                <dgm:param type="bendPt" val="end"/>
+                              </dgm:alg>
+                            </dgm:else>
+                          </dgm:choose>
+                        </dgm:else>
+                      </dgm:choose>
+                      <dgm:shape xmlns:r="http://schemas.openxmlformats.org/officeDocument/2006/relationships" type="conn" r:blip="" zOrderOff="-99999">
+                        <dgm:adjLst/>
+                      </dgm:shape>
+                      <dgm:presOf axis="self"/>
+                      <dgm:constrLst>
+                        <dgm:constr type="begPad"/>
+                        <dgm:constr type="endPad"/>
+                      </dgm:constrLst>
+                      <dgm:ruleLst/>
+                    </dgm:layoutNode>
+                  </dgm:if>
+                  <dgm:if name="Name47" func="var" arg="hierBranch" op="equ" val="hang">
+                    <dgm:layoutNode name="Name48">
+                      <dgm:alg type="conn">
+                        <dgm:param type="connRout" val="bend"/>
+                        <dgm:param type="dim" val="1D"/>
+                        <dgm:param type="endSty" val="noArr"/>
+                        <dgm:param type="begPts" val="bCtr"/>
+                        <dgm:param type="endPts" val="midL midR"/>
+                      </dgm:alg>
+                      <dgm:shape xmlns:r="http://schemas.openxmlformats.org/officeDocument/2006/relationships" type="conn" r:blip="" zOrderOff="-99999">
+                        <dgm:adjLst/>
+                      </dgm:shape>
+                      <dgm:presOf axis="self"/>
+                      <dgm:constrLst>
+                        <dgm:constr type="begPad"/>
+                        <dgm:constr type="endPad"/>
+                      </dgm:constrLst>
+                      <dgm:ruleLst/>
+                    </dgm:layoutNode>
+                  </dgm:if>
+                  <dgm:else name="Name49">
+                    <dgm:layoutNode name="Name50">
+                      <dgm:choose name="Name51">
+                        <dgm:if name="Name52" axis="self" func="depth" op="lte" val="2">
+                          <dgm:choose name="Name53">
+                            <dgm:if name="Name54" axis="par ch" ptType="node asst" func="cnt" op="gte" val="1">
+                              <dgm:alg type="conn">
+                                <dgm:param type="connRout" val="bend"/>
+                                <dgm:param type="dim" val="1D"/>
+                                <dgm:param type="endSty" val="noArr"/>
+                                <dgm:param type="begPts" val="bCtr"/>
+                                <dgm:param type="endPts" val="midL midR"/>
+                              </dgm:alg>
+                            </dgm:if>
+                            <dgm:else name="Name55">
+                              <dgm:alg type="conn">
+                                <dgm:param type="connRout" val="bend"/>
+                                <dgm:param type="dim" val="1D"/>
+                                <dgm:param type="endSty" val="noArr"/>
+                                <dgm:param type="begPts" val="bCtr"/>
+                                <dgm:param type="endPts" val="midL midR"/>
+                                <dgm:param type="srcNode" val="rootConnector1"/>
+                              </dgm:alg>
+                            </dgm:else>
+                          </dgm:choose>
+                        </dgm:if>
+                        <dgm:else name="Name56">
+                          <dgm:choose name="Name57">
+                            <dgm:if name="Name58" axis="par ch" ptType="node asst" func="cnt" op="gte" val="1">
+                              <dgm:alg type="conn">
+                                <dgm:param type="connRout" val="bend"/>
+                                <dgm:param type="dim" val="1D"/>
+                                <dgm:param type="endSty" val="noArr"/>
+                                <dgm:param type="begPts" val="bCtr"/>
+                                <dgm:param type="endPts" val="midL midR"/>
+                              </dgm:alg>
+                            </dgm:if>
+                            <dgm:else name="Name59">
+                              <dgm:alg type="conn">
+                                <dgm:param type="connRout" val="bend"/>
+                                <dgm:param type="dim" val="1D"/>
+                                <dgm:param type="endSty" val="noArr"/>
+                                <dgm:param type="begPts" val="bCtr"/>
+                                <dgm:param type="endPts" val="midL midR"/>
+                                <dgm:param type="srcNode" val="rootConnector"/>
+                              </dgm:alg>
+                            </dgm:else>
+                          </dgm:choose>
+                        </dgm:else>
+                      </dgm:choose>
+                      <dgm:shape xmlns:r="http://schemas.openxmlformats.org/officeDocument/2006/relationships" type="conn" r:blip="" zOrderOff="-99999">
+                        <dgm:adjLst/>
+                      </dgm:shape>
+                      <dgm:presOf axis="self"/>
+                      <dgm:constrLst>
+                        <dgm:constr type="begPad"/>
+                        <dgm:constr type="endPad"/>
+                      </dgm:constrLst>
+                      <dgm:ruleLst/>
+                    </dgm:layoutNode>
+                  </dgm:else>
+                </dgm:choose>
+              </dgm:forEach>
+              <dgm:layoutNode name="hierRoot2">
+                <dgm:varLst>
+                  <dgm:hierBranch val="init"/>
+                </dgm:varLst>
+                <dgm:choose name="Name60">
+                  <dgm:if name="Name61" func="var" arg="hierBranch" op="equ" val="l">
+                    <dgm:choose name="Name62">
+                      <dgm:if name="Name63" axis="ch" ptType="asst" func="cnt" op="gte" val="1">
+                        <dgm:alg type="hierRoot">
+                          <dgm:param type="hierAlign" val="tR"/>
+                        </dgm:alg>
+                        <dgm:shape xmlns:r="http://schemas.openxmlformats.org/officeDocument/2006/relationships" r:blip="">
+                          <dgm:adjLst/>
+                        </dgm:shape>
+                        <dgm:presOf/>
+                        <dgm:constrLst>
+                          <dgm:constr type="alignOff" val="0.65"/>
+                        </dgm:constrLst>
+                      </dgm:if>
+                      <dgm:else name="Name64">
+                        <dgm:alg type="hierRoot">
+                          <dgm:param type="hierAlign" val="tR"/>
+                        </dgm:alg>
+                        <dgm:shape xmlns:r="http://schemas.openxmlformats.org/officeDocument/2006/relationships" r:blip="">
+                          <dgm:adjLst/>
+                        </dgm:shape>
+                        <dgm:presOf/>
+                        <dgm:constrLst>
+                          <dgm:constr type="alignOff" val="0.25"/>
+                        </dgm:constrLst>
+                      </dgm:else>
+                    </dgm:choose>
+                  </dgm:if>
+                  <dgm:if name="Name65" func="var" arg="hierBranch" op="equ" val="r">
+                    <dgm:choose name="Name66">
+                      <dgm:if name="Name67" axis="ch" ptType="asst" func="cnt" op="gte" val="1">
+                        <dgm:alg type="hierRoot">
+                          <dgm:param type="hierAlign" val="tL"/>
+                        </dgm:alg>
+                        <dgm:shape xmlns:r="http://schemas.openxmlformats.org/officeDocument/2006/relationships" r:blip="">
+                          <dgm:adjLst/>
+                        </dgm:shape>
+                        <dgm:presOf/>
+                        <dgm:constrLst>
+                          <dgm:constr type="alignOff" val="0.65"/>
+                        </dgm:constrLst>
+                      </dgm:if>
+                      <dgm:else name="Name68">
+                        <dgm:alg type="hierRoot">
+                          <dgm:param type="hierAlign" val="tL"/>
+                        </dgm:alg>
+                        <dgm:shape xmlns:r="http://schemas.openxmlformats.org/officeDocument/2006/relationships" r:blip="">
+                          <dgm:adjLst/>
+                        </dgm:shape>
+                        <dgm:presOf/>
+                        <dgm:constrLst>
+                          <dgm:constr type="alignOff" val="0.25"/>
+                        </dgm:constrLst>
+                      </dgm:else>
+                    </dgm:choose>
+                  </dgm:if>
+                  <dgm:if name="Name69" func="var" arg="hierBranch" op="equ" val="std">
+                    <dgm:alg type="hierRoot"/>
+                    <dgm:shape xmlns:r="http://schemas.openxmlformats.org/officeDocument/2006/relationships" r:blip="">
+                      <dgm:adjLst/>
+                    </dgm:shape>
+                    <dgm:presOf/>
+                    <dgm:constrLst>
+                      <dgm:constr type="alignOff"/>
+                      <dgm:constr type="bendDist" for="des" ptType="parTrans" refType="sp" fact="0.5"/>
+                    </dgm:constrLst>
+                  </dgm:if>
+                  <dgm:if name="Name70" func="var" arg="hierBranch" op="equ" val="init">
+                    <dgm:choose name="Name71">
+                      <dgm:if name="Name72" axis="des" func="maxDepth" op="lte" val="1">
+                        <dgm:choose name="Name73">
+                          <dgm:if name="Name74" axis="ch" ptType="asst" func="cnt" op="gte" val="1">
+                            <dgm:alg type="hierRoot">
+                              <dgm:param type="hierAlign" val="tL"/>
+                            </dgm:alg>
+                            <dgm:shape xmlns:r="http://schemas.openxmlformats.org/officeDocument/2006/relationships" r:blip="">
+                              <dgm:adjLst/>
+                            </dgm:shape>
+                            <dgm:presOf/>
+                            <dgm:constrLst>
+                              <dgm:constr type="alignOff" val="0.65"/>
+                            </dgm:constrLst>
+                          </dgm:if>
+                          <dgm:else name="Name75">
+                            <dgm:alg type="hierRoot">
+                              <dgm:param type="hierAlign" val="tL"/>
+                            </dgm:alg>
+                            <dgm:shape xmlns:r="http://schemas.openxmlformats.org/officeDocument/2006/relationships" r:blip="">
+                              <dgm:adjLst/>
+                            </dgm:shape>
+                            <dgm:presOf/>
+                            <dgm:constrLst>
+                              <dgm:constr type="alignOff" val="0.25"/>
+                            </dgm:constrLst>
+                          </dgm:else>
+                        </dgm:choose>
+                      </dgm:if>
+                      <dgm:else name="Name76">
+                        <dgm:alg type="hierRoot"/>
+                        <dgm:shape xmlns:r="http://schemas.openxmlformats.org/officeDocument/2006/relationships" r:blip="">
+                          <dgm:adjLst/>
+                        </dgm:shape>
+                        <dgm:presOf/>
+                        <dgm:constrLst>
+                          <dgm:constr type="alignOff"/>
+                          <dgm:constr type="bendDist" for="des" ptType="parTrans" refType="sp" fact="0.5"/>
+                        </dgm:constrLst>
+                      </dgm:else>
+                    </dgm:choose>
+                  </dgm:if>
+                  <dgm:else name="Name77">
+                    <dgm:alg type="hierRoot"/>
+                    <dgm:shape xmlns:r="http://schemas.openxmlformats.org/officeDocument/2006/relationships" r:blip="">
+                      <dgm:adjLst/>
+                    </dgm:shape>
+                    <dgm:presOf/>
+                    <dgm:constrLst>
+                      <dgm:constr type="alignOff" val="0.65"/>
+                    </dgm:constrLst>
+                  </dgm:else>
+                </dgm:choose>
+                <dgm:ruleLst/>
+                <dgm:layoutNode name="rootComposite">
+                  <dgm:alg type="composite"/>
+                  <dgm:shape xmlns:r="http://schemas.openxmlformats.org/officeDocument/2006/relationships" r:blip="">
+                    <dgm:adjLst/>
+                  </dgm:shape>
+                  <dgm:presOf axis="self" ptType="node" cnt="1"/>
+                  <dgm:choose name="Name78">
+                    <dgm:if name="Name79" func="var" arg="hierBranch" op="equ" val="init">
+                      <dgm:constrLst>
+                        <dgm:constr type="l" for="ch" forName="rootText"/>
+                        <dgm:constr type="t" for="ch" forName="rootText"/>
+                        <dgm:constr type="w" for="ch" forName="rootText" refType="w"/>
+                        <dgm:constr type="h" for="ch" forName="rootText" refType="h"/>
+                        <dgm:constr type="l" for="ch" forName="rootConnector"/>
+                        <dgm:constr type="t" for="ch" forName="rootConnector"/>
+                        <dgm:constr type="w" for="ch" forName="rootConnector" refType="w" refFor="ch" refForName="rootText" fact="0.2"/>
+                        <dgm:constr type="h" for="ch" forName="rootConnector" refType="h" refFor="ch" refForName="rootText"/>
+                      </dgm:constrLst>
+                    </dgm:if>
+                    <dgm:if name="Name80" func="var" arg="hierBranch" op="equ" val="l">
+                      <dgm:constrLst>
+                        <dgm:constr type="l" for="ch" forName="rootText"/>
+                        <dgm:constr type="t" for="ch" forName="rootText"/>
+                        <dgm:constr type="w" for="ch" forName="rootText" refType="w"/>
+                        <dgm:constr type="h" for="ch" forName="rootText" refType="h"/>
+                        <dgm:constr type="r" for="ch" forName="rootConnector" refType="w"/>
+                        <dgm:constr type="t" for="ch" forName="rootConnector"/>
+                        <dgm:constr type="w" for="ch" forName="rootConnector" refType="w" refFor="ch" refForName="rootText" fact="0.2"/>
+                        <dgm:constr type="h" for="ch" forName="rootConnector" refType="h" refFor="ch" refForName="rootText"/>
+                      </dgm:constrLst>
+                    </dgm:if>
+                    <dgm:if name="Name81" func="var" arg="hierBranch" op="equ" val="r">
+                      <dgm:constrLst>
+                        <dgm:constr type="l" for="ch" forName="rootText"/>
+                        <dgm:constr type="t" for="ch" forName="rootText"/>
+                        <dgm:constr type="w" for="ch" forName="rootText" refType="w"/>
+                        <dgm:constr type="h" for="ch" forName="rootText" refType="h"/>
+                        <dgm:constr type="l" for="ch" forName="rootConnector"/>
+                        <dgm:constr type="t" for="ch" forName="rootConnector"/>
+                        <dgm:constr type="w" for="ch" forName="rootConnector" refType="w" refFor="ch" refForName="rootText" fact="0.2"/>
+                        <dgm:constr type="h" for="ch" forName="rootConnector" refType="h" refFor="ch" refForName="rootText"/>
+                      </dgm:constrLst>
+                    </dgm:if>
+                    <dgm:else name="Name82">
+                      <dgm:constrLst>
+                        <dgm:constr type="l" for="ch" forName="rootText"/>
+                        <dgm:constr type="t" for="ch" forName="rootText"/>
+                        <dgm:constr type="w" for="ch" forName="rootText" refType="w"/>
+                        <dgm:constr type="h" for="ch" forName="rootText" refType="h"/>
+                        <dgm:constr type="r" for="ch" forName="rootConnector" refType="w"/>
+                        <dgm:constr type="t" for="ch" forName="rootConnector"/>
+                        <dgm:constr type="w" for="ch" forName="rootConnector" refType="w" refFor="ch" refForName="rootText" fact="0.2"/>
+                        <dgm:constr type="h" for="ch" forName="rootConnector" refType="h" refFor="ch" refForName="rootText"/>
+                      </dgm:constrLst>
+                    </dgm:else>
+                  </dgm:choose>
+                  <dgm:ruleLst/>
+                  <dgm:layoutNode name="rootText">
+                    <dgm:varLst>
+                      <dgm:chPref val="3"/>
+                    </dgm:varLst>
+                    <dgm:alg type="tx"/>
+                    <dgm:shape xmlns:r="http://schemas.openxmlformats.org/officeDocument/2006/relationships" type="rect" r:blip="">
+                      <dgm:adjLst/>
+                    </dgm:shape>
+                    <dgm:presOf axis="self" ptType="node" cnt="1"/>
+                    <dgm:constrLst>
+                      <dgm:constr type="primFontSz" val="65"/>
+                      <dgm:constr type="lMarg" refType="primFontSz" fact="0.05"/>
+                      <dgm:constr type="rMarg" refType="primFontSz" fact="0.05"/>
+                      <dgm:constr type="tMarg" refType="primFontSz" fact="0.05"/>
+                      <dgm:constr type="bMarg" refType="primFontSz" fact="0.05"/>
+                    </dgm:constrLst>
+                    <dgm:ruleLst>
+                      <dgm:rule type="primFontSz" val="5" fact="NaN" max="NaN"/>
+                    </dgm:ruleLst>
+                  </dgm:layoutNode>
+                  <dgm:layoutNode name="rootConnector" moveWith="rootText">
+                    <dgm:alg type="sp"/>
+                    <dgm:shape xmlns:r="http://schemas.openxmlformats.org/officeDocument/2006/relationships" type="rect" r:blip="" hideGeom="1">
+                      <dgm:adjLst/>
+                    </dgm:shape>
+                    <dgm:presOf axis="self" ptType="node" cnt="1"/>
+                    <dgm:constrLst/>
+                    <dgm:ruleLst/>
+                  </dgm:layoutNode>
+                </dgm:layoutNode>
+                <dgm:layoutNode name="hierChild4">
+                  <dgm:choose name="Name83">
+                    <dgm:if name="Name84" func="var" arg="hierBranch" op="equ" val="l">
+                      <dgm:alg type="hierChild">
+                        <dgm:param type="chAlign" val="r"/>
+                        <dgm:param type="linDir" val="fromT"/>
+                      </dgm:alg>
+                    </dgm:if>
+                    <dgm:if name="Name85" func="var" arg="hierBranch" op="equ" val="r">
+                      <dgm:alg type="hierChild">
+                        <dgm:param type="chAlign" val="l"/>
+                        <dgm:param type="linDir" val="fromT"/>
+                      </dgm:alg>
+                    </dgm:if>
+                    <dgm:if name="Name86" func="var" arg="hierBranch" op="equ" val="hang">
+                      <dgm:choose name="Name87">
+                        <dgm:if name="Name88" func="var" arg="dir" op="equ" val="norm">
+                          <dgm:alg type="hierChild">
+                            <dgm:param type="chAlign" val="l"/>
+                            <dgm:param type="linDir" val="fromL"/>
+                            <dgm:param type="secChAlign" val="t"/>
+                            <dgm:param type="secLinDir" val="fromT"/>
+                          </dgm:alg>
+                        </dgm:if>
+                        <dgm:else name="Name89">
+                          <dgm:alg type="hierChild">
+                            <dgm:param type="chAlign" val="l"/>
+                            <dgm:param type="linDir" val="fromR"/>
+                            <dgm:param type="secChAlign" val="t"/>
+                            <dgm:param type="secLinDir" val="fromT"/>
+                          </dgm:alg>
+                        </dgm:else>
+                      </dgm:choose>
+                    </dgm:if>
+                    <dgm:if name="Name90" func="var" arg="hierBranch" op="equ" val="std">
+                      <dgm:choose name="Name91">
+                        <dgm:if name="Name92" func="var" arg="dir" op="equ" val="norm">
+                          <dgm:alg type="hierChild"/>
+                        </dgm:if>
+                        <dgm:else name="Name93">
+                          <dgm:alg type="hierChild">
+                            <dgm:param type="linDir" val="fromR"/>
+                          </dgm:alg>
+                        </dgm:else>
+                      </dgm:choose>
+                    </dgm:if>
+                    <dgm:if name="Name94" func="var" arg="hierBranch" op="equ" val="init">
+                      <dgm:choose name="Name95">
+                        <dgm:if name="Name96" axis="des" func="maxDepth" op="lte" val="1">
+                          <dgm:alg type="hierChild">
+                            <dgm:param type="chAlign" val="l"/>
+                            <dgm:param type="linDir" val="fromT"/>
+                          </dgm:alg>
+                        </dgm:if>
+                        <dgm:else name="Name97">
+                          <dgm:choose name="Name98">
+                            <dgm:if name="Name99" func="var" arg="dir" op="equ" val="norm">
+                              <dgm:alg type="hierChild"/>
+                            </dgm:if>
+                            <dgm:else name="Name100">
+                              <dgm:alg type="hierChild">
+                                <dgm:param type="linDir" val="fromR"/>
+                              </dgm:alg>
+                            </dgm:else>
+                          </dgm:choose>
+                        </dgm:else>
+                      </dgm:choose>
+                    </dgm:if>
+                    <dgm:else name="Name101"/>
+                  </dgm:choose>
+                  <dgm:shape xmlns:r="http://schemas.openxmlformats.org/officeDocument/2006/relationships" r:blip="">
+                    <dgm:adjLst/>
+                  </dgm:shape>
+                  <dgm:presOf/>
+                  <dgm:constrLst/>
+                  <dgm:ruleLst/>
+                  <dgm:forEach name="Name102" ref="rep2a"/>
+                </dgm:layoutNode>
+                <dgm:layoutNode name="hierChild5">
+                  <dgm:choose name="Name103">
+                    <dgm:if name="Name104" func="var" arg="dir" op="equ" val="norm">
+                      <dgm:alg type="hierChild">
+                        <dgm:param type="chAlign" val="l"/>
+                        <dgm:param type="linDir" val="fromL"/>
+                        <dgm:param type="secChAlign" val="t"/>
+                        <dgm:param type="secLinDir" val="fromT"/>
+                      </dgm:alg>
+                    </dgm:if>
+                    <dgm:else name="Name105">
+                      <dgm:alg type="hierChild">
+                        <dgm:param type="chAlign" val="l"/>
+                        <dgm:param type="linDir" val="fromR"/>
+                        <dgm:param type="secChAlign" val="t"/>
+                        <dgm:param type="secLinDir" val="fromT"/>
+                      </dgm:alg>
+                    </dgm:else>
+                  </dgm:choose>
+                  <dgm:shape xmlns:r="http://schemas.openxmlformats.org/officeDocument/2006/relationships" r:blip="">
+                    <dgm:adjLst/>
+                  </dgm:shape>
+                  <dgm:presOf/>
+                  <dgm:constrLst/>
+                  <dgm:ruleLst/>
+                  <dgm:forEach name="Name106" ref="rep2b"/>
+                </dgm:layoutNode>
+              </dgm:layoutNode>
+            </dgm:forEach>
+          </dgm:layoutNode>
+          <dgm:layoutNode name="hierChild3">
+            <dgm:choose name="Name107">
+              <dgm:if name="Name108" func="var" arg="dir" op="equ" val="norm">
+                <dgm:alg type="hierChild">
+                  <dgm:param type="chAlign" val="l"/>
+                  <dgm:param type="linDir" val="fromL"/>
+                  <dgm:param type="secChAlign" val="t"/>
+                  <dgm:param type="secLinDir" val="fromT"/>
+                </dgm:alg>
+              </dgm:if>
+              <dgm:else name="Name109">
+                <dgm:alg type="hierChild">
+                  <dgm:param type="chAlign" val="l"/>
+                  <dgm:param type="linDir" val="fromR"/>
+                  <dgm:param type="secChAlign" val="t"/>
+                  <dgm:param type="secLinDir" val="fromT"/>
+                </dgm:alg>
+              </dgm:else>
+            </dgm:choose>
+            <dgm:shape xmlns:r="http://schemas.openxmlformats.org/officeDocument/2006/relationships" r:blip="">
+              <dgm:adjLst/>
+            </dgm:shape>
+            <dgm:presOf/>
+            <dgm:constrLst/>
+            <dgm:ruleLst/>
+            <dgm:forEach name="rep2b" axis="ch" ptType="asst">
+              <dgm:forEach name="Name110" axis="precedSib" ptType="parTrans" st="-1" cnt="1">
+                <dgm:layoutNode name="Name111">
+                  <dgm:alg type="conn">
+                    <dgm:param type="connRout" val="bend"/>
+                    <dgm:param type="dim" val="1D"/>
+                    <dgm:param type="endSty" val="noArr"/>
+                    <dgm:param type="begPts" val="bCtr"/>
+                    <dgm:param type="endPts" val="midL midR"/>
+                  </dgm:alg>
+                  <dgm:shape xmlns:r="http://schemas.openxmlformats.org/officeDocument/2006/relationships" type="conn" r:blip="" zOrderOff="-99999">
+                    <dgm:adjLst/>
+                  </dgm:shape>
+                  <dgm:presOf axis="self"/>
+                  <dgm:constrLst>
+                    <dgm:constr type="begPad"/>
+                    <dgm:constr type="endPad"/>
+                  </dgm:constrLst>
+                  <dgm:ruleLst/>
+                </dgm:layoutNode>
+              </dgm:forEach>
+              <dgm:layoutNode name="hierRoot3">
+                <dgm:varLst>
+                  <dgm:hierBranch val="init"/>
+                </dgm:varLst>
+                <dgm:choose name="Name112">
+                  <dgm:if name="Name113" func="var" arg="hierBranch" op="equ" val="l">
+                    <dgm:alg type="hierRoot">
+                      <dgm:param type="hierAlign" val="tR"/>
+                    </dgm:alg>
+                    <dgm:shape xmlns:r="http://schemas.openxmlformats.org/officeDocument/2006/relationships" r:blip="">
+                      <dgm:adjLst/>
+                    </dgm:shape>
+                    <dgm:presOf/>
+                    <dgm:constrLst>
+                      <dgm:constr type="alignOff" val="0.65"/>
+                    </dgm:constrLst>
+                  </dgm:if>
+                  <dgm:if name="Name114" func="var" arg="hierBranch" op="equ" val="r">
+                    <dgm:alg type="hierRoot">
+                      <dgm:param type="hierAlign" val="tL"/>
+                    </dgm:alg>
+                    <dgm:shape xmlns:r="http://schemas.openxmlformats.org/officeDocument/2006/relationships" r:blip="">
+                      <dgm:adjLst/>
+                    </dgm:shape>
+                    <dgm:presOf/>
+                    <dgm:constrLst>
+                      <dgm:constr type="alignOff" val="0.65"/>
+                    </dgm:constrLst>
+                  </dgm:if>
+                  <dgm:if name="Name115" func="var" arg="hierBranch" op="equ" val="hang">
+                    <dgm:alg type="hierRoot"/>
+                    <dgm:shape xmlns:r="http://schemas.openxmlformats.org/officeDocument/2006/relationships" r:blip="">
+                      <dgm:adjLst/>
+                    </dgm:shape>
+                    <dgm:presOf/>
+                    <dgm:constrLst>
+                      <dgm:constr type="alignOff" val="0.65"/>
+                    </dgm:constrLst>
+                  </dgm:if>
+                  <dgm:if name="Name116" func="var" arg="hierBranch" op="equ" val="std">
+                    <dgm:alg type="hierRoot"/>
+                    <dgm:shape xmlns:r="http://schemas.openxmlformats.org/officeDocument/2006/relationships" r:blip="">
+                      <dgm:adjLst/>
+                    </dgm:shape>
+                    <dgm:presOf/>
+                    <dgm:constrLst>
+                      <dgm:constr type="alignOff"/>
+                      <dgm:constr type="bendDist" for="des" ptType="parTrans" refType="sp" fact="0.5"/>
+                    </dgm:constrLst>
+                  </dgm:if>
+                  <dgm:if name="Name117" func="var" arg="hierBranch" op="equ" val="init">
+                    <dgm:choose name="Name118">
+                      <dgm:if name="Name119" axis="des" func="maxDepth" op="lte" val="1">
+                        <dgm:alg type="hierRoot">
+                          <dgm:param type="hierAlign" val="tL"/>
+                        </dgm:alg>
+                        <dgm:shape xmlns:r="http://schemas.openxmlformats.org/officeDocument/2006/relationships" r:blip="">
+                          <dgm:adjLst/>
+                        </dgm:shape>
+                        <dgm:presOf/>
+                        <dgm:constrLst>
+                          <dgm:constr type="alignOff" val="0.65"/>
+                        </dgm:constrLst>
+                      </dgm:if>
+                      <dgm:else name="Name120">
+                        <dgm:alg type="hierRoot"/>
+                        <dgm:shape xmlns:r="http://schemas.openxmlformats.org/officeDocument/2006/relationships" r:blip="">
+                          <dgm:adjLst/>
+                        </dgm:shape>
+                        <dgm:presOf/>
+                        <dgm:constrLst>
+                          <dgm:constr type="alignOff"/>
+                          <dgm:constr type="bendDist" for="des" ptType="parTrans" refType="sp" fact="0.5"/>
+                        </dgm:constrLst>
+                      </dgm:else>
+                    </dgm:choose>
+                  </dgm:if>
+                  <dgm:else name="Name121"/>
+                </dgm:choose>
+                <dgm:ruleLst/>
+                <dgm:layoutNode name="rootComposite3">
+                  <dgm:alg type="composite"/>
+                  <dgm:shape xmlns:r="http://schemas.openxmlformats.org/officeDocument/2006/relationships" r:blip="">
+                    <dgm:adjLst/>
+                  </dgm:shape>
+                  <dgm:presOf axis="self" ptType="node" cnt="1"/>
+                  <dgm:choose name="Name122">
+                    <dgm:if name="Name123" func="var" arg="hierBranch" op="equ" val="init">
+                      <dgm:constrLst>
+                        <dgm:constr type="l" for="ch" forName="rootText3"/>
+                        <dgm:constr type="t" for="ch" forName="rootText3"/>
+                        <dgm:constr type="w" for="ch" forName="rootText3" refType="w"/>
+                        <dgm:constr type="h" for="ch" forName="rootText3" refType="h"/>
+                        <dgm:constr type="l" for="ch" forName="rootConnector3"/>
+                        <dgm:constr type="t" for="ch" forName="rootConnector3"/>
+                        <dgm:constr type="w" for="ch" forName="rootConnector3" refType="w" refFor="ch" refForName="rootText3" fact="0.2"/>
+                        <dgm:constr type="h" for="ch" forName="rootConnector3" refType="h" refFor="ch" refForName="rootText3"/>
+                      </dgm:constrLst>
+                    </dgm:if>
+                    <dgm:if name="Name124" func="var" arg="hierBranch" op="equ" val="l">
+                      <dgm:constrLst>
+                        <dgm:constr type="l" for="ch" forName="rootText3"/>
+                        <dgm:constr type="t" for="ch" forName="rootText3"/>
+                        <dgm:constr type="w" for="ch" forName="rootText3" refType="w"/>
+                        <dgm:constr type="h" for="ch" forName="rootText3" refType="h"/>
+                        <dgm:constr type="r" for="ch" forName="rootConnector3" refType="w"/>
+                        <dgm:constr type="t" for="ch" forName="rootConnector3"/>
+                        <dgm:constr type="w" for="ch" forName="rootConnector3" refType="w" refFor="ch" refForName="rootText3" fact="0.2"/>
+                        <dgm:constr type="h" for="ch" forName="rootConnector3" refType="h" refFor="ch" refForName="rootText3"/>
+                      </dgm:constrLst>
+                    </dgm:if>
+                    <dgm:if name="Name125" func="var" arg="hierBranch" op="equ" val="r">
+                      <dgm:constrLst>
+                        <dgm:constr type="l" for="ch" forName="rootText3"/>
+                        <dgm:constr type="t" for="ch" forName="rootText3"/>
+                        <dgm:constr type="w" for="ch" forName="rootText3" refType="w"/>
+                        <dgm:constr type="h" for="ch" forName="rootText3" refType="h"/>
+                        <dgm:constr type="l" for="ch" forName="rootConnector3"/>
+                        <dgm:constr type="t" for="ch" forName="rootConnector3"/>
+                        <dgm:constr type="w" for="ch" forName="rootConnector3" refType="w" refFor="ch" refForName="rootText3" fact="0.2"/>
+                        <dgm:constr type="h" for="ch" forName="rootConnector3" refType="h" refFor="ch" refForName="rootText3"/>
+                      </dgm:constrLst>
+                    </dgm:if>
+                    <dgm:else name="Name126">
+                      <dgm:constrLst>
+                        <dgm:constr type="l" for="ch" forName="rootText3"/>
+                        <dgm:constr type="t" for="ch" forName="rootText3"/>
+                        <dgm:constr type="w" for="ch" forName="rootText3" refType="w"/>
+                        <dgm:constr type="h" for="ch" forName="rootText3" refType="h"/>
+                        <dgm:constr type="r" for="ch" forName="rootConnector3" refType="w"/>
+                        <dgm:constr type="t" for="ch" forName="rootConnector3"/>
+                        <dgm:constr type="w" for="ch" forName="rootConnector3" refType="w" refFor="ch" refForName="rootText3" fact="0.2"/>
+                        <dgm:constr type="h" for="ch" forName="rootConnector3" refType="h" refFor="ch" refForName="rootText3"/>
+                      </dgm:constrLst>
+                    </dgm:else>
+                  </dgm:choose>
+                  <dgm:ruleLst/>
+                  <dgm:layoutNode name="rootText3">
+                    <dgm:varLst>
+                      <dgm:chPref val="3"/>
+                    </dgm:varLst>
+                    <dgm:alg type="tx"/>
+                    <dgm:shape xmlns:r="http://schemas.openxmlformats.org/officeDocument/2006/relationships" type="rect" r:blip="">
+                      <dgm:adjLst/>
+                    </dgm:shape>
+                    <dgm:presOf axis="self" ptType="node" cnt="1"/>
+                    <dgm:constrLst>
+                      <dgm:constr type="primFontSz" val="65"/>
+                      <dgm:constr type="lMarg" refType="primFontSz" fact="0.05"/>
+                      <dgm:constr type="rMarg" refType="primFontSz" fact="0.05"/>
+                      <dgm:constr type="tMarg" refType="primFontSz" fact="0.05"/>
+                      <dgm:constr type="bMarg" refType="primFontSz" fact="0.05"/>
+                    </dgm:constrLst>
+                    <dgm:ruleLst>
+                      <dgm:rule type="primFontSz" val="5" fact="NaN" max="NaN"/>
+                    </dgm:ruleLst>
+                  </dgm:layoutNode>
+                  <dgm:layoutNode name="rootConnector3" moveWith="rootText1">
+                    <dgm:alg type="sp"/>
+                    <dgm:shape xmlns:r="http://schemas.openxmlformats.org/officeDocument/2006/relationships" type="rect" r:blip="" hideGeom="1">
+                      <dgm:adjLst/>
+                    </dgm:shape>
+                    <dgm:presOf axis="self" ptType="node" cnt="1"/>
+                    <dgm:constrLst/>
+                    <dgm:ruleLst/>
+                  </dgm:layoutNode>
+                </dgm:layoutNode>
+                <dgm:layoutNode name="hierChild6">
+                  <dgm:choose name="Name127">
+                    <dgm:if name="Name128" func="var" arg="hierBranch" op="equ" val="l">
+                      <dgm:alg type="hierChild">
+                        <dgm:param type="chAlign" val="r"/>
+                        <dgm:param type="linDir" val="fromT"/>
+                      </dgm:alg>
+                    </dgm:if>
+                    <dgm:if name="Name129" func="var" arg="hierBranch" op="equ" val="r">
+                      <dgm:alg type="hierChild">
+                        <dgm:param type="chAlign" val="l"/>
+                        <dgm:param type="linDir" val="fromT"/>
+                      </dgm:alg>
+                    </dgm:if>
+                    <dgm:if name="Name130" func="var" arg="hierBranch" op="equ" val="hang">
+                      <dgm:choose name="Name131">
+                        <dgm:if name="Name132" func="var" arg="dir" op="equ" val="norm">
+                          <dgm:alg type="hierChild">
+                            <dgm:param type="chAlign" val="l"/>
+                            <dgm:param type="linDir" val="fromL"/>
+                            <dgm:param type="secChAlign" val="t"/>
+                            <dgm:param type="secLinDir" val="fromT"/>
+                          </dgm:alg>
+                        </dgm:if>
+                        <dgm:else name="Name133">
+                          <dgm:alg type="hierChild">
+                            <dgm:param type="chAlign" val="l"/>
+                            <dgm:param type="linDir" val="fromR"/>
+                            <dgm:param type="secChAlign" val="t"/>
+                            <dgm:param type="secLinDir" val="fromT"/>
+                          </dgm:alg>
+                        </dgm:else>
+                      </dgm:choose>
+                    </dgm:if>
+                    <dgm:if name="Name134" func="var" arg="hierBranch" op="equ" val="std">
+                      <dgm:choose name="Name135">
+                        <dgm:if name="Name136" func="var" arg="dir" op="equ" val="norm">
+                          <dgm:alg type="hierChild"/>
+                        </dgm:if>
+                        <dgm:else name="Name137">
+                          <dgm:alg type="hierChild">
+                            <dgm:param type="linDir" val="fromR"/>
+                          </dgm:alg>
+                        </dgm:else>
+                      </dgm:choose>
+                    </dgm:if>
+                    <dgm:if name="Name138" func="var" arg="hierBranch" op="equ" val="init">
+                      <dgm:choose name="Name139">
+                        <dgm:if name="Name140" axis="des" func="maxDepth" op="lte" val="1">
+                          <dgm:alg type="hierChild">
+                            <dgm:param type="chAlign" val="l"/>
+                            <dgm:param type="linDir" val="fromT"/>
+                          </dgm:alg>
+                        </dgm:if>
+                        <dgm:else name="Name141">
+                          <dgm:alg type="hierChild"/>
+                        </dgm:else>
+                      </dgm:choose>
+                    </dgm:if>
+                    <dgm:else name="Name142"/>
+                  </dgm:choose>
+                  <dgm:shape xmlns:r="http://schemas.openxmlformats.org/officeDocument/2006/relationships" r:blip="">
+                    <dgm:adjLst/>
+                  </dgm:shape>
+                  <dgm:presOf/>
+                  <dgm:constrLst/>
+                  <dgm:ruleLst/>
+                  <dgm:forEach name="Name143" ref="rep2a"/>
+                </dgm:layoutNode>
+                <dgm:layoutNode name="hierChild7">
+                  <dgm:choose name="Name144">
+                    <dgm:if name="Name145" func="var" arg="dir" op="equ" val="norm">
+                      <dgm:alg type="hierChild">
+                        <dgm:param type="chAlign" val="l"/>
+                        <dgm:param type="linDir" val="fromL"/>
+                        <dgm:param type="secChAlign" val="t"/>
+                        <dgm:param type="secLinDir" val="fromT"/>
+                      </dgm:alg>
+                    </dgm:if>
+                    <dgm:else name="Name146">
+                      <dgm:alg type="hierChild">
+                        <dgm:param type="chAlign" val="l"/>
+                        <dgm:param type="linDir" val="fromR"/>
+                        <dgm:param type="secChAlign" val="t"/>
+                        <dgm:param type="secLinDir" val="fromT"/>
+                      </dgm:alg>
+                    </dgm:else>
+                  </dgm:choose>
+                  <dgm:shape xmlns:r="http://schemas.openxmlformats.org/officeDocument/2006/relationships" r:blip="">
+                    <dgm:adjLst/>
+                  </dgm:shape>
+                  <dgm:presOf/>
+                  <dgm:constrLst/>
+                  <dgm:ruleLst/>
+                  <dgm:forEach name="Name147" ref="rep2b"/>
+                </dgm:layoutNode>
+              </dgm:layoutNode>
+            </dgm:forEach>
+          </dgm:layoutNode>
+        </dgm:layoutNode>
+      </dgm:forEach>
+    </dgm:forEach>
+  </dgm:layoutNode>
+</dgm:layoutDef>
+</file>
+
+<file path=ppt/diagrams/quickStyle1.xml><?xml version="1.0" encoding="utf-8"?>
+<dgm:styleDef xmlns:dgm="http://schemas.openxmlformats.org/drawingml/2006/diagram" xmlns:a="http://schemas.openxmlformats.org/drawingml/2006/main" uniqueId="urn:microsoft.com/office/officeart/2005/8/quickstyle/simple4">
+  <dgm:title val=""/>
+  <dgm:desc val=""/>
+  <dgm:catLst>
+    <dgm:cat type="simple" pri="10400"/>
+  </dgm:catLst>
+  <dgm:scene3d>
+    <a:camera prst="orthographicFront"/>
+    <a:lightRig rig="threePt" dir="t"/>
+  </dgm:scene3d>
+  <dgm:styleLbl name="node0">
+    <dgm:scene3d>
+      <a:camera prst="orthographicFront"/>
+      <a:lightRig rig="threePt" dir="t"/>
+    </dgm:scene3d>
+    <dgm:sp3d/>
+    <dgm:txPr/>
+    <dgm:style>
+      <a:lnRef idx="0">
+        <a:scrgbClr r="0" g="0" b="0"/>
+      </a:lnRef>
+      <a:fillRef idx="3">
+        <a:scrgbClr r="0" g="0" b="0"/>
+      </a:fillRef>
+      <a:effectRef idx="2">
+        <a:scrgbClr r="0" g="0" b="0"/>
+      </a:effectRef>
+      <a:fontRef idx="minor">
+        <a:schemeClr val="lt1"/>
+      </a:fontRef>
+    </dgm:style>
+  </dgm:styleLbl>
+  <dgm:styleLbl name="lnNode1">
+    <dgm:scene3d>
+      <a:camera prst="orthographicFront"/>
+      <a:lightRig rig="threePt" dir="t"/>
+    </dgm:scene3d>
+    <dgm:sp3d/>
+    <dgm:txPr/>
+    <dgm:style>
+      <a:lnRef idx="1">
+        <a:scrgbClr r="0" g="0" b="0"/>
+      </a:lnRef>
+      <a:fillRef idx="3">
+        <a:scrgbClr r="0" g="0" b="0"/>
+      </a:fillRef>
+      <a:effectRef idx="2">
+        <a:scrgbClr r="0" g="0" b="0"/>
+      </a:effectRef>
+      <a:fontRef idx="minor">
+        <a:schemeClr val="lt1"/>
+      </a:fontRef>
+    </dgm:style>
+  </dgm:styleLbl>
+  <dgm:styleLbl name="vennNode1">
+    <dgm:scene3d>
+      <a:camera prst="orthographicFront"/>
+      <a:lightRig rig="threePt" dir="t"/>
+    </dgm:scene3d>
+    <dgm:sp3d/>
+    <dgm:txPr/>
+    <dgm:style>
+      <a:lnRef idx="0">
+        <a:scrgbClr r="0" g="0" b="0"/>
+      </a:lnRef>
+      <a:fillRef idx="3">
+        <a:scrgbClr r="0" g="0" b="0"/>
+      </a:fillRef>
+      <a:effectRef idx="0">
+        <a:scrgbClr r="0" g="0" b="0"/>
+      </a:effectRef>
+      <a:fontRef idx="minor">
+        <a:schemeClr val="tx1"/>
+      </a:fontRef>
+    </dgm:style>
+  </dgm:styleLbl>
+  <dgm:styleLbl name="alignNode1">
+    <dgm:scene3d>
+      <a:camera prst="orthographicFront"/>
+      <a:lightRig rig="threePt" dir="t"/>
+    </dgm:scene3d>
+    <dgm:sp3d/>
+    <dgm:txPr/>
+    <dgm:style>
+      <a:lnRef idx="1">
+        <a:scrgbClr r="0" g="0" b="0"/>
+      </a:lnRef>
+      <a:fillRef idx="3">
+        <a:scrgbClr r="0" g="0" b="0"/>
+      </a:fillRef>
+      <a:effectRef idx="2">
+        <a:scrgbClr r="0" g="0" b="0"/>
+      </a:effectRef>
+      <a:fontRef idx="minor">
+        <a:schemeClr val="lt1"/>
+      </a:fontRef>
+    </dgm:style>
+  </dgm:styleLbl>
+  <dgm:styleLbl name="node1">
+    <dgm:scene3d>
+      <a:camera prst="orthographicFront"/>
+      <a:lightRig rig="threePt" dir="t"/>
+    </dgm:scene3d>
+    <dgm:sp3d/>
+    <dgm:txPr/>
+    <dgm:style>
+      <a:lnRef idx="0">
+        <a:scrgbClr r="0" g="0" b="0"/>
+      </a:lnRef>
+      <a:fillRef idx="3">
+        <a:scrgbClr r="0" g="0" b="0"/>
+      </a:fillRef>
+      <a:effectRef idx="2">
+        <a:scrgbClr r="0" g="0" b="0"/>
+      </a:effectRef>
+      <a:fontRef idx="minor">
+        <a:schemeClr val="lt1"/>
+      </a:fontRef>
+    </dgm:style>
+  </dgm:styleLbl>
+  <dgm:styleLbl name="node2">
+    <dgm:scene3d>
+      <a:camera prst="orthographicFront"/>
+      <a:lightRig rig="threePt" dir="t"/>
+    </dgm:scene3d>
+    <dgm:sp3d/>
+    <dgm:txPr/>
+    <dgm:style>
+      <a:lnRef idx="0">
+        <a:scrgbClr r="0" g="0" b="0"/>
+      </a:lnRef>
+      <a:fillRef idx="3">
+        <a:scrgbClr r="0" g="0" b="0"/>
+      </a:fillRef>
+      <a:effectRef idx="2">
+        <a:scrgbClr r="0" g="0" b="0"/>
+      </a:effectRef>
+      <a:fontRef idx="minor">
+        <a:schemeClr val="lt1"/>
+      </a:fontRef>
+    </dgm:style>
+  </dgm:styleLbl>
+  <dgm:styleLbl name="node3">
+    <dgm:scene3d>
+      <a:camera prst="orthographicFront"/>
+      <a:lightRig rig="threePt" dir="t"/>
+    </dgm:scene3d>
+    <dgm:sp3d/>
+    <dgm:txPr/>
+    <dgm:style>
+      <a:lnRef idx="0">
+        <a:scrgbClr r="0" g="0" b="0"/>
+      </a:lnRef>
+      <a:fillRef idx="3">
+        <a:scrgbClr r="0" g="0" b="0"/>
+      </a:fillRef>
+      <a:effectRef idx="2">
+        <a:scrgbClr r="0" g="0" b="0"/>
+      </a:effectRef>
+      <a:fontRef idx="minor">
+        <a:schemeClr val="lt1"/>
+      </a:fontRef>
+    </dgm:style>
+  </dgm:styleLbl>
+  <dgm:styleLbl name="node4">
+    <dgm:scene3d>
+      <a:camera prst="orthographicFront"/>
+      <a:lightRig rig="threePt" dir="t"/>
+    </dgm:scene3d>
+    <dgm:sp3d/>
+    <dgm:txPr/>
+    <dgm:style>
+      <a:lnRef idx="0">
+        <a:scrgbClr r="0" g="0" b="0"/>
+      </a:lnRef>
+      <a:fillRef idx="3">
+        <a:scrgbClr r="0" g="0" b="0"/>
+      </a:fillRef>
+      <a:effectRef idx="2">
+        <a:scrgbClr r="0" g="0" b="0"/>
+      </a:effectRef>
+      <a:fontRef idx="minor">
+        <a:schemeClr val="lt1"/>
+      </a:fontRef>
+    </dgm:style>
+  </dgm:styleLbl>
+  <dgm:styleLbl name="fgImgPlace1">
+    <dgm:scene3d>
+      <a:camera prst="orthographicFront"/>
+      <a:lightRig rig="threePt" dir="t"/>
+    </dgm:scene3d>
+    <dgm:sp3d/>
+    <dgm:txPr/>
+    <dgm:style>
+      <a:lnRef idx="0">
+        <a:scrgbClr r="0" g="0" b="0"/>
+      </a:lnRef>
+      <a:fillRef idx="1">
+        <a:scrgbClr r="0" g="0" b="0"/>
+      </a:fillRef>
+      <a:effectRef idx="2">
+        <a:scrgbClr r="0" g="0" b="0"/>
+      </a:effectRef>
+      <a:fontRef idx="minor"/>
+    </dgm:style>
+  </dgm:styleLbl>
+  <dgm:styleLbl name="alignImgPlace1">
+    <dgm:scene3d>
+      <a:camera prst="orthographicFront"/>
+      <a:lightRig rig="threePt" dir="t"/>
+    </dgm:scene3d>
+    <dgm:sp3d/>
+    <dgm:txPr/>
+    <dgm:style>
+      <a:lnRef idx="0">
+        <a:scrgbClr r="0" g="0" b="0"/>
+      </a:lnRef>
+      <a:fillRef idx="1">
+        <a:scrgbClr r="0" g="0" b="0"/>
+      </a:fillRef>
+      <a:effectRef idx="2">
+        <a:scrgbClr r="0" g="0" b="0"/>
+      </a:effectRef>
+      <a:fontRef idx="minor"/>
+    </dgm:style>
+  </dgm:styleLbl>
+  <dgm:styleLbl name="bgImgPlace1">
+    <dgm:scene3d>
+      <a:camera prst="orthographicFront"/>
+      <a:lightRig rig="threePt" dir="t"/>
+    </dgm:scene3d>
+    <dgm:sp3d/>
+    <dgm:txPr/>
+    <dgm:style>
+      <a:lnRef idx="0">
+        <a:scrgbClr r="0" g="0" b="0"/>
+      </a:lnRef>
+      <a:fillRef idx="1">
+        <a:scrgbClr r="0" g="0" b="0"/>
+      </a:fillRef>
+      <a:effectRef idx="2">
+        <a:scrgbClr r="0" g="0" b="0"/>
+      </a:effectRef>
+      <a:fontRef idx="minor"/>
+    </dgm:style>
+  </dgm:styleLbl>
+  <dgm:styleLbl name="sibTrans2D1">
+    <dgm:scene3d>
+      <a:camera prst="orthographicFront"/>
+      <a:lightRig rig="threePt" dir="t"/>
+    </dgm:scene3d>
+    <dgm:sp3d/>
+    <dgm:txPr/>
+    <dgm:style>
+      <a:lnRef idx="0">
+        <a:scrgbClr r="0" g="0" b="0"/>
+      </a:lnRef>
+      <a:fillRef idx="3">
+        <a:scrgbClr r="0" g="0" b="0"/>
+      </a:fillRef>
+      <a:effectRef idx="2">
+        <a:scrgbClr r="0" g="0" b="0"/>
+      </a:effectRef>
+      <a:fontRef idx="minor">
+        <a:schemeClr val="lt1"/>
+      </a:fontRef>
+    </dgm:style>
+  </dgm:styleLbl>
+  <dgm:styleLbl name="fgSibTrans2D1">
+    <dgm:scene3d>
+      <a:camera prst="orthographicFront"/>
+      <a:lightRig rig="threePt" dir="t"/>
+    </dgm:scene3d>
+    <dgm:sp3d/>
+    <dgm:txPr/>
+    <dgm:style>
+      <a:lnRef idx="0">
+        <a:scrgbClr r="0" g="0" b="0"/>
+      </a:lnRef>
+      <a:fillRef idx="3">
+        <a:scrgbClr r="0" g="0" b="0"/>
+      </a:fillRef>
+      <a:effectRef idx="2">
+        <a:scrgbClr r="0" g="0" b="0"/>
+      </a:effectRef>
+      <a:fontRef idx="minor">
+        <a:schemeClr val="lt1"/>
+      </a:fontRef>
+    </dgm:style>
+  </dgm:styleLbl>
+  <dgm:styleLbl name="bgSibTrans2D1">
+    <dgm:scene3d>
+      <a:camera prst="orthographicFront"/>
+      <a:lightRig rig="threePt" dir="t"/>
+    </dgm:scene3d>
+    <dgm:sp3d/>
+    <dgm:txPr/>
+    <dgm:style>
+      <a:lnRef idx="0">
+        <a:scrgbClr r="0" g="0" b="0"/>
+      </a:lnRef>
+      <a:fillRef idx="3">
+        <a:scrgbClr r="0" g="0" b="0"/>
+      </a:fillRef>
+      <a:effectRef idx="2">
+        <a:scrgbClr r="0" g="0" b="0"/>
+      </a:effectRef>
+      <a:fontRef idx="minor">
+        <a:schemeClr val="lt1"/>
+      </a:fontRef>
+    </dgm:style>
+  </dgm:styleLbl>
+  <dgm:styleLbl name="sibTrans1D1">
+    <dgm:scene3d>
+      <a:camera prst="orthographicFront"/>
+      <a:lightRig rig="threePt" dir="t"/>
+    </dgm:scene3d>
+    <dgm:sp3d/>
+    <dgm:txPr/>
+    <dgm:style>
+      <a:lnRef idx="1">
+        <a:scrgbClr r="0" g="0" b="0"/>
+      </a:lnRef>
+      <a:fillRef idx="0">
+        <a:scrgbClr r="0" g="0" b="0"/>
+      </a:fillRef>
+      <a:effectRef idx="0">
+        <a:scrgbClr r="0" g="0" b="0"/>
+      </a:effectRef>
+      <a:fontRef idx="minor"/>
+    </dgm:style>
+  </dgm:styleLbl>
+  <dgm:styleLbl name="callout">
+    <dgm:scene3d>
+      <a:camera prst="orthographicFront"/>
+      <a:lightRig rig="threePt" dir="t"/>
+    </dgm:scene3d>
+    <dgm:sp3d/>
+    <dgm:txPr/>
+    <dgm:style>
+      <a:lnRef idx="2">
+        <a:scrgbClr r="0" g="0" b="0"/>
+      </a:lnRef>
+      <a:fillRef idx="1">
+        <a:scrgbClr r="0" g="0" b="0"/>
+      </a:fillRef>
+      <a:effectRef idx="1">
+        <a:scrgbClr r="0" g="0" b="0"/>
+      </a:effectRef>
+      <a:fontRef idx="minor"/>
+    </dgm:style>
+  </dgm:styleLbl>
+  <dgm:styleLbl name="asst0">
+    <dgm:scene3d>
+      <a:camera prst="orthographicFront"/>
+      <a:lightRig rig="threePt" dir="t"/>
+    </dgm:scene3d>
+    <dgm:sp3d/>
+    <dgm:txPr/>
+    <dgm:style>
+      <a:lnRef idx="0">
+        <a:scrgbClr r="0" g="0" b="0"/>
+      </a:lnRef>
+      <a:fillRef idx="3">
+        <a:scrgbClr r="0" g="0" b="0"/>
+      </a:fillRef>
+      <a:effectRef idx="2">
+        <a:scrgbClr r="0" g="0" b="0"/>
+      </a:effectRef>
+      <a:fontRef idx="minor">
+        <a:schemeClr val="lt1"/>
+      </a:fontRef>
+    </dgm:style>
+  </dgm:styleLbl>
+  <dgm:styleLbl name="asst1">
+    <dgm:scene3d>
+      <a:camera prst="orthographicFront"/>
+      <a:lightRig rig="threePt" dir="t"/>
+    </dgm:scene3d>
+    <dgm:sp3d/>
+    <dgm:txPr/>
+    <dgm:style>
+      <a:lnRef idx="0">
+        <a:scrgbClr r="0" g="0" b="0"/>
+      </a:lnRef>
+      <a:fillRef idx="3">
+        <a:scrgbClr r="0" g="0" b="0"/>
+      </a:fillRef>
+      <a:effectRef idx="2">
+        <a:scrgbClr r="0" g="0" b="0"/>
+      </a:effectRef>
+      <a:fontRef idx="minor">
+        <a:schemeClr val="lt1"/>
+      </a:fontRef>
+    </dgm:style>
+  </dgm:styleLbl>
+  <dgm:styleLbl name="asst2">
+    <dgm:scene3d>
+      <a:camera prst="orthographicFront"/>
+      <a:lightRig rig="threePt" dir="t"/>
+    </dgm:scene3d>
+    <dgm:sp3d/>
+    <dgm:txPr/>
+    <dgm:style>
+      <a:lnRef idx="0">
+        <a:scrgbClr r="0" g="0" b="0"/>
+      </a:lnRef>
+      <a:fillRef idx="3">
+        <a:scrgbClr r="0" g="0" b="0"/>
+      </a:fillRef>
+      <a:effectRef idx="2">
+        <a:scrgbClr r="0" g="0" b="0"/>
+      </a:effectRef>
+      <a:fontRef idx="minor">
+        <a:schemeClr val="lt1"/>
+      </a:fontRef>
+    </dgm:style>
+  </dgm:styleLbl>
+  <dgm:styleLbl name="asst3">
+    <dgm:scene3d>
+      <a:camera prst="orthographicFront"/>
+      <a:lightRig rig="threePt" dir="t"/>
+    </dgm:scene3d>
+    <dgm:sp3d/>
+    <dgm:txPr/>
+    <dgm:style>
+      <a:lnRef idx="0">
+        <a:scrgbClr r="0" g="0" b="0"/>
+      </a:lnRef>
+      <a:fillRef idx="3">
+        <a:scrgbClr r="0" g="0" b="0"/>
+      </a:fillRef>
+      <a:effectRef idx="2">
+        <a:scrgbClr r="0" g="0" b="0"/>
+      </a:effectRef>
+      <a:fontRef idx="minor">
+        <a:schemeClr val="lt1"/>
+      </a:fontRef>
+    </dgm:style>
+  </dgm:styleLbl>
+  <dgm:styleLbl name="asst4">
+    <dgm:scene3d>
+      <a:camera prst="orthographicFront"/>
+      <a:lightRig rig="threePt" dir="t"/>
+    </dgm:scene3d>
+    <dgm:sp3d/>
+    <dgm:txPr/>
+    <dgm:style>
+      <a:lnRef idx="0">
+        <a:scrgbClr r="0" g="0" b="0"/>
+      </a:lnRef>
+      <a:fillRef idx="3">
+        <a:scrgbClr r="0" g="0" b="0"/>
+      </a:fillRef>
+      <a:effectRef idx="2">
+        <a:scrgbClr r="0" g="0" b="0"/>
+      </a:effectRef>
+      <a:fontRef idx="minor">
+        <a:schemeClr val="lt1"/>
+      </a:fontRef>
+    </dgm:style>
+  </dgm:styleLbl>
+  <dgm:styleLbl name="parChTrans2D1">
+    <dgm:scene3d>
+      <a:camera prst="orthographicFront"/>
+      <a:lightRig rig="threePt" dir="t"/>
+    </dgm:scene3d>
+    <dgm:sp3d/>
+    <dgm:txPr/>
+    <dgm:style>
+      <a:lnRef idx="0">
+        <a:scrgbClr r="0" g="0" b="0"/>
+      </a:lnRef>
+      <a:fillRef idx="3">
+        <a:scrgbClr r="0" g="0" b="0"/>
+      </a:fillRef>
+      <a:effectRef idx="2">
+        <a:scrgbClr r="0" g="0" b="0"/>
+      </a:effectRef>
+      <a:fontRef idx="minor">
+        <a:schemeClr val="lt1"/>
+      </a:fontRef>
+    </dgm:style>
+  </dgm:styleLbl>
+  <dgm:styleLbl name="parChTrans2D2">
+    <dgm:scene3d>
+      <a:camera prst="orthographicFront"/>
+      <a:lightRig rig="threePt" dir="t"/>
+    </dgm:scene3d>
+    <dgm:sp3d/>
+    <dgm:txPr/>
+    <dgm:style>
+      <a:lnRef idx="0">
+        <a:scrgbClr r="0" g="0" b="0"/>
+      </a:lnRef>
+      <a:fillRef idx="3">
+        <a:scrgbClr r="0" g="0" b="0"/>
+      </a:fillRef>
+      <a:effectRef idx="2">
+        <a:scrgbClr r="0" g="0" b="0"/>
+      </a:effectRef>
+      <a:fontRef idx="minor">
+        <a:schemeClr val="lt1"/>
+      </a:fontRef>
+    </dgm:style>
+  </dgm:styleLbl>
+  <dgm:styleLbl name="parChTrans2D3">
+    <dgm:scene3d>
+      <a:camera prst="orthographicFront"/>
+      <a:lightRig rig="threePt" dir="t"/>
+    </dgm:scene3d>
+    <dgm:sp3d/>
+    <dgm:txPr/>
+    <dgm:style>
+      <a:lnRef idx="1">
+        <a:scrgbClr r="0" g="0" b="0"/>
+      </a:lnRef>
+      <a:fillRef idx="3">
+        <a:scrgbClr r="0" g="0" b="0"/>
+      </a:fillRef>
+      <a:effectRef idx="2">
+        <a:scrgbClr r="0" g="0" b="0"/>
+      </a:effectRef>
+      <a:fontRef idx="minor">
+        <a:schemeClr val="lt1"/>
+      </a:fontRef>
+    </dgm:style>
+  </dgm:styleLbl>
+  <dgm:styleLbl name="parChTrans2D4">
+    <dgm:scene3d>
+      <a:camera prst="orthographicFront"/>
+      <a:lightRig rig="threePt" dir="t"/>
+    </dgm:scene3d>
+    <dgm:sp3d/>
+    <dgm:txPr/>
+    <dgm:style>
+      <a:lnRef idx="1">
+        <a:scrgbClr r="0" g="0" b="0"/>
+      </a:lnRef>
+      <a:fillRef idx="3">
+        <a:scrgbClr r="0" g="0" b="0"/>
+      </a:fillRef>
+      <a:effectRef idx="2">
+        <a:scrgbClr r="0" g="0" b="0"/>
+      </a:effectRef>
+      <a:fontRef idx="minor">
+        <a:schemeClr val="lt1"/>
+      </a:fontRef>
+    </dgm:style>
+  </dgm:styleLbl>
+  <dgm:styleLbl name="parChTrans1D1">
+    <dgm:scene3d>
+      <a:camera prst="orthographicFront"/>
+      <a:lightRig rig="threePt" dir="t"/>
+    </dgm:scene3d>
+    <dgm:sp3d/>
+    <dgm:txPr/>
+    <dgm:style>
+      <a:lnRef idx="1">
+        <a:scrgbClr r="0" g="0" b="0"/>
+      </a:lnRef>
+      <a:fillRef idx="0">
+        <a:scrgbClr r="0" g="0" b="0"/>
+      </a:fillRef>
+      <a:effectRef idx="0">
+        <a:scrgbClr r="0" g="0" b="0"/>
+      </a:effectRef>
+      <a:fontRef idx="minor"/>
+    </dgm:style>
+  </dgm:styleLbl>
+  <dgm:styleLbl name="parChTrans1D2">
+    <dgm:scene3d>
+      <a:camera prst="orthographicFront"/>
+      <a:lightRig rig="threePt" dir="t"/>
+    </dgm:scene3d>
+    <dgm:sp3d/>
+    <dgm:txPr/>
+    <dgm:style>
+      <a:lnRef idx="1">
+        <a:scrgbClr r="0" g="0" b="0"/>
+      </a:lnRef>
+      <a:fillRef idx="0">
+        <a:scrgbClr r="0" g="0" b="0"/>
+      </a:fillRef>
+      <a:effectRef idx="0">
+        <a:scrgbClr r="0" g="0" b="0"/>
+      </a:effectRef>
+      <a:fontRef idx="minor"/>
+    </dgm:style>
+  </dgm:styleLbl>
+  <dgm:styleLbl name="parChTrans1D3">
+    <dgm:scene3d>
+      <a:camera prst="orthographicFront"/>
+      <a:lightRig rig="threePt" dir="t"/>
+    </dgm:scene3d>
+    <dgm:sp3d/>
+    <dgm:txPr/>
+    <dgm:style>
+      <a:lnRef idx="1">
+        <a:scrgbClr r="0" g="0" b="0"/>
+      </a:lnRef>
+      <a:fillRef idx="0">
+        <a:scrgbClr r="0" g="0" b="0"/>
+      </a:fillRef>
+      <a:effectRef idx="0">
+        <a:scrgbClr r="0" g="0" b="0"/>
+      </a:effectRef>
+      <a:fontRef idx="minor"/>
+    </dgm:style>
+  </dgm:styleLbl>
+  <dgm:styleLbl name="parChTrans1D4">
+    <dgm:scene3d>
+      <a:camera prst="orthographicFront"/>
+      <a:lightRig rig="threePt" dir="t"/>
+    </dgm:scene3d>
+    <dgm:sp3d/>
+    <dgm:txPr/>
+    <dgm:style>
+      <a:lnRef idx="1">
+        <a:scrgbClr r="0" g="0" b="0"/>
+      </a:lnRef>
+      <a:fillRef idx="0">
+        <a:scrgbClr r="0" g="0" b="0"/>
+      </a:fillRef>
+      <a:effectRef idx="0">
+        <a:scrgbClr r="0" g="0" b="0"/>
+      </a:effectRef>
+      <a:fontRef idx="minor"/>
+    </dgm:style>
+  </dgm:styleLbl>
+  <dgm:styleLbl name="fgAcc1">
+    <dgm:scene3d>
+      <a:camera prst="orthographicFront"/>
+      <a:lightRig rig="threePt" dir="t"/>
+    </dgm:scene3d>
+    <dgm:sp3d/>
+    <dgm:txPr/>
+    <dgm:style>
+      <a:lnRef idx="1">
+        <a:scrgbClr r="0" g="0" b="0"/>
+      </a:lnRef>
+      <a:fillRef idx="1">
+        <a:scrgbClr r="0" g="0" b="0"/>
+      </a:fillRef>
+      <a:effectRef idx="0">
+        <a:scrgbClr r="0" g="0" b="0"/>
+      </a:effectRef>
+      <a:fontRef idx="minor"/>
+    </dgm:style>
+  </dgm:styleLbl>
+  <dgm:styleLbl name="conFgAcc1">
+    <dgm:scene3d>
+      <a:camera prst="orthographicFront"/>
+      <a:lightRig rig="threePt" dir="t"/>
+    </dgm:scene3d>
+    <dgm:sp3d/>
+    <dgm:txPr/>
+    <dgm:style>
+      <a:lnRef idx="1">
+        <a:scrgbClr r="0" g="0" b="0"/>
+      </a:lnRef>
+      <a:fillRef idx="1">
+        <a:scrgbClr r="0" g="0" b="0"/>
+      </a:fillRef>
+      <a:effectRef idx="0">
+        <a:scrgbClr r="0" g="0" b="0"/>
+      </a:effectRef>
+      <a:fontRef idx="minor"/>
+    </dgm:style>
+  </dgm:styleLbl>
+  <dgm:styleLbl name="alignAcc1">
+    <dgm:scene3d>
+      <a:camera prst="orthographicFront"/>
+      <a:lightRig rig="threePt" dir="t"/>
+    </dgm:scene3d>
+    <dgm:sp3d/>
+    <dgm:txPr/>
+    <dgm:style>
+      <a:lnRef idx="1">
+        <a:scrgbClr r="0" g="0" b="0"/>
+      </a:lnRef>
+      <a:fillRef idx="1">
+        <a:scrgbClr r="0" g="0" b="0"/>
+      </a:fillRef>
+      <a:effectRef idx="0">
+        <a:scrgbClr r="0" g="0" b="0"/>
+      </a:effectRef>
+      <a:fontRef idx="minor"/>
+    </dgm:style>
+  </dgm:styleLbl>
+  <dgm:styleLbl name="trAlignAcc1">
+    <dgm:scene3d>
+      <a:camera prst="orthographicFront"/>
+      <a:lightRig rig="threePt" dir="t"/>
+    </dgm:scene3d>
+    <dgm:sp3d/>
+    <dgm:txPr/>
+    <dgm:style>
+      <a:lnRef idx="1">
+        <a:scrgbClr r="0" g="0" b="0"/>
+      </a:lnRef>
+      <a:fillRef idx="1">
+        <a:scrgbClr r="0" g="0" b="0"/>
+      </a:fillRef>
+      <a:effectRef idx="0">
+        <a:scrgbClr r="0" g="0" b="0"/>
+      </a:effectRef>
+      <a:fontRef idx="minor"/>
+    </dgm:style>
+  </dgm:styleLbl>
+  <dgm:styleLbl name="bgAcc1">
+    <dgm:scene3d>
+      <a:camera prst="orthographicFront"/>
+      <a:lightRig rig="threePt" dir="t"/>
+    </dgm:scene3d>
+    <dgm:sp3d/>
+    <dgm:txPr/>
+    <dgm:style>
+      <a:lnRef idx="1">
+        <a:scrgbClr r="0" g="0" b="0"/>
+      </a:lnRef>
+      <a:fillRef idx="1">
+        <a:scrgbClr r="0" g="0" b="0"/>
+      </a:fillRef>
+      <a:effectRef idx="0">
+        <a:scrgbClr r="0" g="0" b="0"/>
+      </a:effectRef>
+      <a:fontRef idx="minor"/>
+    </dgm:style>
+  </dgm:styleLbl>
+  <dgm:styleLbl name="solidFgAcc1">
+    <dgm:scene3d>
+      <a:camera prst="orthographicFront"/>
+      <a:lightRig rig="threePt" dir="t"/>
+    </dgm:scene3d>
+    <dgm:sp3d/>
+    <dgm:txPr/>
+    <dgm:style>
+      <a:lnRef idx="1">
+        <a:scrgbClr r="0" g="0" b="0"/>
+      </a:lnRef>
+      <a:fillRef idx="1">
+        <a:scrgbClr r="0" g="0" b="0"/>
+      </a:fillRef>
+      <a:effectRef idx="0">
+        <a:scrgbClr r="0" g="0" b="0"/>
+      </a:effectRef>
+      <a:fontRef idx="minor"/>
+    </dgm:style>
+  </dgm:styleLbl>
+  <dgm:styleLbl name="solidAlignAcc1">
+    <dgm:scene3d>
+      <a:camera prst="orthographicFront"/>
+      <a:lightRig rig="threePt" dir="t"/>
+    </dgm:scene3d>
+    <dgm:sp3d/>
+    <dgm:txPr/>
+    <dgm:style>
+      <a:lnRef idx="1">
+        <a:scrgbClr r="0" g="0" b="0"/>
+      </a:lnRef>
+      <a:fillRef idx="1">
+        <a:scrgbClr r="0" g="0" b="0"/>
+      </a:fillRef>
+      <a:effectRef idx="0">
+        <a:scrgbClr r="0" g="0" b="0"/>
+      </a:effectRef>
+      <a:fontRef idx="minor"/>
+    </dgm:style>
+  </dgm:styleLbl>
+  <dgm:styleLbl name="solidBgAcc1">
+    <dgm:scene3d>
+      <a:camera prst="orthographicFront"/>
+      <a:lightRig rig="threePt" dir="t"/>
+    </dgm:scene3d>
+    <dgm:sp3d/>
+    <dgm:txPr/>
+    <dgm:style>
+      <a:lnRef idx="1">
+        <a:scrgbClr r="0" g="0" b="0"/>
+      </a:lnRef>
+      <a:fillRef idx="1">
+        <a:scrgbClr r="0" g="0" b="0"/>
+      </a:fillRef>
+      <a:effectRef idx="0">
+        <a:scrgbClr r="0" g="0" b="0"/>
+      </a:effectRef>
+      <a:fontRef idx="minor"/>
+    </dgm:style>
+  </dgm:styleLbl>
+  <dgm:styleLbl name="fgAccFollowNode1">
+    <dgm:scene3d>
+      <a:camera prst="orthographicFront"/>
+      <a:lightRig rig="threePt" dir="t"/>
+    </dgm:scene3d>
+    <dgm:sp3d/>
+    <dgm:txPr/>
+    <dgm:style>
+      <a:lnRef idx="1">
+        <a:scrgbClr r="0" g="0" b="0"/>
+      </a:lnRef>
+      <a:fillRef idx="1">
+        <a:scrgbClr r="0" g="0" b="0"/>
+      </a:fillRef>
+      <a:effectRef idx="0">
+        <a:scrgbClr r="0" g="0" b="0"/>
+      </a:effectRef>
+      <a:fontRef idx="minor"/>
+    </dgm:style>
+  </dgm:styleLbl>
+  <dgm:styleLbl name="alignAccFollowNode1">
+    <dgm:scene3d>
+      <a:camera prst="orthographicFront"/>
+      <a:lightRig rig="threePt" dir="t"/>
+    </dgm:scene3d>
+    <dgm:sp3d/>
+    <dgm:txPr/>
+    <dgm:style>
+      <a:lnRef idx="1">
+        <a:scrgbClr r="0" g="0" b="0"/>
+      </a:lnRef>
+      <a:fillRef idx="1">
+        <a:scrgbClr r="0" g="0" b="0"/>
+      </a:fillRef>
+      <a:effectRef idx="0">
+        <a:scrgbClr r="0" g="0" b="0"/>
+      </a:effectRef>
+      <a:fontRef idx="minor"/>
+    </dgm:style>
+  </dgm:styleLbl>
+  <dgm:styleLbl name="bgAccFollowNode1">
+    <dgm:scene3d>
+      <a:camera prst="orthographicFront"/>
+      <a:lightRig rig="threePt" dir="t"/>
+    </dgm:scene3d>
+    <dgm:sp3d/>
+    <dgm:txPr/>
+    <dgm:style>
+      <a:lnRef idx="1">
+        <a:scrgbClr r="0" g="0" b="0"/>
+      </a:lnRef>
+      <a:fillRef idx="1">
+        <a:scrgbClr r="0" g="0" b="0"/>
+      </a:fillRef>
+      <a:effectRef idx="0">
+        <a:scrgbClr r="0" g="0" b="0"/>
+      </a:effectRef>
+      <a:fontRef idx="minor"/>
+    </dgm:style>
+  </dgm:styleLbl>
+  <dgm:styleLbl name="fgAcc0">
+    <dgm:scene3d>
+      <a:camera prst="orthographicFront"/>
+      <a:lightRig rig="threePt" dir="t"/>
+    </dgm:scene3d>
+    <dgm:sp3d/>
+    <dgm:txPr/>
+    <dgm:style>
+      <a:lnRef idx="1">
+        <a:scrgbClr r="0" g="0" b="0"/>
+      </a:lnRef>
+      <a:fillRef idx="1">
+        <a:scrgbClr r="0" g="0" b="0"/>
+      </a:fillRef>
+      <a:effectRef idx="0">
+        <a:scrgbClr r="0" g="0" b="0"/>
+      </a:effectRef>
+      <a:fontRef idx="minor"/>
+    </dgm:style>
+  </dgm:styleLbl>
+  <dgm:styleLbl name="fgAcc2">
+    <dgm:scene3d>
+      <a:camera prst="orthographicFront"/>
+      <a:lightRig rig="threePt" dir="t"/>
+    </dgm:scene3d>
+    <dgm:sp3d/>
+    <dgm:txPr/>
+    <dgm:style>
+      <a:lnRef idx="1">
+        <a:scrgbClr r="0" g="0" b="0"/>
+      </a:lnRef>
+      <a:fillRef idx="1">
+        <a:scrgbClr r="0" g="0" b="0"/>
+      </a:fillRef>
+      <a:effectRef idx="0">
+        <a:scrgbClr r="0" g="0" b="0"/>
+      </a:effectRef>
+      <a:fontRef idx="minor"/>
+    </dgm:style>
+  </dgm:styleLbl>
+  <dgm:styleLbl name="fgAcc3">
+    <dgm:scene3d>
+      <a:camera prst="orthographicFront"/>
+      <a:lightRig rig="threePt" dir="t"/>
+    </dgm:scene3d>
+    <dgm:sp3d/>
+    <dgm:txPr/>
+    <dgm:style>
+      <a:lnRef idx="1">
+        <a:scrgbClr r="0" g="0" b="0"/>
+      </a:lnRef>
+      <a:fillRef idx="1">
+        <a:scrgbClr r="0" g="0" b="0"/>
+      </a:fillRef>
+      <a:effectRef idx="0">
+        <a:scrgbClr r="0" g="0" b="0"/>
+      </a:effectRef>
+      <a:fontRef idx="minor"/>
+    </dgm:style>
+  </dgm:styleLbl>
+  <dgm:styleLbl name="fgAcc4">
+    <dgm:scene3d>
+      <a:camera prst="orthographicFront"/>
+      <a:lightRig rig="threePt" dir="t"/>
+    </dgm:scene3d>
+    <dgm:sp3d/>
+    <dgm:txPr/>
+    <dgm:style>
+      <a:lnRef idx="1">
+        <a:scrgbClr r="0" g="0" b="0"/>
+      </a:lnRef>
+      <a:fillRef idx="1">
+        <a:scrgbClr r="0" g="0" b="0"/>
+      </a:fillRef>
+      <a:effectRef idx="0">
+        <a:scrgbClr r="0" g="0" b="0"/>
+      </a:effectRef>
+      <a:fontRef idx="minor"/>
+    </dgm:style>
+  </dgm:styleLbl>
+  <dgm:styleLbl name="bgShp">
+    <dgm:scene3d>
+      <a:camera prst="orthographicFront"/>
+      <a:lightRig rig="threePt" dir="t"/>
+    </dgm:scene3d>
+    <dgm:sp3d/>
+    <dgm:txPr/>
+    <dgm:style>
+      <a:lnRef idx="0">
+        <a:scrgbClr r="0" g="0" b="0"/>
+      </a:lnRef>
+      <a:fillRef idx="1">
+        <a:scrgbClr r="0" g="0" b="0"/>
+      </a:fillRef>
+      <a:effectRef idx="2">
+        <a:scrgbClr r="0" g="0" b="0"/>
+      </a:effectRef>
+      <a:fontRef idx="minor"/>
+    </dgm:style>
+  </dgm:styleLbl>
+  <dgm:styleLbl name="dkBgShp">
+    <dgm:scene3d>
+      <a:camera prst="orthographicFront"/>
+      <a:lightRig rig="threePt" dir="t"/>
+    </dgm:scene3d>
+    <dgm:sp3d/>
+    <dgm:txPr/>
+    <dgm:style>
+      <a:lnRef idx="0">
+        <a:scrgbClr r="0" g="0" b="0"/>
+      </a:lnRef>
+      <a:fillRef idx="1">
+        <a:scrgbClr r="0" g="0" b="0"/>
+      </a:fillRef>
+      <a:effectRef idx="2">
+        <a:scrgbClr r="0" g="0" b="0"/>
+      </a:effectRef>
+      <a:fontRef idx="minor"/>
+    </dgm:style>
+  </dgm:styleLbl>
+  <dgm:styleLbl name="trBgShp">
+    <dgm:scene3d>
+      <a:camera prst="orthographicFront"/>
+      <a:lightRig rig="threePt" dir="t"/>
+    </dgm:scene3d>
+    <dgm:sp3d/>
+    <dgm:txPr/>
+    <dgm:style>
+      <a:lnRef idx="0">
+        <a:scrgbClr r="0" g="0" b="0"/>
+      </a:lnRef>
+      <a:fillRef idx="1">
+        <a:scrgbClr r="0" g="0" b="0"/>
+      </a:fillRef>
+      <a:effectRef idx="0">
+        <a:scrgbClr r="0" g="0" b="0"/>
+      </a:effectRef>
+      <a:fontRef idx="minor"/>
+    </dgm:style>
+  </dgm:styleLbl>
+  <dgm:styleLbl name="fgShp">
+    <dgm:scene3d>
+      <a:camera prst="orthographicFront"/>
+      <a:lightRig rig="threePt" dir="t"/>
+    </dgm:scene3d>
+    <dgm:sp3d/>
+    <dgm:txPr/>
+    <dgm:style>
+      <a:lnRef idx="0">
+        <a:scrgbClr r="0" g="0" b="0"/>
+      </a:lnRef>
+      <a:fillRef idx="3">
+        <a:scrgbClr r="0" g="0" b="0"/>
+      </a:fillRef>
+      <a:effectRef idx="2">
+        <a:scrgbClr r="0" g="0" b="0"/>
+      </a:effectRef>
+      <a:fontRef idx="minor"/>
+    </dgm:style>
+  </dgm:styleLbl>
+  <dgm:styleLbl name="revTx">
+    <dgm:scene3d>
+      <a:camera prst="orthographicFront"/>
+      <a:lightRig rig="threePt" dir="t"/>
+    </dgm:scene3d>
+    <dgm:sp3d/>
+    <dgm:txPr/>
+    <dgm:style>
+      <a:lnRef idx="0">
+        <a:scrgbClr r="0" g="0" b="0"/>
+      </a:lnRef>
+      <a:fillRef idx="0">
+        <a:scrgbClr r="0" g="0" b="0"/>
+      </a:fillRef>
+      <a:effectRef idx="0">
+        <a:scrgbClr r="0" g="0" b="0"/>
+      </a:effectRef>
+      <a:fontRef idx="minor"/>
+    </dgm:style>
+  </dgm:styleLbl>
+</dgm:styleDef>
+</file>
+
 <file path=ppt/slideLayouts/slideLayout1.xml><?xml version="1.0" encoding="utf-8"?>
 <p:sldLayout xmlns:a="http://schemas.openxmlformats.org/drawingml/2006/main" xmlns:r="http://schemas.openxmlformats.org/officeDocument/2006/relationships" xmlns:p="http://schemas.openxmlformats.org/presentationml/2006/main" type="title" preserve="1">
   <p:cSld name="Title Slide">
@@ -250,7 +5307,7 @@
           <a:p>
             <a:fld id="{2DCA6F5A-F9A7-4B48-A3B9-8564B6C1EFD2}" type="datetimeFigureOut">
               <a:rPr lang="en-US" smtClean="0"/>
-              <a:t>2/23/18</a:t>
+              <a:t>2/25/18</a:t>
             </a:fld>
             <a:endParaRPr lang="en-US"/>
           </a:p>
@@ -420,7 +5477,7 @@
           <a:p>
             <a:fld id="{2DCA6F5A-F9A7-4B48-A3B9-8564B6C1EFD2}" type="datetimeFigureOut">
               <a:rPr lang="en-US" smtClean="0"/>
-              <a:t>2/23/18</a:t>
+              <a:t>2/25/18</a:t>
             </a:fld>
             <a:endParaRPr lang="en-US"/>
           </a:p>
@@ -600,7 +5657,7 @@
           <a:p>
             <a:fld id="{2DCA6F5A-F9A7-4B48-A3B9-8564B6C1EFD2}" type="datetimeFigureOut">
               <a:rPr lang="en-US" smtClean="0"/>
-              <a:t>2/23/18</a:t>
+              <a:t>2/25/18</a:t>
             </a:fld>
             <a:endParaRPr lang="en-US"/>
           </a:p>
@@ -770,7 +5827,7 @@
           <a:p>
             <a:fld id="{2DCA6F5A-F9A7-4B48-A3B9-8564B6C1EFD2}" type="datetimeFigureOut">
               <a:rPr lang="en-US" smtClean="0"/>
-              <a:t>2/23/18</a:t>
+              <a:t>2/25/18</a:t>
             </a:fld>
             <a:endParaRPr lang="en-US"/>
           </a:p>
@@ -1016,7 +6073,7 @@
           <a:p>
             <a:fld id="{2DCA6F5A-F9A7-4B48-A3B9-8564B6C1EFD2}" type="datetimeFigureOut">
               <a:rPr lang="en-US" smtClean="0"/>
-              <a:t>2/23/18</a:t>
+              <a:t>2/25/18</a:t>
             </a:fld>
             <a:endParaRPr lang="en-US"/>
           </a:p>
@@ -1248,7 +6305,7 @@
           <a:p>
             <a:fld id="{2DCA6F5A-F9A7-4B48-A3B9-8564B6C1EFD2}" type="datetimeFigureOut">
               <a:rPr lang="en-US" smtClean="0"/>
-              <a:t>2/23/18</a:t>
+              <a:t>2/25/18</a:t>
             </a:fld>
             <a:endParaRPr lang="en-US"/>
           </a:p>
@@ -1615,7 +6672,7 @@
           <a:p>
             <a:fld id="{2DCA6F5A-F9A7-4B48-A3B9-8564B6C1EFD2}" type="datetimeFigureOut">
               <a:rPr lang="en-US" smtClean="0"/>
-              <a:t>2/23/18</a:t>
+              <a:t>2/25/18</a:t>
             </a:fld>
             <a:endParaRPr lang="en-US"/>
           </a:p>
@@ -1733,7 +6790,7 @@
           <a:p>
             <a:fld id="{2DCA6F5A-F9A7-4B48-A3B9-8564B6C1EFD2}" type="datetimeFigureOut">
               <a:rPr lang="en-US" smtClean="0"/>
-              <a:t>2/23/18</a:t>
+              <a:t>2/25/18</a:t>
             </a:fld>
             <a:endParaRPr lang="en-US"/>
           </a:p>
@@ -1828,7 +6885,7 @@
           <a:p>
             <a:fld id="{2DCA6F5A-F9A7-4B48-A3B9-8564B6C1EFD2}" type="datetimeFigureOut">
               <a:rPr lang="en-US" smtClean="0"/>
-              <a:t>2/23/18</a:t>
+              <a:t>2/25/18</a:t>
             </a:fld>
             <a:endParaRPr lang="en-US"/>
           </a:p>
@@ -2105,7 +7162,7 @@
           <a:p>
             <a:fld id="{2DCA6F5A-F9A7-4B48-A3B9-8564B6C1EFD2}" type="datetimeFigureOut">
               <a:rPr lang="en-US" smtClean="0"/>
-              <a:t>2/23/18</a:t>
+              <a:t>2/25/18</a:t>
             </a:fld>
             <a:endParaRPr lang="en-US"/>
           </a:p>
@@ -2358,7 +7415,7 @@
           <a:p>
             <a:fld id="{2DCA6F5A-F9A7-4B48-A3B9-8564B6C1EFD2}" type="datetimeFigureOut">
               <a:rPr lang="en-US" smtClean="0"/>
-              <a:t>2/23/18</a:t>
+              <a:t>2/25/18</a:t>
             </a:fld>
             <a:endParaRPr lang="en-US"/>
           </a:p>
@@ -2571,7 +7628,7 @@
           <a:p>
             <a:fld id="{2DCA6F5A-F9A7-4B48-A3B9-8564B6C1EFD2}" type="datetimeFigureOut">
               <a:rPr lang="en-US" smtClean="0"/>
-              <a:t>2/23/18</a:t>
+              <a:t>2/25/18</a:t>
             </a:fld>
             <a:endParaRPr lang="en-US"/>
           </a:p>
@@ -7433,6 +12490,1655 @@
       </p:grpSpPr>
       <p:sp>
         <p:nvSpPr>
+          <p:cNvPr id="5" name="TextBox 4"/>
+          <p:cNvSpPr txBox="1"/>
+          <p:nvPr/>
+        </p:nvSpPr>
+        <p:spPr>
+          <a:xfrm>
+            <a:off x="3962327" y="235301"/>
+            <a:ext cx="3928383" cy="369332"/>
+          </a:xfrm>
+          <a:prstGeom prst="rect">
+            <a:avLst/>
+          </a:prstGeom>
+          <a:noFill/>
+        </p:spPr>
+        <p:txBody>
+          <a:bodyPr wrap="none" rtlCol="0">
+            <a:spAutoFit/>
+          </a:bodyPr>
+          <a:lstStyle/>
+          <a:p>
+            <a:r>
+              <a:rPr lang="en-US" dirty="0" smtClean="0">
+                <a:latin typeface="Bell MT" charset="0"/>
+                <a:ea typeface="Bell MT" charset="0"/>
+                <a:cs typeface="Bell MT" charset="0"/>
+              </a:rPr>
+              <a:t>Universal Decentralized </a:t>
+            </a:r>
+            <a:r>
+              <a:rPr lang="en-US" smtClean="0">
+                <a:latin typeface="Bell MT" charset="0"/>
+                <a:ea typeface="Bell MT" charset="0"/>
+                <a:cs typeface="Bell MT" charset="0"/>
+              </a:rPr>
+              <a:t>Asset </a:t>
+            </a:r>
+            <a:r>
+              <a:rPr lang="en-US" altLang="zh-CN" smtClean="0">
+                <a:latin typeface="Bell MT" charset="0"/>
+                <a:ea typeface="Bell MT" charset="0"/>
+                <a:cs typeface="Bell MT" charset="0"/>
+              </a:rPr>
+              <a:t>Protocol</a:t>
+            </a:r>
+            <a:endParaRPr lang="en-US" dirty="0">
+              <a:latin typeface="Bell MT" charset="0"/>
+              <a:ea typeface="Bell MT" charset="0"/>
+              <a:cs typeface="Bell MT" charset="0"/>
+            </a:endParaRPr>
+          </a:p>
+        </p:txBody>
+      </p:sp>
+      <p:grpSp>
+        <p:nvGrpSpPr>
+          <p:cNvPr id="27" name="Group 26"/>
+          <p:cNvGrpSpPr/>
+          <p:nvPr/>
+        </p:nvGrpSpPr>
+        <p:grpSpPr>
+          <a:xfrm>
+            <a:off x="6074182" y="4265248"/>
+            <a:ext cx="894722" cy="832410"/>
+            <a:chOff x="9023268" y="3823855"/>
+            <a:chExt cx="2361209" cy="1959436"/>
+          </a:xfrm>
+        </p:grpSpPr>
+        <p:sp>
+          <p:nvSpPr>
+            <p:cNvPr id="17" name="Triangle 16"/>
+            <p:cNvSpPr/>
+            <p:nvPr/>
+          </p:nvSpPr>
+          <p:spPr>
+            <a:xfrm rot="10800000">
+              <a:off x="10169235" y="4819910"/>
+              <a:ext cx="1033153" cy="801584"/>
+            </a:xfrm>
+            <a:prstGeom prst="triangle">
+              <a:avLst/>
+            </a:prstGeom>
+          </p:spPr>
+          <p:style>
+            <a:lnRef idx="2">
+              <a:schemeClr val="accent1"/>
+            </a:lnRef>
+            <a:fillRef idx="1">
+              <a:schemeClr val="lt1"/>
+            </a:fillRef>
+            <a:effectRef idx="0">
+              <a:schemeClr val="accent1"/>
+            </a:effectRef>
+            <a:fontRef idx="minor">
+              <a:schemeClr val="dk1"/>
+            </a:fontRef>
+          </p:style>
+          <p:txBody>
+            <a:bodyPr rtlCol="0" anchor="ctr"/>
+            <a:lstStyle/>
+            <a:p>
+              <a:pPr algn="ctr"/>
+              <a:endParaRPr lang="en-US"/>
+            </a:p>
+          </p:txBody>
+        </p:sp>
+        <p:sp>
+          <p:nvSpPr>
+            <p:cNvPr id="16" name="Triangle 15"/>
+            <p:cNvSpPr/>
+            <p:nvPr/>
+          </p:nvSpPr>
+          <p:spPr>
+            <a:xfrm rot="10800000">
+              <a:off x="9195459" y="4819909"/>
+              <a:ext cx="1033153" cy="740717"/>
+            </a:xfrm>
+            <a:prstGeom prst="triangle">
+              <a:avLst/>
+            </a:prstGeom>
+          </p:spPr>
+          <p:style>
+            <a:lnRef idx="2">
+              <a:schemeClr val="accent1"/>
+            </a:lnRef>
+            <a:fillRef idx="1">
+              <a:schemeClr val="lt1"/>
+            </a:fillRef>
+            <a:effectRef idx="0">
+              <a:schemeClr val="accent1"/>
+            </a:effectRef>
+            <a:fontRef idx="minor">
+              <a:schemeClr val="dk1"/>
+            </a:fontRef>
+          </p:style>
+          <p:txBody>
+            <a:bodyPr rtlCol="0" anchor="ctr"/>
+            <a:lstStyle/>
+            <a:p>
+              <a:pPr algn="ctr"/>
+              <a:endParaRPr lang="en-US"/>
+            </a:p>
+          </p:txBody>
+        </p:sp>
+        <p:sp>
+          <p:nvSpPr>
+            <p:cNvPr id="15" name="Triangle 14"/>
+            <p:cNvSpPr/>
+            <p:nvPr/>
+          </p:nvSpPr>
+          <p:spPr>
+            <a:xfrm>
+              <a:off x="10151423" y="4082148"/>
+              <a:ext cx="1033153" cy="801584"/>
+            </a:xfrm>
+            <a:prstGeom prst="triangle">
+              <a:avLst/>
+            </a:prstGeom>
+          </p:spPr>
+          <p:style>
+            <a:lnRef idx="2">
+              <a:schemeClr val="accent1"/>
+            </a:lnRef>
+            <a:fillRef idx="1">
+              <a:schemeClr val="lt1"/>
+            </a:fillRef>
+            <a:effectRef idx="0">
+              <a:schemeClr val="accent1"/>
+            </a:effectRef>
+            <a:fontRef idx="minor">
+              <a:schemeClr val="dk1"/>
+            </a:fontRef>
+          </p:style>
+          <p:txBody>
+            <a:bodyPr rtlCol="0" anchor="ctr"/>
+            <a:lstStyle/>
+            <a:p>
+              <a:pPr algn="ctr"/>
+              <a:endParaRPr lang="en-US"/>
+            </a:p>
+          </p:txBody>
+        </p:sp>
+        <p:sp>
+          <p:nvSpPr>
+            <p:cNvPr id="14" name="Triangle 13"/>
+            <p:cNvSpPr/>
+            <p:nvPr/>
+          </p:nvSpPr>
+          <p:spPr>
+            <a:xfrm>
+              <a:off x="9203377" y="4091050"/>
+              <a:ext cx="1033153" cy="801584"/>
+            </a:xfrm>
+            <a:prstGeom prst="triangle">
+              <a:avLst/>
+            </a:prstGeom>
+          </p:spPr>
+          <p:style>
+            <a:lnRef idx="2">
+              <a:schemeClr val="accent1"/>
+            </a:lnRef>
+            <a:fillRef idx="1">
+              <a:schemeClr val="lt1"/>
+            </a:fillRef>
+            <a:effectRef idx="0">
+              <a:schemeClr val="accent1"/>
+            </a:effectRef>
+            <a:fontRef idx="minor">
+              <a:schemeClr val="dk1"/>
+            </a:fontRef>
+          </p:style>
+          <p:txBody>
+            <a:bodyPr rtlCol="0" anchor="ctr"/>
+            <a:lstStyle/>
+            <a:p>
+              <a:pPr algn="ctr"/>
+              <a:endParaRPr lang="en-US"/>
+            </a:p>
+          </p:txBody>
+        </p:sp>
+        <p:sp>
+          <p:nvSpPr>
+            <p:cNvPr id="6" name="Oval 5"/>
+            <p:cNvSpPr/>
+            <p:nvPr/>
+          </p:nvSpPr>
+          <p:spPr>
+            <a:xfrm>
+              <a:off x="9417132" y="3823855"/>
+              <a:ext cx="534390" cy="534390"/>
+            </a:xfrm>
+            <a:prstGeom prst="ellipse">
+              <a:avLst/>
+            </a:prstGeom>
+          </p:spPr>
+          <p:style>
+            <a:lnRef idx="2">
+              <a:schemeClr val="accent1"/>
+            </a:lnRef>
+            <a:fillRef idx="1">
+              <a:schemeClr val="lt1"/>
+            </a:fillRef>
+            <a:effectRef idx="0">
+              <a:schemeClr val="accent1"/>
+            </a:effectRef>
+            <a:fontRef idx="minor">
+              <a:schemeClr val="dk1"/>
+            </a:fontRef>
+          </p:style>
+          <p:txBody>
+            <a:bodyPr rtlCol="0" anchor="ctr"/>
+            <a:lstStyle/>
+            <a:p>
+              <a:pPr algn="ctr"/>
+              <a:endParaRPr lang="en-US"/>
+            </a:p>
+          </p:txBody>
+        </p:sp>
+        <p:sp>
+          <p:nvSpPr>
+            <p:cNvPr id="8" name="Oval 7"/>
+            <p:cNvSpPr/>
+            <p:nvPr/>
+          </p:nvSpPr>
+          <p:spPr>
+            <a:xfrm>
+              <a:off x="9866415" y="4536378"/>
+              <a:ext cx="534390" cy="534390"/>
+            </a:xfrm>
+            <a:prstGeom prst="ellipse">
+              <a:avLst/>
+            </a:prstGeom>
+          </p:spPr>
+          <p:style>
+            <a:lnRef idx="2">
+              <a:schemeClr val="accent1"/>
+            </a:lnRef>
+            <a:fillRef idx="1">
+              <a:schemeClr val="lt1"/>
+            </a:fillRef>
+            <a:effectRef idx="0">
+              <a:schemeClr val="accent1"/>
+            </a:effectRef>
+            <a:fontRef idx="minor">
+              <a:schemeClr val="dk1"/>
+            </a:fontRef>
+          </p:style>
+          <p:txBody>
+            <a:bodyPr rtlCol="0" anchor="ctr"/>
+            <a:lstStyle/>
+            <a:p>
+              <a:pPr algn="ctr"/>
+              <a:endParaRPr lang="en-US"/>
+            </a:p>
+          </p:txBody>
+        </p:sp>
+        <p:sp>
+          <p:nvSpPr>
+            <p:cNvPr id="9" name="Oval 8"/>
+            <p:cNvSpPr/>
+            <p:nvPr/>
+          </p:nvSpPr>
+          <p:spPr>
+            <a:xfrm>
+              <a:off x="10400805" y="3823855"/>
+              <a:ext cx="534390" cy="534390"/>
+            </a:xfrm>
+            <a:prstGeom prst="ellipse">
+              <a:avLst/>
+            </a:prstGeom>
+          </p:spPr>
+          <p:style>
+            <a:lnRef idx="2">
+              <a:schemeClr val="accent1"/>
+            </a:lnRef>
+            <a:fillRef idx="1">
+              <a:schemeClr val="lt1"/>
+            </a:fillRef>
+            <a:effectRef idx="0">
+              <a:schemeClr val="accent1"/>
+            </a:effectRef>
+            <a:fontRef idx="minor">
+              <a:schemeClr val="dk1"/>
+            </a:fontRef>
+          </p:style>
+          <p:txBody>
+            <a:bodyPr rtlCol="0" anchor="ctr"/>
+            <a:lstStyle/>
+            <a:p>
+              <a:pPr algn="ctr"/>
+              <a:endParaRPr lang="en-US"/>
+            </a:p>
+          </p:txBody>
+        </p:sp>
+        <p:sp>
+          <p:nvSpPr>
+            <p:cNvPr id="10" name="Oval 9"/>
+            <p:cNvSpPr/>
+            <p:nvPr/>
+          </p:nvSpPr>
+          <p:spPr>
+            <a:xfrm>
+              <a:off x="10850087" y="4536378"/>
+              <a:ext cx="534390" cy="534390"/>
+            </a:xfrm>
+            <a:prstGeom prst="ellipse">
+              <a:avLst/>
+            </a:prstGeom>
+          </p:spPr>
+          <p:style>
+            <a:lnRef idx="2">
+              <a:schemeClr val="accent1"/>
+            </a:lnRef>
+            <a:fillRef idx="1">
+              <a:schemeClr val="lt1"/>
+            </a:fillRef>
+            <a:effectRef idx="0">
+              <a:schemeClr val="accent1"/>
+            </a:effectRef>
+            <a:fontRef idx="minor">
+              <a:schemeClr val="dk1"/>
+            </a:fontRef>
+          </p:style>
+          <p:txBody>
+            <a:bodyPr rtlCol="0" anchor="ctr"/>
+            <a:lstStyle/>
+            <a:p>
+              <a:pPr algn="ctr"/>
+              <a:endParaRPr lang="en-US"/>
+            </a:p>
+          </p:txBody>
+        </p:sp>
+        <p:sp>
+          <p:nvSpPr>
+            <p:cNvPr id="11" name="Oval 10"/>
+            <p:cNvSpPr/>
+            <p:nvPr/>
+          </p:nvSpPr>
+          <p:spPr>
+            <a:xfrm>
+              <a:off x="10400805" y="5248901"/>
+              <a:ext cx="534390" cy="534390"/>
+            </a:xfrm>
+            <a:prstGeom prst="ellipse">
+              <a:avLst/>
+            </a:prstGeom>
+          </p:spPr>
+          <p:style>
+            <a:lnRef idx="2">
+              <a:schemeClr val="accent1"/>
+            </a:lnRef>
+            <a:fillRef idx="1">
+              <a:schemeClr val="lt1"/>
+            </a:fillRef>
+            <a:effectRef idx="0">
+              <a:schemeClr val="accent1"/>
+            </a:effectRef>
+            <a:fontRef idx="minor">
+              <a:schemeClr val="dk1"/>
+            </a:fontRef>
+          </p:style>
+          <p:txBody>
+            <a:bodyPr rtlCol="0" anchor="ctr"/>
+            <a:lstStyle/>
+            <a:p>
+              <a:pPr algn="ctr"/>
+              <a:endParaRPr lang="en-US"/>
+            </a:p>
+          </p:txBody>
+        </p:sp>
+        <p:sp>
+          <p:nvSpPr>
+            <p:cNvPr id="12" name="Oval 11"/>
+            <p:cNvSpPr/>
+            <p:nvPr/>
+          </p:nvSpPr>
+          <p:spPr>
+            <a:xfrm>
+              <a:off x="9417132" y="5248901"/>
+              <a:ext cx="534390" cy="534390"/>
+            </a:xfrm>
+            <a:prstGeom prst="ellipse">
+              <a:avLst/>
+            </a:prstGeom>
+          </p:spPr>
+          <p:style>
+            <a:lnRef idx="2">
+              <a:schemeClr val="accent1"/>
+            </a:lnRef>
+            <a:fillRef idx="1">
+              <a:schemeClr val="lt1"/>
+            </a:fillRef>
+            <a:effectRef idx="0">
+              <a:schemeClr val="accent1"/>
+            </a:effectRef>
+            <a:fontRef idx="minor">
+              <a:schemeClr val="dk1"/>
+            </a:fontRef>
+          </p:style>
+          <p:txBody>
+            <a:bodyPr rtlCol="0" anchor="ctr"/>
+            <a:lstStyle/>
+            <a:p>
+              <a:pPr algn="ctr"/>
+              <a:endParaRPr lang="en-US"/>
+            </a:p>
+          </p:txBody>
+        </p:sp>
+        <p:sp>
+          <p:nvSpPr>
+            <p:cNvPr id="13" name="Oval 12"/>
+            <p:cNvSpPr/>
+            <p:nvPr/>
+          </p:nvSpPr>
+          <p:spPr>
+            <a:xfrm>
+              <a:off x="9023268" y="4536378"/>
+              <a:ext cx="534390" cy="534390"/>
+            </a:xfrm>
+            <a:prstGeom prst="ellipse">
+              <a:avLst/>
+            </a:prstGeom>
+          </p:spPr>
+          <p:style>
+            <a:lnRef idx="2">
+              <a:schemeClr val="accent1"/>
+            </a:lnRef>
+            <a:fillRef idx="1">
+              <a:schemeClr val="lt1"/>
+            </a:fillRef>
+            <a:effectRef idx="0">
+              <a:schemeClr val="accent1"/>
+            </a:effectRef>
+            <a:fontRef idx="minor">
+              <a:schemeClr val="dk1"/>
+            </a:fontRef>
+          </p:style>
+          <p:txBody>
+            <a:bodyPr rtlCol="0" anchor="ctr"/>
+            <a:lstStyle/>
+            <a:p>
+              <a:pPr algn="ctr"/>
+              <a:endParaRPr lang="en-US"/>
+            </a:p>
+          </p:txBody>
+        </p:sp>
+        <p:cxnSp>
+          <p:nvCxnSpPr>
+            <p:cNvPr id="19" name="Straight Connector 18"/>
+            <p:cNvCxnSpPr>
+              <a:stCxn id="6" idx="6"/>
+              <a:endCxn id="9" idx="2"/>
+            </p:cNvCxnSpPr>
+            <p:nvPr/>
+          </p:nvCxnSpPr>
+          <p:spPr>
+            <a:xfrm>
+              <a:off x="9951522" y="4091050"/>
+              <a:ext cx="449283" cy="0"/>
+            </a:xfrm>
+            <a:prstGeom prst="line">
+              <a:avLst/>
+            </a:prstGeom>
+            <a:ln/>
+          </p:spPr>
+          <p:style>
+            <a:lnRef idx="2">
+              <a:schemeClr val="accent1"/>
+            </a:lnRef>
+            <a:fillRef idx="1">
+              <a:schemeClr val="lt1"/>
+            </a:fillRef>
+            <a:effectRef idx="0">
+              <a:schemeClr val="accent1"/>
+            </a:effectRef>
+            <a:fontRef idx="minor">
+              <a:schemeClr val="dk1"/>
+            </a:fontRef>
+          </p:style>
+        </p:cxnSp>
+        <p:cxnSp>
+          <p:nvCxnSpPr>
+            <p:cNvPr id="24" name="Straight Connector 23"/>
+            <p:cNvCxnSpPr>
+              <a:stCxn id="12" idx="6"/>
+              <a:endCxn id="11" idx="2"/>
+            </p:cNvCxnSpPr>
+            <p:nvPr/>
+          </p:nvCxnSpPr>
+          <p:spPr>
+            <a:xfrm>
+              <a:off x="9951522" y="5516096"/>
+              <a:ext cx="449283" cy="0"/>
+            </a:xfrm>
+            <a:prstGeom prst="line">
+              <a:avLst/>
+            </a:prstGeom>
+            <a:ln/>
+          </p:spPr>
+          <p:style>
+            <a:lnRef idx="2">
+              <a:schemeClr val="accent1"/>
+            </a:lnRef>
+            <a:fillRef idx="1">
+              <a:schemeClr val="lt1"/>
+            </a:fillRef>
+            <a:effectRef idx="0">
+              <a:schemeClr val="accent1"/>
+            </a:effectRef>
+            <a:fontRef idx="minor">
+              <a:schemeClr val="dk1"/>
+            </a:fontRef>
+          </p:style>
+        </p:cxnSp>
+      </p:grpSp>
+      <p:grpSp>
+        <p:nvGrpSpPr>
+          <p:cNvPr id="28" name="Group 27"/>
+          <p:cNvGrpSpPr/>
+          <p:nvPr/>
+        </p:nvGrpSpPr>
+        <p:grpSpPr>
+          <a:xfrm>
+            <a:off x="5527131" y="2004180"/>
+            <a:ext cx="967788" cy="861520"/>
+            <a:chOff x="9023268" y="3823855"/>
+            <a:chExt cx="2361209" cy="1959436"/>
+          </a:xfrm>
+        </p:grpSpPr>
+        <p:sp>
+          <p:nvSpPr>
+            <p:cNvPr id="29" name="Triangle 28"/>
+            <p:cNvSpPr/>
+            <p:nvPr/>
+          </p:nvSpPr>
+          <p:spPr>
+            <a:xfrm rot="10800000">
+              <a:off x="10169235" y="4819910"/>
+              <a:ext cx="1033153" cy="801584"/>
+            </a:xfrm>
+            <a:prstGeom prst="triangle">
+              <a:avLst/>
+            </a:prstGeom>
+          </p:spPr>
+          <p:style>
+            <a:lnRef idx="2">
+              <a:schemeClr val="accent1"/>
+            </a:lnRef>
+            <a:fillRef idx="1">
+              <a:schemeClr val="lt1"/>
+            </a:fillRef>
+            <a:effectRef idx="0">
+              <a:schemeClr val="accent1"/>
+            </a:effectRef>
+            <a:fontRef idx="minor">
+              <a:schemeClr val="dk1"/>
+            </a:fontRef>
+          </p:style>
+          <p:txBody>
+            <a:bodyPr rtlCol="0" anchor="ctr"/>
+            <a:lstStyle/>
+            <a:p>
+              <a:pPr algn="ctr"/>
+              <a:endParaRPr lang="en-US"/>
+            </a:p>
+          </p:txBody>
+        </p:sp>
+        <p:sp>
+          <p:nvSpPr>
+            <p:cNvPr id="30" name="Triangle 29"/>
+            <p:cNvSpPr/>
+            <p:nvPr/>
+          </p:nvSpPr>
+          <p:spPr>
+            <a:xfrm rot="10800000">
+              <a:off x="9195459" y="4819909"/>
+              <a:ext cx="1033153" cy="740717"/>
+            </a:xfrm>
+            <a:prstGeom prst="triangle">
+              <a:avLst/>
+            </a:prstGeom>
+          </p:spPr>
+          <p:style>
+            <a:lnRef idx="2">
+              <a:schemeClr val="accent1"/>
+            </a:lnRef>
+            <a:fillRef idx="1">
+              <a:schemeClr val="lt1"/>
+            </a:fillRef>
+            <a:effectRef idx="0">
+              <a:schemeClr val="accent1"/>
+            </a:effectRef>
+            <a:fontRef idx="minor">
+              <a:schemeClr val="dk1"/>
+            </a:fontRef>
+          </p:style>
+          <p:txBody>
+            <a:bodyPr rtlCol="0" anchor="ctr"/>
+            <a:lstStyle/>
+            <a:p>
+              <a:pPr algn="ctr"/>
+              <a:endParaRPr lang="en-US"/>
+            </a:p>
+          </p:txBody>
+        </p:sp>
+        <p:sp>
+          <p:nvSpPr>
+            <p:cNvPr id="31" name="Triangle 30"/>
+            <p:cNvSpPr/>
+            <p:nvPr/>
+          </p:nvSpPr>
+          <p:spPr>
+            <a:xfrm>
+              <a:off x="10151423" y="4082148"/>
+              <a:ext cx="1033153" cy="801584"/>
+            </a:xfrm>
+            <a:prstGeom prst="triangle">
+              <a:avLst/>
+            </a:prstGeom>
+          </p:spPr>
+          <p:style>
+            <a:lnRef idx="2">
+              <a:schemeClr val="accent1"/>
+            </a:lnRef>
+            <a:fillRef idx="1">
+              <a:schemeClr val="lt1"/>
+            </a:fillRef>
+            <a:effectRef idx="0">
+              <a:schemeClr val="accent1"/>
+            </a:effectRef>
+            <a:fontRef idx="minor">
+              <a:schemeClr val="dk1"/>
+            </a:fontRef>
+          </p:style>
+          <p:txBody>
+            <a:bodyPr rtlCol="0" anchor="ctr"/>
+            <a:lstStyle/>
+            <a:p>
+              <a:pPr algn="ctr"/>
+              <a:endParaRPr lang="en-US"/>
+            </a:p>
+          </p:txBody>
+        </p:sp>
+        <p:sp>
+          <p:nvSpPr>
+            <p:cNvPr id="32" name="Triangle 31"/>
+            <p:cNvSpPr/>
+            <p:nvPr/>
+          </p:nvSpPr>
+          <p:spPr>
+            <a:xfrm>
+              <a:off x="9203377" y="4091050"/>
+              <a:ext cx="1033153" cy="801584"/>
+            </a:xfrm>
+            <a:prstGeom prst="triangle">
+              <a:avLst/>
+            </a:prstGeom>
+          </p:spPr>
+          <p:style>
+            <a:lnRef idx="2">
+              <a:schemeClr val="accent1"/>
+            </a:lnRef>
+            <a:fillRef idx="1">
+              <a:schemeClr val="lt1"/>
+            </a:fillRef>
+            <a:effectRef idx="0">
+              <a:schemeClr val="accent1"/>
+            </a:effectRef>
+            <a:fontRef idx="minor">
+              <a:schemeClr val="dk1"/>
+            </a:fontRef>
+          </p:style>
+          <p:txBody>
+            <a:bodyPr rtlCol="0" anchor="ctr"/>
+            <a:lstStyle/>
+            <a:p>
+              <a:pPr algn="ctr"/>
+              <a:endParaRPr lang="en-US"/>
+            </a:p>
+          </p:txBody>
+        </p:sp>
+        <p:sp>
+          <p:nvSpPr>
+            <p:cNvPr id="33" name="Oval 32"/>
+            <p:cNvSpPr/>
+            <p:nvPr/>
+          </p:nvSpPr>
+          <p:spPr>
+            <a:xfrm>
+              <a:off x="9417132" y="3823855"/>
+              <a:ext cx="534390" cy="534390"/>
+            </a:xfrm>
+            <a:prstGeom prst="ellipse">
+              <a:avLst/>
+            </a:prstGeom>
+          </p:spPr>
+          <p:style>
+            <a:lnRef idx="2">
+              <a:schemeClr val="accent1"/>
+            </a:lnRef>
+            <a:fillRef idx="1">
+              <a:schemeClr val="lt1"/>
+            </a:fillRef>
+            <a:effectRef idx="0">
+              <a:schemeClr val="accent1"/>
+            </a:effectRef>
+            <a:fontRef idx="minor">
+              <a:schemeClr val="dk1"/>
+            </a:fontRef>
+          </p:style>
+          <p:txBody>
+            <a:bodyPr rtlCol="0" anchor="ctr"/>
+            <a:lstStyle/>
+            <a:p>
+              <a:pPr algn="ctr"/>
+              <a:endParaRPr lang="en-US"/>
+            </a:p>
+          </p:txBody>
+        </p:sp>
+        <p:sp>
+          <p:nvSpPr>
+            <p:cNvPr id="34" name="Oval 33"/>
+            <p:cNvSpPr/>
+            <p:nvPr/>
+          </p:nvSpPr>
+          <p:spPr>
+            <a:xfrm>
+              <a:off x="9866415" y="4536378"/>
+              <a:ext cx="534390" cy="534390"/>
+            </a:xfrm>
+            <a:prstGeom prst="ellipse">
+              <a:avLst/>
+            </a:prstGeom>
+          </p:spPr>
+          <p:style>
+            <a:lnRef idx="2">
+              <a:schemeClr val="accent1"/>
+            </a:lnRef>
+            <a:fillRef idx="1">
+              <a:schemeClr val="lt1"/>
+            </a:fillRef>
+            <a:effectRef idx="0">
+              <a:schemeClr val="accent1"/>
+            </a:effectRef>
+            <a:fontRef idx="minor">
+              <a:schemeClr val="dk1"/>
+            </a:fontRef>
+          </p:style>
+          <p:txBody>
+            <a:bodyPr rtlCol="0" anchor="ctr"/>
+            <a:lstStyle/>
+            <a:p>
+              <a:pPr algn="ctr"/>
+              <a:endParaRPr lang="en-US"/>
+            </a:p>
+          </p:txBody>
+        </p:sp>
+        <p:sp>
+          <p:nvSpPr>
+            <p:cNvPr id="35" name="Oval 34"/>
+            <p:cNvSpPr/>
+            <p:nvPr/>
+          </p:nvSpPr>
+          <p:spPr>
+            <a:xfrm>
+              <a:off x="10400805" y="3823855"/>
+              <a:ext cx="534390" cy="534390"/>
+            </a:xfrm>
+            <a:prstGeom prst="ellipse">
+              <a:avLst/>
+            </a:prstGeom>
+          </p:spPr>
+          <p:style>
+            <a:lnRef idx="2">
+              <a:schemeClr val="accent1"/>
+            </a:lnRef>
+            <a:fillRef idx="1">
+              <a:schemeClr val="lt1"/>
+            </a:fillRef>
+            <a:effectRef idx="0">
+              <a:schemeClr val="accent1"/>
+            </a:effectRef>
+            <a:fontRef idx="minor">
+              <a:schemeClr val="dk1"/>
+            </a:fontRef>
+          </p:style>
+          <p:txBody>
+            <a:bodyPr rtlCol="0" anchor="ctr"/>
+            <a:lstStyle/>
+            <a:p>
+              <a:pPr algn="ctr"/>
+              <a:endParaRPr lang="en-US"/>
+            </a:p>
+          </p:txBody>
+        </p:sp>
+        <p:sp>
+          <p:nvSpPr>
+            <p:cNvPr id="36" name="Oval 35"/>
+            <p:cNvSpPr/>
+            <p:nvPr/>
+          </p:nvSpPr>
+          <p:spPr>
+            <a:xfrm>
+              <a:off x="10850087" y="4536378"/>
+              <a:ext cx="534390" cy="534390"/>
+            </a:xfrm>
+            <a:prstGeom prst="ellipse">
+              <a:avLst/>
+            </a:prstGeom>
+          </p:spPr>
+          <p:style>
+            <a:lnRef idx="2">
+              <a:schemeClr val="accent1"/>
+            </a:lnRef>
+            <a:fillRef idx="1">
+              <a:schemeClr val="lt1"/>
+            </a:fillRef>
+            <a:effectRef idx="0">
+              <a:schemeClr val="accent1"/>
+            </a:effectRef>
+            <a:fontRef idx="minor">
+              <a:schemeClr val="dk1"/>
+            </a:fontRef>
+          </p:style>
+          <p:txBody>
+            <a:bodyPr rtlCol="0" anchor="ctr"/>
+            <a:lstStyle/>
+            <a:p>
+              <a:pPr algn="ctr"/>
+              <a:endParaRPr lang="en-US"/>
+            </a:p>
+          </p:txBody>
+        </p:sp>
+        <p:sp>
+          <p:nvSpPr>
+            <p:cNvPr id="37" name="Oval 36"/>
+            <p:cNvSpPr/>
+            <p:nvPr/>
+          </p:nvSpPr>
+          <p:spPr>
+            <a:xfrm>
+              <a:off x="10400805" y="5248901"/>
+              <a:ext cx="534390" cy="534390"/>
+            </a:xfrm>
+            <a:prstGeom prst="ellipse">
+              <a:avLst/>
+            </a:prstGeom>
+          </p:spPr>
+          <p:style>
+            <a:lnRef idx="2">
+              <a:schemeClr val="accent1"/>
+            </a:lnRef>
+            <a:fillRef idx="1">
+              <a:schemeClr val="lt1"/>
+            </a:fillRef>
+            <a:effectRef idx="0">
+              <a:schemeClr val="accent1"/>
+            </a:effectRef>
+            <a:fontRef idx="minor">
+              <a:schemeClr val="dk1"/>
+            </a:fontRef>
+          </p:style>
+          <p:txBody>
+            <a:bodyPr rtlCol="0" anchor="ctr"/>
+            <a:lstStyle/>
+            <a:p>
+              <a:pPr algn="ctr"/>
+              <a:endParaRPr lang="en-US"/>
+            </a:p>
+          </p:txBody>
+        </p:sp>
+        <p:sp>
+          <p:nvSpPr>
+            <p:cNvPr id="38" name="Oval 37"/>
+            <p:cNvSpPr/>
+            <p:nvPr/>
+          </p:nvSpPr>
+          <p:spPr>
+            <a:xfrm>
+              <a:off x="9417132" y="5248901"/>
+              <a:ext cx="534390" cy="534390"/>
+            </a:xfrm>
+            <a:prstGeom prst="ellipse">
+              <a:avLst/>
+            </a:prstGeom>
+          </p:spPr>
+          <p:style>
+            <a:lnRef idx="2">
+              <a:schemeClr val="accent1"/>
+            </a:lnRef>
+            <a:fillRef idx="1">
+              <a:schemeClr val="lt1"/>
+            </a:fillRef>
+            <a:effectRef idx="0">
+              <a:schemeClr val="accent1"/>
+            </a:effectRef>
+            <a:fontRef idx="minor">
+              <a:schemeClr val="dk1"/>
+            </a:fontRef>
+          </p:style>
+          <p:txBody>
+            <a:bodyPr rtlCol="0" anchor="ctr"/>
+            <a:lstStyle/>
+            <a:p>
+              <a:pPr algn="ctr"/>
+              <a:endParaRPr lang="en-US"/>
+            </a:p>
+          </p:txBody>
+        </p:sp>
+        <p:sp>
+          <p:nvSpPr>
+            <p:cNvPr id="39" name="Oval 38"/>
+            <p:cNvSpPr/>
+            <p:nvPr/>
+          </p:nvSpPr>
+          <p:spPr>
+            <a:xfrm>
+              <a:off x="9023268" y="4536378"/>
+              <a:ext cx="534390" cy="534390"/>
+            </a:xfrm>
+            <a:prstGeom prst="ellipse">
+              <a:avLst/>
+            </a:prstGeom>
+          </p:spPr>
+          <p:style>
+            <a:lnRef idx="2">
+              <a:schemeClr val="accent1"/>
+            </a:lnRef>
+            <a:fillRef idx="1">
+              <a:schemeClr val="lt1"/>
+            </a:fillRef>
+            <a:effectRef idx="0">
+              <a:schemeClr val="accent1"/>
+            </a:effectRef>
+            <a:fontRef idx="minor">
+              <a:schemeClr val="dk1"/>
+            </a:fontRef>
+          </p:style>
+          <p:txBody>
+            <a:bodyPr rtlCol="0" anchor="ctr"/>
+            <a:lstStyle/>
+            <a:p>
+              <a:pPr algn="ctr"/>
+              <a:endParaRPr lang="en-US"/>
+            </a:p>
+          </p:txBody>
+        </p:sp>
+        <p:cxnSp>
+          <p:nvCxnSpPr>
+            <p:cNvPr id="40" name="Straight Connector 39"/>
+            <p:cNvCxnSpPr>
+              <a:stCxn id="32" idx="6"/>
+              <a:endCxn id="35" idx="2"/>
+            </p:cNvCxnSpPr>
+            <p:nvPr/>
+          </p:nvCxnSpPr>
+          <p:spPr>
+            <a:xfrm>
+              <a:off x="9951522" y="4091050"/>
+              <a:ext cx="449283" cy="0"/>
+            </a:xfrm>
+            <a:prstGeom prst="line">
+              <a:avLst/>
+            </a:prstGeom>
+            <a:ln/>
+          </p:spPr>
+          <p:style>
+            <a:lnRef idx="2">
+              <a:schemeClr val="accent1"/>
+            </a:lnRef>
+            <a:fillRef idx="1">
+              <a:schemeClr val="lt1"/>
+            </a:fillRef>
+            <a:effectRef idx="0">
+              <a:schemeClr val="accent1"/>
+            </a:effectRef>
+            <a:fontRef idx="minor">
+              <a:schemeClr val="dk1"/>
+            </a:fontRef>
+          </p:style>
+        </p:cxnSp>
+        <p:cxnSp>
+          <p:nvCxnSpPr>
+            <p:cNvPr id="41" name="Straight Connector 40"/>
+            <p:cNvCxnSpPr>
+              <a:stCxn id="38" idx="6"/>
+              <a:endCxn id="37" idx="2"/>
+            </p:cNvCxnSpPr>
+            <p:nvPr/>
+          </p:nvCxnSpPr>
+          <p:spPr>
+            <a:xfrm>
+              <a:off x="9951522" y="5516096"/>
+              <a:ext cx="449283" cy="0"/>
+            </a:xfrm>
+            <a:prstGeom prst="line">
+              <a:avLst/>
+            </a:prstGeom>
+            <a:ln/>
+          </p:spPr>
+          <p:style>
+            <a:lnRef idx="2">
+              <a:schemeClr val="accent1"/>
+            </a:lnRef>
+            <a:fillRef idx="1">
+              <a:schemeClr val="lt1"/>
+            </a:fillRef>
+            <a:effectRef idx="0">
+              <a:schemeClr val="accent1"/>
+            </a:effectRef>
+            <a:fontRef idx="minor">
+              <a:schemeClr val="dk1"/>
+            </a:fontRef>
+          </p:style>
+        </p:cxnSp>
+      </p:grpSp>
+      <p:grpSp>
+        <p:nvGrpSpPr>
+          <p:cNvPr id="121" name="Group 120"/>
+          <p:cNvGrpSpPr/>
+          <p:nvPr/>
+        </p:nvGrpSpPr>
+        <p:grpSpPr>
+          <a:xfrm>
+            <a:off x="4380729" y="4318374"/>
+            <a:ext cx="945007" cy="879193"/>
+            <a:chOff x="9023268" y="3823855"/>
+            <a:chExt cx="2361209" cy="1959436"/>
+          </a:xfrm>
+        </p:grpSpPr>
+        <p:sp>
+          <p:nvSpPr>
+            <p:cNvPr id="122" name="Triangle 121"/>
+            <p:cNvSpPr/>
+            <p:nvPr/>
+          </p:nvSpPr>
+          <p:spPr>
+            <a:xfrm rot="10800000">
+              <a:off x="10169235" y="4819910"/>
+              <a:ext cx="1033153" cy="801584"/>
+            </a:xfrm>
+            <a:prstGeom prst="triangle">
+              <a:avLst/>
+            </a:prstGeom>
+          </p:spPr>
+          <p:style>
+            <a:lnRef idx="2">
+              <a:schemeClr val="accent1"/>
+            </a:lnRef>
+            <a:fillRef idx="1">
+              <a:schemeClr val="lt1"/>
+            </a:fillRef>
+            <a:effectRef idx="0">
+              <a:schemeClr val="accent1"/>
+            </a:effectRef>
+            <a:fontRef idx="minor">
+              <a:schemeClr val="dk1"/>
+            </a:fontRef>
+          </p:style>
+          <p:txBody>
+            <a:bodyPr rtlCol="0" anchor="ctr"/>
+            <a:lstStyle/>
+            <a:p>
+              <a:pPr algn="ctr"/>
+              <a:endParaRPr lang="en-US"/>
+            </a:p>
+          </p:txBody>
+        </p:sp>
+        <p:sp>
+          <p:nvSpPr>
+            <p:cNvPr id="123" name="Triangle 122"/>
+            <p:cNvSpPr/>
+            <p:nvPr/>
+          </p:nvSpPr>
+          <p:spPr>
+            <a:xfrm rot="10800000">
+              <a:off x="9195459" y="4819909"/>
+              <a:ext cx="1033153" cy="740717"/>
+            </a:xfrm>
+            <a:prstGeom prst="triangle">
+              <a:avLst/>
+            </a:prstGeom>
+          </p:spPr>
+          <p:style>
+            <a:lnRef idx="2">
+              <a:schemeClr val="accent1"/>
+            </a:lnRef>
+            <a:fillRef idx="1">
+              <a:schemeClr val="lt1"/>
+            </a:fillRef>
+            <a:effectRef idx="0">
+              <a:schemeClr val="accent1"/>
+            </a:effectRef>
+            <a:fontRef idx="minor">
+              <a:schemeClr val="dk1"/>
+            </a:fontRef>
+          </p:style>
+          <p:txBody>
+            <a:bodyPr rtlCol="0" anchor="ctr"/>
+            <a:lstStyle/>
+            <a:p>
+              <a:pPr algn="ctr"/>
+              <a:endParaRPr lang="en-US"/>
+            </a:p>
+          </p:txBody>
+        </p:sp>
+        <p:sp>
+          <p:nvSpPr>
+            <p:cNvPr id="124" name="Triangle 123"/>
+            <p:cNvSpPr/>
+            <p:nvPr/>
+          </p:nvSpPr>
+          <p:spPr>
+            <a:xfrm>
+              <a:off x="10151423" y="4082148"/>
+              <a:ext cx="1033153" cy="801584"/>
+            </a:xfrm>
+            <a:prstGeom prst="triangle">
+              <a:avLst/>
+            </a:prstGeom>
+          </p:spPr>
+          <p:style>
+            <a:lnRef idx="2">
+              <a:schemeClr val="accent1"/>
+            </a:lnRef>
+            <a:fillRef idx="1">
+              <a:schemeClr val="lt1"/>
+            </a:fillRef>
+            <a:effectRef idx="0">
+              <a:schemeClr val="accent1"/>
+            </a:effectRef>
+            <a:fontRef idx="minor">
+              <a:schemeClr val="dk1"/>
+            </a:fontRef>
+          </p:style>
+          <p:txBody>
+            <a:bodyPr rtlCol="0" anchor="ctr"/>
+            <a:lstStyle/>
+            <a:p>
+              <a:pPr algn="ctr"/>
+              <a:endParaRPr lang="en-US"/>
+            </a:p>
+          </p:txBody>
+        </p:sp>
+        <p:sp>
+          <p:nvSpPr>
+            <p:cNvPr id="125" name="Triangle 124"/>
+            <p:cNvSpPr/>
+            <p:nvPr/>
+          </p:nvSpPr>
+          <p:spPr>
+            <a:xfrm>
+              <a:off x="9203377" y="4091050"/>
+              <a:ext cx="1033153" cy="801584"/>
+            </a:xfrm>
+            <a:prstGeom prst="triangle">
+              <a:avLst/>
+            </a:prstGeom>
+          </p:spPr>
+          <p:style>
+            <a:lnRef idx="2">
+              <a:schemeClr val="accent1"/>
+            </a:lnRef>
+            <a:fillRef idx="1">
+              <a:schemeClr val="lt1"/>
+            </a:fillRef>
+            <a:effectRef idx="0">
+              <a:schemeClr val="accent1"/>
+            </a:effectRef>
+            <a:fontRef idx="minor">
+              <a:schemeClr val="dk1"/>
+            </a:fontRef>
+          </p:style>
+          <p:txBody>
+            <a:bodyPr rtlCol="0" anchor="ctr"/>
+            <a:lstStyle/>
+            <a:p>
+              <a:pPr algn="ctr"/>
+              <a:endParaRPr lang="en-US"/>
+            </a:p>
+          </p:txBody>
+        </p:sp>
+        <p:sp>
+          <p:nvSpPr>
+            <p:cNvPr id="126" name="Oval 125"/>
+            <p:cNvSpPr/>
+            <p:nvPr/>
+          </p:nvSpPr>
+          <p:spPr>
+            <a:xfrm>
+              <a:off x="9417132" y="3823855"/>
+              <a:ext cx="534390" cy="534390"/>
+            </a:xfrm>
+            <a:prstGeom prst="ellipse">
+              <a:avLst/>
+            </a:prstGeom>
+          </p:spPr>
+          <p:style>
+            <a:lnRef idx="2">
+              <a:schemeClr val="accent1"/>
+            </a:lnRef>
+            <a:fillRef idx="1">
+              <a:schemeClr val="lt1"/>
+            </a:fillRef>
+            <a:effectRef idx="0">
+              <a:schemeClr val="accent1"/>
+            </a:effectRef>
+            <a:fontRef idx="minor">
+              <a:schemeClr val="dk1"/>
+            </a:fontRef>
+          </p:style>
+          <p:txBody>
+            <a:bodyPr rtlCol="0" anchor="ctr"/>
+            <a:lstStyle/>
+            <a:p>
+              <a:pPr algn="ctr"/>
+              <a:endParaRPr lang="en-US"/>
+            </a:p>
+          </p:txBody>
+        </p:sp>
+        <p:sp>
+          <p:nvSpPr>
+            <p:cNvPr id="127" name="Oval 126"/>
+            <p:cNvSpPr/>
+            <p:nvPr/>
+          </p:nvSpPr>
+          <p:spPr>
+            <a:xfrm>
+              <a:off x="9866415" y="4536378"/>
+              <a:ext cx="534390" cy="534390"/>
+            </a:xfrm>
+            <a:prstGeom prst="ellipse">
+              <a:avLst/>
+            </a:prstGeom>
+          </p:spPr>
+          <p:style>
+            <a:lnRef idx="2">
+              <a:schemeClr val="accent1"/>
+            </a:lnRef>
+            <a:fillRef idx="1">
+              <a:schemeClr val="lt1"/>
+            </a:fillRef>
+            <a:effectRef idx="0">
+              <a:schemeClr val="accent1"/>
+            </a:effectRef>
+            <a:fontRef idx="minor">
+              <a:schemeClr val="dk1"/>
+            </a:fontRef>
+          </p:style>
+          <p:txBody>
+            <a:bodyPr rtlCol="0" anchor="ctr"/>
+            <a:lstStyle/>
+            <a:p>
+              <a:pPr algn="ctr"/>
+              <a:endParaRPr lang="en-US"/>
+            </a:p>
+          </p:txBody>
+        </p:sp>
+        <p:sp>
+          <p:nvSpPr>
+            <p:cNvPr id="128" name="Oval 127"/>
+            <p:cNvSpPr/>
+            <p:nvPr/>
+          </p:nvSpPr>
+          <p:spPr>
+            <a:xfrm>
+              <a:off x="10400805" y="3823855"/>
+              <a:ext cx="534390" cy="534390"/>
+            </a:xfrm>
+            <a:prstGeom prst="ellipse">
+              <a:avLst/>
+            </a:prstGeom>
+          </p:spPr>
+          <p:style>
+            <a:lnRef idx="2">
+              <a:schemeClr val="accent1"/>
+            </a:lnRef>
+            <a:fillRef idx="1">
+              <a:schemeClr val="lt1"/>
+            </a:fillRef>
+            <a:effectRef idx="0">
+              <a:schemeClr val="accent1"/>
+            </a:effectRef>
+            <a:fontRef idx="minor">
+              <a:schemeClr val="dk1"/>
+            </a:fontRef>
+          </p:style>
+          <p:txBody>
+            <a:bodyPr rtlCol="0" anchor="ctr"/>
+            <a:lstStyle/>
+            <a:p>
+              <a:pPr algn="ctr"/>
+              <a:endParaRPr lang="en-US"/>
+            </a:p>
+          </p:txBody>
+        </p:sp>
+        <p:sp>
+          <p:nvSpPr>
+            <p:cNvPr id="129" name="Oval 128"/>
+            <p:cNvSpPr/>
+            <p:nvPr/>
+          </p:nvSpPr>
+          <p:spPr>
+            <a:xfrm>
+              <a:off x="10850087" y="4536378"/>
+              <a:ext cx="534390" cy="534390"/>
+            </a:xfrm>
+            <a:prstGeom prst="ellipse">
+              <a:avLst/>
+            </a:prstGeom>
+          </p:spPr>
+          <p:style>
+            <a:lnRef idx="2">
+              <a:schemeClr val="accent1"/>
+            </a:lnRef>
+            <a:fillRef idx="1">
+              <a:schemeClr val="lt1"/>
+            </a:fillRef>
+            <a:effectRef idx="0">
+              <a:schemeClr val="accent1"/>
+            </a:effectRef>
+            <a:fontRef idx="minor">
+              <a:schemeClr val="dk1"/>
+            </a:fontRef>
+          </p:style>
+          <p:txBody>
+            <a:bodyPr rtlCol="0" anchor="ctr"/>
+            <a:lstStyle/>
+            <a:p>
+              <a:pPr algn="ctr"/>
+              <a:endParaRPr lang="en-US"/>
+            </a:p>
+          </p:txBody>
+        </p:sp>
+        <p:sp>
+          <p:nvSpPr>
+            <p:cNvPr id="130" name="Oval 129"/>
+            <p:cNvSpPr/>
+            <p:nvPr/>
+          </p:nvSpPr>
+          <p:spPr>
+            <a:xfrm>
+              <a:off x="10400805" y="5248901"/>
+              <a:ext cx="534390" cy="534390"/>
+            </a:xfrm>
+            <a:prstGeom prst="ellipse">
+              <a:avLst/>
+            </a:prstGeom>
+          </p:spPr>
+          <p:style>
+            <a:lnRef idx="2">
+              <a:schemeClr val="accent1"/>
+            </a:lnRef>
+            <a:fillRef idx="1">
+              <a:schemeClr val="lt1"/>
+            </a:fillRef>
+            <a:effectRef idx="0">
+              <a:schemeClr val="accent1"/>
+            </a:effectRef>
+            <a:fontRef idx="minor">
+              <a:schemeClr val="dk1"/>
+            </a:fontRef>
+          </p:style>
+          <p:txBody>
+            <a:bodyPr rtlCol="0" anchor="ctr"/>
+            <a:lstStyle/>
+            <a:p>
+              <a:pPr algn="ctr"/>
+              <a:endParaRPr lang="en-US"/>
+            </a:p>
+          </p:txBody>
+        </p:sp>
+        <p:sp>
+          <p:nvSpPr>
+            <p:cNvPr id="131" name="Oval 130"/>
+            <p:cNvSpPr/>
+            <p:nvPr/>
+          </p:nvSpPr>
+          <p:spPr>
+            <a:xfrm>
+              <a:off x="9417132" y="5248901"/>
+              <a:ext cx="534390" cy="534390"/>
+            </a:xfrm>
+            <a:prstGeom prst="ellipse">
+              <a:avLst/>
+            </a:prstGeom>
+          </p:spPr>
+          <p:style>
+            <a:lnRef idx="2">
+              <a:schemeClr val="accent1"/>
+            </a:lnRef>
+            <a:fillRef idx="1">
+              <a:schemeClr val="lt1"/>
+            </a:fillRef>
+            <a:effectRef idx="0">
+              <a:schemeClr val="accent1"/>
+            </a:effectRef>
+            <a:fontRef idx="minor">
+              <a:schemeClr val="dk1"/>
+            </a:fontRef>
+          </p:style>
+          <p:txBody>
+            <a:bodyPr rtlCol="0" anchor="ctr"/>
+            <a:lstStyle/>
+            <a:p>
+              <a:pPr algn="ctr"/>
+              <a:endParaRPr lang="en-US"/>
+            </a:p>
+          </p:txBody>
+        </p:sp>
+        <p:sp>
+          <p:nvSpPr>
+            <p:cNvPr id="132" name="Oval 131"/>
+            <p:cNvSpPr/>
+            <p:nvPr/>
+          </p:nvSpPr>
+          <p:spPr>
+            <a:xfrm>
+              <a:off x="9023268" y="4536378"/>
+              <a:ext cx="534390" cy="534390"/>
+            </a:xfrm>
+            <a:prstGeom prst="ellipse">
+              <a:avLst/>
+            </a:prstGeom>
+          </p:spPr>
+          <p:style>
+            <a:lnRef idx="2">
+              <a:schemeClr val="accent1"/>
+            </a:lnRef>
+            <a:fillRef idx="1">
+              <a:schemeClr val="lt1"/>
+            </a:fillRef>
+            <a:effectRef idx="0">
+              <a:schemeClr val="accent1"/>
+            </a:effectRef>
+            <a:fontRef idx="minor">
+              <a:schemeClr val="dk1"/>
+            </a:fontRef>
+          </p:style>
+          <p:txBody>
+            <a:bodyPr rtlCol="0" anchor="ctr"/>
+            <a:lstStyle/>
+            <a:p>
+              <a:pPr algn="ctr"/>
+              <a:endParaRPr lang="en-US"/>
+            </a:p>
+          </p:txBody>
+        </p:sp>
+        <p:cxnSp>
+          <p:nvCxnSpPr>
+            <p:cNvPr id="133" name="Straight Connector 132"/>
+            <p:cNvCxnSpPr>
+              <a:stCxn id="125" idx="6"/>
+              <a:endCxn id="128" idx="2"/>
+            </p:cNvCxnSpPr>
+            <p:nvPr/>
+          </p:nvCxnSpPr>
+          <p:spPr>
+            <a:xfrm>
+              <a:off x="9951522" y="4091050"/>
+              <a:ext cx="449283" cy="0"/>
+            </a:xfrm>
+            <a:prstGeom prst="line">
+              <a:avLst/>
+            </a:prstGeom>
+            <a:ln/>
+          </p:spPr>
+          <p:style>
+            <a:lnRef idx="2">
+              <a:schemeClr val="accent1"/>
+            </a:lnRef>
+            <a:fillRef idx="1">
+              <a:schemeClr val="lt1"/>
+            </a:fillRef>
+            <a:effectRef idx="0">
+              <a:schemeClr val="accent1"/>
+            </a:effectRef>
+            <a:fontRef idx="minor">
+              <a:schemeClr val="dk1"/>
+            </a:fontRef>
+          </p:style>
+        </p:cxnSp>
+        <p:cxnSp>
+          <p:nvCxnSpPr>
+            <p:cNvPr id="134" name="Straight Connector 133"/>
+            <p:cNvCxnSpPr>
+              <a:stCxn id="131" idx="6"/>
+              <a:endCxn id="130" idx="2"/>
+            </p:cNvCxnSpPr>
+            <p:nvPr/>
+          </p:nvCxnSpPr>
+          <p:spPr>
+            <a:xfrm>
+              <a:off x="9951522" y="5516096"/>
+              <a:ext cx="449283" cy="0"/>
+            </a:xfrm>
+            <a:prstGeom prst="line">
+              <a:avLst/>
+            </a:prstGeom>
+            <a:ln/>
+          </p:spPr>
+          <p:style>
+            <a:lnRef idx="2">
+              <a:schemeClr val="accent1"/>
+            </a:lnRef>
+            <a:fillRef idx="1">
+              <a:schemeClr val="lt1"/>
+            </a:fillRef>
+            <a:effectRef idx="0">
+              <a:schemeClr val="accent1"/>
+            </a:effectRef>
+            <a:fontRef idx="minor">
+              <a:schemeClr val="dk1"/>
+            </a:fontRef>
+          </p:style>
+        </p:cxnSp>
+      </p:grpSp>
+      <p:cxnSp>
+        <p:nvCxnSpPr>
+          <p:cNvPr id="138" name="Straight Arrow Connector 137"/>
+          <p:cNvCxnSpPr/>
+          <p:nvPr/>
+        </p:nvCxnSpPr>
+        <p:spPr>
+          <a:xfrm>
+            <a:off x="1351603" y="2613296"/>
+            <a:ext cx="831616" cy="449289"/>
+          </a:xfrm>
+          <a:prstGeom prst="straightConnector1">
+            <a:avLst/>
+          </a:prstGeom>
+          <a:ln>
+            <a:tailEnd type="triangle"/>
+          </a:ln>
+        </p:spPr>
+        <p:style>
+          <a:lnRef idx="1">
+            <a:schemeClr val="accent1"/>
+          </a:lnRef>
+          <a:fillRef idx="0">
+            <a:schemeClr val="accent1"/>
+          </a:fillRef>
+          <a:effectRef idx="0">
+            <a:schemeClr val="accent1"/>
+          </a:effectRef>
+          <a:fontRef idx="minor">
+            <a:schemeClr val="tx1"/>
+          </a:fontRef>
+        </p:style>
+      </p:cxnSp>
+      <p:graphicFrame>
+        <p:nvGraphicFramePr>
+          <p:cNvPr id="3" name="Diagram 2"/>
+          <p:cNvGraphicFramePr/>
+          <p:nvPr>
+            <p:extLst>
+              <p:ext uri="{D42A27DB-BD31-4B8C-83A1-F6EECF244321}">
+                <p14:modId xmlns:p14="http://schemas.microsoft.com/office/powerpoint/2010/main" val="1497102303"/>
+              </p:ext>
+            </p:extLst>
+          </p:nvPr>
+        </p:nvGraphicFramePr>
+        <p:xfrm>
+          <a:off x="2032000" y="719666"/>
+          <a:ext cx="8128000" cy="5418667"/>
+        </p:xfrm>
+        <a:graphic>
+          <a:graphicData uri="http://schemas.openxmlformats.org/drawingml/2006/diagram">
+            <dgm:relIds xmlns:dgm="http://schemas.openxmlformats.org/drawingml/2006/diagram" xmlns:r="http://schemas.openxmlformats.org/officeDocument/2006/relationships" r:dm="rId2" r:lo="rId3" r:qs="rId4" r:cs="rId5"/>
+          </a:graphicData>
+        </a:graphic>
+      </p:graphicFrame>
+    </p:spTree>
+    <p:extLst>
+      <p:ext uri="{BB962C8B-B14F-4D97-AF65-F5344CB8AC3E}">
+        <p14:creationId xmlns:p14="http://schemas.microsoft.com/office/powerpoint/2010/main" val="1486709677"/>
+      </p:ext>
+    </p:extLst>
+  </p:cSld>
+  <p:clrMapOvr>
+    <a:masterClrMapping/>
+  </p:clrMapOvr>
+  <p:timing>
+    <p:tnLst>
+      <p:par>
+        <p:cTn id="1" dur="indefinite" restart="never" nodeType="tmRoot"/>
+      </p:par>
+    </p:tnLst>
+  </p:timing>
+</p:sld>
+</file>
+
+<file path=ppt/slides/slide3.xml><?xml version="1.0" encoding="utf-8"?>
+<p:sld xmlns:a="http://schemas.openxmlformats.org/drawingml/2006/main" xmlns:r="http://schemas.openxmlformats.org/officeDocument/2006/relationships" xmlns:p="http://schemas.openxmlformats.org/presentationml/2006/main">
+  <p:cSld>
+    <p:spTree>
+      <p:nvGrpSpPr>
+        <p:cNvPr id="1" name=""/>
+        <p:cNvGrpSpPr/>
+        <p:nvPr/>
+      </p:nvGrpSpPr>
+      <p:grpSpPr>
+        <a:xfrm>
+          <a:off x="0" y="0"/>
+          <a:ext cx="0" cy="0"/>
+          <a:chOff x="0" y="0"/>
+          <a:chExt cx="0" cy="0"/>
+        </a:xfrm>
+      </p:grpSpPr>
+      <p:sp>
+        <p:nvSpPr>
           <p:cNvPr id="4" name="Rectangle 3"/>
           <p:cNvSpPr/>
           <p:nvPr/>
@@ -8767,7 +15473,7 @@
 </p:sld>
 </file>
 
-<file path=ppt/slides/slide3.xml><?xml version="1.0" encoding="utf-8"?>
+<file path=ppt/slides/slide4.xml><?xml version="1.0" encoding="utf-8"?>
 <p:sld xmlns:a="http://schemas.openxmlformats.org/drawingml/2006/main" xmlns:r="http://schemas.openxmlformats.org/officeDocument/2006/relationships" xmlns:p="http://schemas.openxmlformats.org/presentationml/2006/main">
   <p:cSld>
     <p:spTree>
@@ -9130,7 +15836,7 @@
 </p:sld>
 </file>
 
-<file path=ppt/slides/slide4.xml><?xml version="1.0" encoding="utf-8"?>
+<file path=ppt/slides/slide5.xml><?xml version="1.0" encoding="utf-8"?>
 <p:sld xmlns:a="http://schemas.openxmlformats.org/drawingml/2006/main" xmlns:r="http://schemas.openxmlformats.org/officeDocument/2006/relationships" xmlns:p="http://schemas.openxmlformats.org/presentationml/2006/main">
   <p:cSld>
     <p:bg>
@@ -11683,7 +18389,7 @@
 </p:sld>
 </file>
 
-<file path=ppt/slides/slide5.xml><?xml version="1.0" encoding="utf-8"?>
+<file path=ppt/slides/slide6.xml><?xml version="1.0" encoding="utf-8"?>
 <p:sld xmlns:a="http://schemas.openxmlformats.org/drawingml/2006/main" xmlns:r="http://schemas.openxmlformats.org/officeDocument/2006/relationships" xmlns:p="http://schemas.openxmlformats.org/presentationml/2006/main">
   <p:cSld>
     <p:spTree>
@@ -14119,7 +20825,7 @@
 </p:sld>
 </file>
 
-<file path=ppt/slides/slide6.xml><?xml version="1.0" encoding="utf-8"?>
+<file path=ppt/slides/slide7.xml><?xml version="1.0" encoding="utf-8"?>
 <p:sld xmlns:a="http://schemas.openxmlformats.org/drawingml/2006/main" xmlns:r="http://schemas.openxmlformats.org/officeDocument/2006/relationships" xmlns:p="http://schemas.openxmlformats.org/presentationml/2006/main">
   <p:cSld>
     <p:spTree>
@@ -14454,7 +21160,7 @@
 </p:sld>
 </file>
 
-<file path=ppt/slides/slide7.xml><?xml version="1.0" encoding="utf-8"?>
+<file path=ppt/slides/slide8.xml><?xml version="1.0" encoding="utf-8"?>
 <p:sld xmlns:a="http://schemas.openxmlformats.org/drawingml/2006/main" xmlns:r="http://schemas.openxmlformats.org/officeDocument/2006/relationships" xmlns:p="http://schemas.openxmlformats.org/presentationml/2006/main">
   <p:cSld>
     <p:spTree>
@@ -14706,7 +21412,7 @@
 </p:sld>
 </file>
 
-<file path=ppt/slides/slide8.xml><?xml version="1.0" encoding="utf-8"?>
+<file path=ppt/slides/slide9.xml><?xml version="1.0" encoding="utf-8"?>
 <p:sld xmlns:a="http://schemas.openxmlformats.org/drawingml/2006/main" xmlns:r="http://schemas.openxmlformats.org/officeDocument/2006/relationships" xmlns:p="http://schemas.openxmlformats.org/presentationml/2006/main">
   <p:cSld>
     <p:spTree>
